--- a/Econ/PPT/S13_Lecture_23.pptx
+++ b/Econ/PPT/S13_Lecture_23.pptx
@@ -5,24 +5,23 @@
     <p:sldMasterId id="2147483648" r:id="rId2"/>
     <p:sldMasterId id="2147483661" r:id="rId3"/>
     <p:sldMasterId id="2147483674" r:id="rId4"/>
-    <p:sldMasterId id="2147483687" r:id="rId5"/>
   </p:sldMasterIdLst>
   <p:sldIdLst>
-    <p:sldId id="256" r:id="rId6"/>
-    <p:sldId id="257" r:id="rId7"/>
-    <p:sldId id="258" r:id="rId8"/>
-    <p:sldId id="259" r:id="rId9"/>
-    <p:sldId id="260" r:id="rId10"/>
-    <p:sldId id="261" r:id="rId11"/>
-    <p:sldId id="262" r:id="rId12"/>
-    <p:sldId id="263" r:id="rId13"/>
-    <p:sldId id="264" r:id="rId14"/>
-    <p:sldId id="265" r:id="rId15"/>
-    <p:sldId id="266" r:id="rId16"/>
-    <p:sldId id="267" r:id="rId17"/>
-    <p:sldId id="268" r:id="rId18"/>
-    <p:sldId id="269" r:id="rId19"/>
-    <p:sldId id="270" r:id="rId20"/>
+    <p:sldId id="256" r:id="rId5"/>
+    <p:sldId id="257" r:id="rId6"/>
+    <p:sldId id="258" r:id="rId7"/>
+    <p:sldId id="259" r:id="rId8"/>
+    <p:sldId id="260" r:id="rId9"/>
+    <p:sldId id="261" r:id="rId10"/>
+    <p:sldId id="262" r:id="rId11"/>
+    <p:sldId id="263" r:id="rId12"/>
+    <p:sldId id="264" r:id="rId13"/>
+    <p:sldId id="265" r:id="rId14"/>
+    <p:sldId id="266" r:id="rId15"/>
+    <p:sldId id="267" r:id="rId16"/>
+    <p:sldId id="268" r:id="rId17"/>
+    <p:sldId id="269" r:id="rId18"/>
+    <p:sldId id="270" r:id="rId19"/>
   </p:sldIdLst>
   <p:sldSz cx="9144000" cy="6858000"/>
   <p:notesSz cx="7772400" cy="10058400"/>
@@ -70,7 +69,7 @@
       </p:grpSpPr>
       <p:sp>
         <p:nvSpPr>
-          <p:cNvPr id="30" name="PlaceHolder 1"/>
+          <p:cNvPr id="23" name="PlaceHolder 1"/>
           <p:cNvSpPr>
             <a:spLocks noGrp="1"/>
           </p:cNvSpPr>
@@ -80,7 +79,7 @@
         </p:nvSpPr>
         <p:spPr>
           <a:xfrm>
-            <a:off x="457200" y="273240"/>
+            <a:off x="457200" y="273600"/>
             <a:ext cx="8229240" cy="1145160"/>
           </a:xfrm>
           <a:prstGeom prst="rect">
@@ -97,7 +96,7 @@
       </p:sp>
       <p:sp>
         <p:nvSpPr>
-          <p:cNvPr id="31" name="PlaceHolder 2"/>
+          <p:cNvPr id="24" name="PlaceHolder 2"/>
           <p:cNvSpPr>
             <a:spLocks noGrp="1"/>
           </p:cNvSpPr>
@@ -108,7 +107,7 @@
         <p:spPr>
           <a:xfrm>
             <a:off x="457200" y="1604520"/>
-            <a:ext cx="8229240" cy="1896840"/>
+            <a:ext cx="8046360" cy="1896840"/>
           </a:xfrm>
           <a:prstGeom prst="rect">
             <a:avLst/>
@@ -123,7 +122,7 @@
       </p:sp>
       <p:sp>
         <p:nvSpPr>
-          <p:cNvPr id="32" name="PlaceHolder 3"/>
+          <p:cNvPr id="25" name="PlaceHolder 3"/>
           <p:cNvSpPr>
             <a:spLocks noGrp="1"/>
           </p:cNvSpPr>
@@ -134,7 +133,7 @@
         <p:spPr>
           <a:xfrm>
             <a:off x="457200" y="3681720"/>
-            <a:ext cx="8229240" cy="1896840"/>
+            <a:ext cx="8046360" cy="1896840"/>
           </a:xfrm>
           <a:prstGeom prst="rect">
             <a:avLst/>
@@ -171,7 +170,7 @@
       </p:grpSpPr>
       <p:sp>
         <p:nvSpPr>
-          <p:cNvPr id="33" name="PlaceHolder 1"/>
+          <p:cNvPr id="26" name="PlaceHolder 1"/>
           <p:cNvSpPr>
             <a:spLocks noGrp="1"/>
           </p:cNvSpPr>
@@ -181,7 +180,7 @@
         </p:nvSpPr>
         <p:spPr>
           <a:xfrm>
-            <a:off x="457200" y="273240"/>
+            <a:off x="457200" y="273600"/>
             <a:ext cx="8229240" cy="1145160"/>
           </a:xfrm>
           <a:prstGeom prst="rect">
@@ -198,7 +197,7 @@
       </p:sp>
       <p:sp>
         <p:nvSpPr>
-          <p:cNvPr id="34" name="PlaceHolder 2"/>
+          <p:cNvPr id="27" name="PlaceHolder 2"/>
           <p:cNvSpPr>
             <a:spLocks noGrp="1"/>
           </p:cNvSpPr>
@@ -209,7 +208,7 @@
         <p:spPr>
           <a:xfrm>
             <a:off x="457200" y="1604520"/>
-            <a:ext cx="4015440" cy="1896840"/>
+            <a:ext cx="3926160" cy="1896840"/>
           </a:xfrm>
           <a:prstGeom prst="rect">
             <a:avLst/>
@@ -224,7 +223,7 @@
       </p:sp>
       <p:sp>
         <p:nvSpPr>
-          <p:cNvPr id="35" name="PlaceHolder 3"/>
+          <p:cNvPr id="28" name="PlaceHolder 3"/>
           <p:cNvSpPr>
             <a:spLocks noGrp="1"/>
           </p:cNvSpPr>
@@ -234,8 +233,8 @@
         </p:nvSpPr>
         <p:spPr>
           <a:xfrm>
-            <a:off x="4673520" y="1604520"/>
-            <a:ext cx="4015440" cy="1896840"/>
+            <a:off x="4579920" y="1604520"/>
+            <a:ext cx="3926160" cy="1896840"/>
           </a:xfrm>
           <a:prstGeom prst="rect">
             <a:avLst/>
@@ -250,7 +249,7 @@
       </p:sp>
       <p:sp>
         <p:nvSpPr>
-          <p:cNvPr id="36" name="PlaceHolder 4"/>
+          <p:cNvPr id="29" name="PlaceHolder 4"/>
           <p:cNvSpPr>
             <a:spLocks noGrp="1"/>
           </p:cNvSpPr>
@@ -260,8 +259,8 @@
         </p:nvSpPr>
         <p:spPr>
           <a:xfrm>
-            <a:off x="4673520" y="3681720"/>
-            <a:ext cx="4015440" cy="1896840"/>
+            <a:off x="4579920" y="3681720"/>
+            <a:ext cx="3926160" cy="1896840"/>
           </a:xfrm>
           <a:prstGeom prst="rect">
             <a:avLst/>
@@ -276,7 +275,7 @@
       </p:sp>
       <p:sp>
         <p:nvSpPr>
-          <p:cNvPr id="37" name="PlaceHolder 5"/>
+          <p:cNvPr id="30" name="PlaceHolder 5"/>
           <p:cNvSpPr>
             <a:spLocks noGrp="1"/>
           </p:cNvSpPr>
@@ -287,7 +286,7 @@
         <p:spPr>
           <a:xfrm>
             <a:off x="457200" y="3681720"/>
-            <a:ext cx="4015440" cy="1896840"/>
+            <a:ext cx="3926160" cy="1896840"/>
           </a:xfrm>
           <a:prstGeom prst="rect">
             <a:avLst/>
@@ -324,7 +323,7 @@
       </p:grpSpPr>
       <p:sp>
         <p:nvSpPr>
-          <p:cNvPr id="38" name="PlaceHolder 1"/>
+          <p:cNvPr id="31" name="PlaceHolder 1"/>
           <p:cNvSpPr>
             <a:spLocks noGrp="1"/>
           </p:cNvSpPr>
@@ -334,7 +333,7 @@
         </p:nvSpPr>
         <p:spPr>
           <a:xfrm>
-            <a:off x="457200" y="273240"/>
+            <a:off x="457200" y="273600"/>
             <a:ext cx="8229240" cy="1145160"/>
           </a:xfrm>
           <a:prstGeom prst="rect">
@@ -351,7 +350,7 @@
       </p:sp>
       <p:sp>
         <p:nvSpPr>
-          <p:cNvPr id="39" name="PlaceHolder 2"/>
+          <p:cNvPr id="32" name="PlaceHolder 2"/>
           <p:cNvSpPr>
             <a:spLocks noGrp="1"/>
           </p:cNvSpPr>
@@ -362,7 +361,7 @@
         <p:spPr>
           <a:xfrm>
             <a:off x="457200" y="1604520"/>
-            <a:ext cx="4015440" cy="1896840"/>
+            <a:ext cx="3926160" cy="1896840"/>
           </a:xfrm>
           <a:prstGeom prst="rect">
             <a:avLst/>
@@ -377,7 +376,7 @@
       </p:sp>
       <p:sp>
         <p:nvSpPr>
-          <p:cNvPr id="40" name="PlaceHolder 3"/>
+          <p:cNvPr id="33" name="PlaceHolder 3"/>
           <p:cNvSpPr>
             <a:spLocks noGrp="1"/>
           </p:cNvSpPr>
@@ -387,8 +386,8 @@
         </p:nvSpPr>
         <p:spPr>
           <a:xfrm>
-            <a:off x="4673520" y="1604520"/>
-            <a:ext cx="4015440" cy="1896840"/>
+            <a:off x="4579920" y="1604520"/>
+            <a:ext cx="3926160" cy="1896840"/>
           </a:xfrm>
           <a:prstGeom prst="rect">
             <a:avLst/>
@@ -447,7 +446,7 @@
       </p:grpSpPr>
       <p:sp>
         <p:nvSpPr>
-          <p:cNvPr id="50" name="PlaceHolder 1"/>
+          <p:cNvPr id="36" name="PlaceHolder 1"/>
           <p:cNvSpPr>
             <a:spLocks noGrp="1"/>
           </p:cNvSpPr>
@@ -457,7 +456,7 @@
         </p:nvSpPr>
         <p:spPr>
           <a:xfrm>
-            <a:off x="457200" y="273240"/>
+            <a:off x="457200" y="273600"/>
             <a:ext cx="8229240" cy="1145160"/>
           </a:xfrm>
           <a:prstGeom prst="rect">
@@ -474,7 +473,7 @@
       </p:sp>
       <p:sp>
         <p:nvSpPr>
-          <p:cNvPr id="51" name="PlaceHolder 2"/>
+          <p:cNvPr id="37" name="PlaceHolder 2"/>
           <p:cNvSpPr>
             <a:spLocks noGrp="1"/>
           </p:cNvSpPr>
@@ -485,7 +484,7 @@
         <p:spPr>
           <a:xfrm>
             <a:off x="457200" y="1604520"/>
-            <a:ext cx="8229240" cy="3977640"/>
+            <a:ext cx="8046360" cy="3977640"/>
           </a:xfrm>
           <a:prstGeom prst="rect">
             <a:avLst/>
@@ -523,7 +522,7 @@
       </p:grpSpPr>
       <p:sp>
         <p:nvSpPr>
-          <p:cNvPr id="52" name="PlaceHolder 1"/>
+          <p:cNvPr id="38" name="PlaceHolder 1"/>
           <p:cNvSpPr>
             <a:spLocks noGrp="1"/>
           </p:cNvSpPr>
@@ -533,7 +532,7 @@
         </p:nvSpPr>
         <p:spPr>
           <a:xfrm>
-            <a:off x="457200" y="273240"/>
+            <a:off x="457200" y="273600"/>
             <a:ext cx="8229240" cy="1145160"/>
           </a:xfrm>
           <a:prstGeom prst="rect">
@@ -550,7 +549,7 @@
       </p:sp>
       <p:sp>
         <p:nvSpPr>
-          <p:cNvPr id="53" name="PlaceHolder 2"/>
+          <p:cNvPr id="39" name="PlaceHolder 2"/>
           <p:cNvSpPr>
             <a:spLocks noGrp="1"/>
           </p:cNvSpPr>
@@ -561,7 +560,7 @@
         <p:spPr>
           <a:xfrm>
             <a:off x="457200" y="1604520"/>
-            <a:ext cx="8229240" cy="3977280"/>
+            <a:ext cx="8046360" cy="3977280"/>
           </a:xfrm>
           <a:prstGeom prst="rect">
             <a:avLst/>
@@ -598,7 +597,7 @@
       </p:grpSpPr>
       <p:sp>
         <p:nvSpPr>
-          <p:cNvPr id="54" name="PlaceHolder 1"/>
+          <p:cNvPr id="40" name="PlaceHolder 1"/>
           <p:cNvSpPr>
             <a:spLocks noGrp="1"/>
           </p:cNvSpPr>
@@ -608,7 +607,7 @@
         </p:nvSpPr>
         <p:spPr>
           <a:xfrm>
-            <a:off x="457200" y="273240"/>
+            <a:off x="457200" y="273600"/>
             <a:ext cx="8229240" cy="1145160"/>
           </a:xfrm>
           <a:prstGeom prst="rect">
@@ -625,7 +624,7 @@
       </p:sp>
       <p:sp>
         <p:nvSpPr>
-          <p:cNvPr id="55" name="PlaceHolder 2"/>
+          <p:cNvPr id="41" name="PlaceHolder 2"/>
           <p:cNvSpPr>
             <a:spLocks noGrp="1"/>
           </p:cNvSpPr>
@@ -636,7 +635,7 @@
         <p:spPr>
           <a:xfrm>
             <a:off x="457200" y="1604520"/>
-            <a:ext cx="4015440" cy="3977280"/>
+            <a:ext cx="3926160" cy="3977280"/>
           </a:xfrm>
           <a:prstGeom prst="rect">
             <a:avLst/>
@@ -651,7 +650,7 @@
       </p:sp>
       <p:sp>
         <p:nvSpPr>
-          <p:cNvPr id="56" name="PlaceHolder 3"/>
+          <p:cNvPr id="42" name="PlaceHolder 3"/>
           <p:cNvSpPr>
             <a:spLocks noGrp="1"/>
           </p:cNvSpPr>
@@ -661,8 +660,8 @@
         </p:nvSpPr>
         <p:spPr>
           <a:xfrm>
-            <a:off x="4673520" y="1604520"/>
-            <a:ext cx="4015440" cy="3977280"/>
+            <a:off x="4579920" y="1604520"/>
+            <a:ext cx="3926160" cy="3977280"/>
           </a:xfrm>
           <a:prstGeom prst="rect">
             <a:avLst/>
@@ -699,7 +698,7 @@
       </p:grpSpPr>
       <p:sp>
         <p:nvSpPr>
-          <p:cNvPr id="57" name="PlaceHolder 1"/>
+          <p:cNvPr id="43" name="PlaceHolder 1"/>
           <p:cNvSpPr>
             <a:spLocks noGrp="1"/>
           </p:cNvSpPr>
@@ -709,7 +708,7 @@
         </p:nvSpPr>
         <p:spPr>
           <a:xfrm>
-            <a:off x="457200" y="273240"/>
+            <a:off x="457200" y="273600"/>
             <a:ext cx="8229240" cy="1145160"/>
           </a:xfrm>
           <a:prstGeom prst="rect">
@@ -748,7 +747,7 @@
       </p:grpSpPr>
       <p:sp>
         <p:nvSpPr>
-          <p:cNvPr id="58" name="PlaceHolder 1"/>
+          <p:cNvPr id="44" name="PlaceHolder 1"/>
           <p:cNvSpPr>
             <a:spLocks noGrp="1"/>
           </p:cNvSpPr>
@@ -758,8 +757,8 @@
         </p:nvSpPr>
         <p:spPr>
           <a:xfrm>
-            <a:off x="457200" y="273240"/>
-            <a:ext cx="8229240" cy="5308560"/>
+            <a:off x="457200" y="273600"/>
+            <a:ext cx="8229240" cy="5308200"/>
           </a:xfrm>
           <a:prstGeom prst="rect">
             <a:avLst/>
@@ -797,7 +796,7 @@
       </p:grpSpPr>
       <p:sp>
         <p:nvSpPr>
-          <p:cNvPr id="59" name="PlaceHolder 1"/>
+          <p:cNvPr id="45" name="PlaceHolder 1"/>
           <p:cNvSpPr>
             <a:spLocks noGrp="1"/>
           </p:cNvSpPr>
@@ -807,7 +806,7 @@
         </p:nvSpPr>
         <p:spPr>
           <a:xfrm>
-            <a:off x="457200" y="273240"/>
+            <a:off x="457200" y="273600"/>
             <a:ext cx="8229240" cy="1145160"/>
           </a:xfrm>
           <a:prstGeom prst="rect">
@@ -824,7 +823,7 @@
       </p:sp>
       <p:sp>
         <p:nvSpPr>
-          <p:cNvPr id="60" name="PlaceHolder 2"/>
+          <p:cNvPr id="46" name="PlaceHolder 2"/>
           <p:cNvSpPr>
             <a:spLocks noGrp="1"/>
           </p:cNvSpPr>
@@ -835,7 +834,7 @@
         <p:spPr>
           <a:xfrm>
             <a:off x="457200" y="1604520"/>
-            <a:ext cx="4015440" cy="1896840"/>
+            <a:ext cx="3926160" cy="1896840"/>
           </a:xfrm>
           <a:prstGeom prst="rect">
             <a:avLst/>
@@ -850,7 +849,7 @@
       </p:sp>
       <p:sp>
         <p:nvSpPr>
-          <p:cNvPr id="61" name="PlaceHolder 3"/>
+          <p:cNvPr id="47" name="PlaceHolder 3"/>
           <p:cNvSpPr>
             <a:spLocks noGrp="1"/>
           </p:cNvSpPr>
@@ -861,7 +860,7 @@
         <p:spPr>
           <a:xfrm>
             <a:off x="457200" y="3681720"/>
-            <a:ext cx="4015440" cy="1896840"/>
+            <a:ext cx="3926160" cy="1896840"/>
           </a:xfrm>
           <a:prstGeom prst="rect">
             <a:avLst/>
@@ -876,7 +875,7 @@
       </p:sp>
       <p:sp>
         <p:nvSpPr>
-          <p:cNvPr id="62" name="PlaceHolder 4"/>
+          <p:cNvPr id="48" name="PlaceHolder 4"/>
           <p:cNvSpPr>
             <a:spLocks noGrp="1"/>
           </p:cNvSpPr>
@@ -886,8 +885,8 @@
         </p:nvSpPr>
         <p:spPr>
           <a:xfrm>
-            <a:off x="4673520" y="1604520"/>
-            <a:ext cx="4015440" cy="3977280"/>
+            <a:off x="4579920" y="1604520"/>
+            <a:ext cx="3926160" cy="3977280"/>
           </a:xfrm>
           <a:prstGeom prst="rect">
             <a:avLst/>
@@ -924,7 +923,7 @@
       </p:grpSpPr>
       <p:sp>
         <p:nvSpPr>
-          <p:cNvPr id="9" name="PlaceHolder 1"/>
+          <p:cNvPr id="2" name="PlaceHolder 1"/>
           <p:cNvSpPr>
             <a:spLocks noGrp="1"/>
           </p:cNvSpPr>
@@ -934,7 +933,7 @@
         </p:nvSpPr>
         <p:spPr>
           <a:xfrm>
-            <a:off x="457200" y="273240"/>
+            <a:off x="457200" y="273600"/>
             <a:ext cx="8229240" cy="1145160"/>
           </a:xfrm>
           <a:prstGeom prst="rect">
@@ -951,7 +950,7 @@
       </p:sp>
       <p:sp>
         <p:nvSpPr>
-          <p:cNvPr id="10" name="PlaceHolder 2"/>
+          <p:cNvPr id="3" name="PlaceHolder 2"/>
           <p:cNvSpPr>
             <a:spLocks noGrp="1"/>
           </p:cNvSpPr>
@@ -962,7 +961,7 @@
         <p:spPr>
           <a:xfrm>
             <a:off x="457200" y="1604520"/>
-            <a:ext cx="8229240" cy="3977640"/>
+            <a:ext cx="8046360" cy="3977640"/>
           </a:xfrm>
           <a:prstGeom prst="rect">
             <a:avLst/>
@@ -1000,7 +999,7 @@
       </p:grpSpPr>
       <p:sp>
         <p:nvSpPr>
-          <p:cNvPr id="63" name="PlaceHolder 1"/>
+          <p:cNvPr id="49" name="PlaceHolder 1"/>
           <p:cNvSpPr>
             <a:spLocks noGrp="1"/>
           </p:cNvSpPr>
@@ -1010,7 +1009,7 @@
         </p:nvSpPr>
         <p:spPr>
           <a:xfrm>
-            <a:off x="457200" y="273240"/>
+            <a:off x="457200" y="273600"/>
             <a:ext cx="8229240" cy="1145160"/>
           </a:xfrm>
           <a:prstGeom prst="rect">
@@ -1027,7 +1026,7 @@
       </p:sp>
       <p:sp>
         <p:nvSpPr>
-          <p:cNvPr id="64" name="PlaceHolder 2"/>
+          <p:cNvPr id="50" name="PlaceHolder 2"/>
           <p:cNvSpPr>
             <a:spLocks noGrp="1"/>
           </p:cNvSpPr>
@@ -1038,7 +1037,7 @@
         <p:spPr>
           <a:xfrm>
             <a:off x="457200" y="1604520"/>
-            <a:ext cx="4015440" cy="3977280"/>
+            <a:ext cx="3926160" cy="3977280"/>
           </a:xfrm>
           <a:prstGeom prst="rect">
             <a:avLst/>
@@ -1053,7 +1052,7 @@
       </p:sp>
       <p:sp>
         <p:nvSpPr>
-          <p:cNvPr id="65" name="PlaceHolder 3"/>
+          <p:cNvPr id="51" name="PlaceHolder 3"/>
           <p:cNvSpPr>
             <a:spLocks noGrp="1"/>
           </p:cNvSpPr>
@@ -1063,8 +1062,8 @@
         </p:nvSpPr>
         <p:spPr>
           <a:xfrm>
-            <a:off x="4673520" y="1604520"/>
-            <a:ext cx="4015440" cy="1896840"/>
+            <a:off x="4579920" y="1604520"/>
+            <a:ext cx="3926160" cy="1896840"/>
           </a:xfrm>
           <a:prstGeom prst="rect">
             <a:avLst/>
@@ -1079,7 +1078,7 @@
       </p:sp>
       <p:sp>
         <p:nvSpPr>
-          <p:cNvPr id="66" name="PlaceHolder 4"/>
+          <p:cNvPr id="52" name="PlaceHolder 4"/>
           <p:cNvSpPr>
             <a:spLocks noGrp="1"/>
           </p:cNvSpPr>
@@ -1089,8 +1088,8 @@
         </p:nvSpPr>
         <p:spPr>
           <a:xfrm>
-            <a:off x="4673520" y="3681720"/>
-            <a:ext cx="4015440" cy="1896840"/>
+            <a:off x="4579920" y="3681720"/>
+            <a:ext cx="3926160" cy="1896840"/>
           </a:xfrm>
           <a:prstGeom prst="rect">
             <a:avLst/>
@@ -1127,7 +1126,7 @@
       </p:grpSpPr>
       <p:sp>
         <p:nvSpPr>
-          <p:cNvPr id="67" name="PlaceHolder 1"/>
+          <p:cNvPr id="53" name="PlaceHolder 1"/>
           <p:cNvSpPr>
             <a:spLocks noGrp="1"/>
           </p:cNvSpPr>
@@ -1137,7 +1136,7 @@
         </p:nvSpPr>
         <p:spPr>
           <a:xfrm>
-            <a:off x="457200" y="273240"/>
+            <a:off x="457200" y="273600"/>
             <a:ext cx="8229240" cy="1145160"/>
           </a:xfrm>
           <a:prstGeom prst="rect">
@@ -1154,7 +1153,7 @@
       </p:sp>
       <p:sp>
         <p:nvSpPr>
-          <p:cNvPr id="68" name="PlaceHolder 2"/>
+          <p:cNvPr id="54" name="PlaceHolder 2"/>
           <p:cNvSpPr>
             <a:spLocks noGrp="1"/>
           </p:cNvSpPr>
@@ -1165,7 +1164,7 @@
         <p:spPr>
           <a:xfrm>
             <a:off x="457200" y="1604520"/>
-            <a:ext cx="4015440" cy="1896840"/>
+            <a:ext cx="3926160" cy="1896840"/>
           </a:xfrm>
           <a:prstGeom prst="rect">
             <a:avLst/>
@@ -1180,7 +1179,7 @@
       </p:sp>
       <p:sp>
         <p:nvSpPr>
-          <p:cNvPr id="69" name="PlaceHolder 3"/>
+          <p:cNvPr id="55" name="PlaceHolder 3"/>
           <p:cNvSpPr>
             <a:spLocks noGrp="1"/>
           </p:cNvSpPr>
@@ -1190,8 +1189,8 @@
         </p:nvSpPr>
         <p:spPr>
           <a:xfrm>
-            <a:off x="4673520" y="1604520"/>
-            <a:ext cx="4015440" cy="1896840"/>
+            <a:off x="4579920" y="1604520"/>
+            <a:ext cx="3926160" cy="1896840"/>
           </a:xfrm>
           <a:prstGeom prst="rect">
             <a:avLst/>
@@ -1206,7 +1205,7 @@
       </p:sp>
       <p:sp>
         <p:nvSpPr>
-          <p:cNvPr id="70" name="PlaceHolder 4"/>
+          <p:cNvPr id="56" name="PlaceHolder 4"/>
           <p:cNvSpPr>
             <a:spLocks noGrp="1"/>
           </p:cNvSpPr>
@@ -1217,7 +1216,7 @@
         <p:spPr>
           <a:xfrm>
             <a:off x="457200" y="3681720"/>
-            <a:ext cx="8228520" cy="1896840"/>
+            <a:ext cx="8045640" cy="1896840"/>
           </a:xfrm>
           <a:prstGeom prst="rect">
             <a:avLst/>
@@ -1254,7 +1253,7 @@
       </p:grpSpPr>
       <p:sp>
         <p:nvSpPr>
-          <p:cNvPr id="71" name="PlaceHolder 1"/>
+          <p:cNvPr id="57" name="PlaceHolder 1"/>
           <p:cNvSpPr>
             <a:spLocks noGrp="1"/>
           </p:cNvSpPr>
@@ -1264,7 +1263,7 @@
         </p:nvSpPr>
         <p:spPr>
           <a:xfrm>
-            <a:off x="457200" y="273240"/>
+            <a:off x="457200" y="273600"/>
             <a:ext cx="8229240" cy="1145160"/>
           </a:xfrm>
           <a:prstGeom prst="rect">
@@ -1281,7 +1280,7 @@
       </p:sp>
       <p:sp>
         <p:nvSpPr>
-          <p:cNvPr id="72" name="PlaceHolder 2"/>
+          <p:cNvPr id="58" name="PlaceHolder 2"/>
           <p:cNvSpPr>
             <a:spLocks noGrp="1"/>
           </p:cNvSpPr>
@@ -1292,7 +1291,7 @@
         <p:spPr>
           <a:xfrm>
             <a:off x="457200" y="1604520"/>
-            <a:ext cx="8229240" cy="1896840"/>
+            <a:ext cx="8046360" cy="1896840"/>
           </a:xfrm>
           <a:prstGeom prst="rect">
             <a:avLst/>
@@ -1307,7 +1306,7 @@
       </p:sp>
       <p:sp>
         <p:nvSpPr>
-          <p:cNvPr id="73" name="PlaceHolder 3"/>
+          <p:cNvPr id="59" name="PlaceHolder 3"/>
           <p:cNvSpPr>
             <a:spLocks noGrp="1"/>
           </p:cNvSpPr>
@@ -1318,7 +1317,7 @@
         <p:spPr>
           <a:xfrm>
             <a:off x="457200" y="3681720"/>
-            <a:ext cx="8229240" cy="1896840"/>
+            <a:ext cx="8046360" cy="1896840"/>
           </a:xfrm>
           <a:prstGeom prst="rect">
             <a:avLst/>
@@ -1355,7 +1354,7 @@
       </p:grpSpPr>
       <p:sp>
         <p:nvSpPr>
-          <p:cNvPr id="74" name="PlaceHolder 1"/>
+          <p:cNvPr id="60" name="PlaceHolder 1"/>
           <p:cNvSpPr>
             <a:spLocks noGrp="1"/>
           </p:cNvSpPr>
@@ -1365,7 +1364,7 @@
         </p:nvSpPr>
         <p:spPr>
           <a:xfrm>
-            <a:off x="457200" y="273240"/>
+            <a:off x="457200" y="273600"/>
             <a:ext cx="8229240" cy="1145160"/>
           </a:xfrm>
           <a:prstGeom prst="rect">
@@ -1382,7 +1381,7 @@
       </p:sp>
       <p:sp>
         <p:nvSpPr>
-          <p:cNvPr id="75" name="PlaceHolder 2"/>
+          <p:cNvPr id="61" name="PlaceHolder 2"/>
           <p:cNvSpPr>
             <a:spLocks noGrp="1"/>
           </p:cNvSpPr>
@@ -1393,7 +1392,7 @@
         <p:spPr>
           <a:xfrm>
             <a:off x="457200" y="1604520"/>
-            <a:ext cx="4015440" cy="1896840"/>
+            <a:ext cx="3926160" cy="1896840"/>
           </a:xfrm>
           <a:prstGeom prst="rect">
             <a:avLst/>
@@ -1408,7 +1407,7 @@
       </p:sp>
       <p:sp>
         <p:nvSpPr>
-          <p:cNvPr id="76" name="PlaceHolder 3"/>
+          <p:cNvPr id="62" name="PlaceHolder 3"/>
           <p:cNvSpPr>
             <a:spLocks noGrp="1"/>
           </p:cNvSpPr>
@@ -1418,8 +1417,8 @@
         </p:nvSpPr>
         <p:spPr>
           <a:xfrm>
-            <a:off x="4673520" y="1604520"/>
-            <a:ext cx="4015440" cy="1896840"/>
+            <a:off x="4579920" y="1604520"/>
+            <a:ext cx="3926160" cy="1896840"/>
           </a:xfrm>
           <a:prstGeom prst="rect">
             <a:avLst/>
@@ -1434,7 +1433,7 @@
       </p:sp>
       <p:sp>
         <p:nvSpPr>
-          <p:cNvPr id="77" name="PlaceHolder 4"/>
+          <p:cNvPr id="63" name="PlaceHolder 4"/>
           <p:cNvSpPr>
             <a:spLocks noGrp="1"/>
           </p:cNvSpPr>
@@ -1444,8 +1443,8 @@
         </p:nvSpPr>
         <p:spPr>
           <a:xfrm>
-            <a:off x="4673520" y="3681720"/>
-            <a:ext cx="4015440" cy="1896840"/>
+            <a:off x="4579920" y="3681720"/>
+            <a:ext cx="3926160" cy="1896840"/>
           </a:xfrm>
           <a:prstGeom prst="rect">
             <a:avLst/>
@@ -1460,7 +1459,7 @@
       </p:sp>
       <p:sp>
         <p:nvSpPr>
-          <p:cNvPr id="78" name="PlaceHolder 5"/>
+          <p:cNvPr id="64" name="PlaceHolder 5"/>
           <p:cNvSpPr>
             <a:spLocks noGrp="1"/>
           </p:cNvSpPr>
@@ -1471,7 +1470,7 @@
         <p:spPr>
           <a:xfrm>
             <a:off x="457200" y="3681720"/>
-            <a:ext cx="4015440" cy="1896840"/>
+            <a:ext cx="3926160" cy="1896840"/>
           </a:xfrm>
           <a:prstGeom prst="rect">
             <a:avLst/>
@@ -1508,7 +1507,7 @@
       </p:grpSpPr>
       <p:sp>
         <p:nvSpPr>
-          <p:cNvPr id="79" name="PlaceHolder 1"/>
+          <p:cNvPr id="65" name="PlaceHolder 1"/>
           <p:cNvSpPr>
             <a:spLocks noGrp="1"/>
           </p:cNvSpPr>
@@ -1518,7 +1517,7 @@
         </p:nvSpPr>
         <p:spPr>
           <a:xfrm>
-            <a:off x="457200" y="273240"/>
+            <a:off x="457200" y="273600"/>
             <a:ext cx="8229240" cy="1145160"/>
           </a:xfrm>
           <a:prstGeom prst="rect">
@@ -1535,7 +1534,7 @@
       </p:sp>
       <p:sp>
         <p:nvSpPr>
-          <p:cNvPr id="80" name="PlaceHolder 2"/>
+          <p:cNvPr id="66" name="PlaceHolder 2"/>
           <p:cNvSpPr>
             <a:spLocks noGrp="1"/>
           </p:cNvSpPr>
@@ -1546,7 +1545,7 @@
         <p:spPr>
           <a:xfrm>
             <a:off x="457200" y="1604520"/>
-            <a:ext cx="4015440" cy="1896840"/>
+            <a:ext cx="3926160" cy="1896840"/>
           </a:xfrm>
           <a:prstGeom prst="rect">
             <a:avLst/>
@@ -1561,7 +1560,7 @@
       </p:sp>
       <p:sp>
         <p:nvSpPr>
-          <p:cNvPr id="81" name="PlaceHolder 3"/>
+          <p:cNvPr id="67" name="PlaceHolder 3"/>
           <p:cNvSpPr>
             <a:spLocks noGrp="1"/>
           </p:cNvSpPr>
@@ -1571,8 +1570,8 @@
         </p:nvSpPr>
         <p:spPr>
           <a:xfrm>
-            <a:off x="4673520" y="1604520"/>
-            <a:ext cx="4015440" cy="1896840"/>
+            <a:off x="4579920" y="1604520"/>
+            <a:ext cx="3926160" cy="1896840"/>
           </a:xfrm>
           <a:prstGeom prst="rect">
             <a:avLst/>
@@ -1631,7 +1630,7 @@
       </p:grpSpPr>
       <p:sp>
         <p:nvSpPr>
-          <p:cNvPr id="92" name="PlaceHolder 1"/>
+          <p:cNvPr id="71" name="PlaceHolder 1"/>
           <p:cNvSpPr>
             <a:spLocks noGrp="1"/>
           </p:cNvSpPr>
@@ -1641,7 +1640,7 @@
         </p:nvSpPr>
         <p:spPr>
           <a:xfrm>
-            <a:off x="457200" y="273240"/>
+            <a:off x="457200" y="273600"/>
             <a:ext cx="8229240" cy="1145160"/>
           </a:xfrm>
           <a:prstGeom prst="rect">
@@ -1658,7 +1657,7 @@
       </p:sp>
       <p:sp>
         <p:nvSpPr>
-          <p:cNvPr id="93" name="PlaceHolder 2"/>
+          <p:cNvPr id="72" name="PlaceHolder 2"/>
           <p:cNvSpPr>
             <a:spLocks noGrp="1"/>
           </p:cNvSpPr>
@@ -1669,7 +1668,7 @@
         <p:spPr>
           <a:xfrm>
             <a:off x="457200" y="1604520"/>
-            <a:ext cx="8229240" cy="3977640"/>
+            <a:ext cx="8046360" cy="3977640"/>
           </a:xfrm>
           <a:prstGeom prst="rect">
             <a:avLst/>
@@ -1707,7 +1706,7 @@
       </p:grpSpPr>
       <p:sp>
         <p:nvSpPr>
-          <p:cNvPr id="94" name="PlaceHolder 1"/>
+          <p:cNvPr id="73" name="PlaceHolder 1"/>
           <p:cNvSpPr>
             <a:spLocks noGrp="1"/>
           </p:cNvSpPr>
@@ -1717,7 +1716,7 @@
         </p:nvSpPr>
         <p:spPr>
           <a:xfrm>
-            <a:off x="457200" y="273240"/>
+            <a:off x="457200" y="273600"/>
             <a:ext cx="8229240" cy="1145160"/>
           </a:xfrm>
           <a:prstGeom prst="rect">
@@ -1734,7 +1733,7 @@
       </p:sp>
       <p:sp>
         <p:nvSpPr>
-          <p:cNvPr id="95" name="PlaceHolder 2"/>
+          <p:cNvPr id="74" name="PlaceHolder 2"/>
           <p:cNvSpPr>
             <a:spLocks noGrp="1"/>
           </p:cNvSpPr>
@@ -1745,7 +1744,7 @@
         <p:spPr>
           <a:xfrm>
             <a:off x="457200" y="1604520"/>
-            <a:ext cx="8229240" cy="3977280"/>
+            <a:ext cx="8046360" cy="3977280"/>
           </a:xfrm>
           <a:prstGeom prst="rect">
             <a:avLst/>
@@ -1782,7 +1781,7 @@
       </p:grpSpPr>
       <p:sp>
         <p:nvSpPr>
-          <p:cNvPr id="96" name="PlaceHolder 1"/>
+          <p:cNvPr id="75" name="PlaceHolder 1"/>
           <p:cNvSpPr>
             <a:spLocks noGrp="1"/>
           </p:cNvSpPr>
@@ -1792,7 +1791,7 @@
         </p:nvSpPr>
         <p:spPr>
           <a:xfrm>
-            <a:off x="457200" y="273240"/>
+            <a:off x="457200" y="273600"/>
             <a:ext cx="8229240" cy="1145160"/>
           </a:xfrm>
           <a:prstGeom prst="rect">
@@ -1809,7 +1808,7 @@
       </p:sp>
       <p:sp>
         <p:nvSpPr>
-          <p:cNvPr id="97" name="PlaceHolder 2"/>
+          <p:cNvPr id="76" name="PlaceHolder 2"/>
           <p:cNvSpPr>
             <a:spLocks noGrp="1"/>
           </p:cNvSpPr>
@@ -1820,7 +1819,7 @@
         <p:spPr>
           <a:xfrm>
             <a:off x="457200" y="1604520"/>
-            <a:ext cx="4015440" cy="3977280"/>
+            <a:ext cx="3926160" cy="3977280"/>
           </a:xfrm>
           <a:prstGeom prst="rect">
             <a:avLst/>
@@ -1835,7 +1834,7 @@
       </p:sp>
       <p:sp>
         <p:nvSpPr>
-          <p:cNvPr id="98" name="PlaceHolder 3"/>
+          <p:cNvPr id="77" name="PlaceHolder 3"/>
           <p:cNvSpPr>
             <a:spLocks noGrp="1"/>
           </p:cNvSpPr>
@@ -1845,8 +1844,8 @@
         </p:nvSpPr>
         <p:spPr>
           <a:xfrm>
-            <a:off x="4673520" y="1604520"/>
-            <a:ext cx="4015440" cy="3977280"/>
+            <a:off x="4579920" y="1604520"/>
+            <a:ext cx="3926160" cy="3977280"/>
           </a:xfrm>
           <a:prstGeom prst="rect">
             <a:avLst/>
@@ -1883,7 +1882,7 @@
       </p:grpSpPr>
       <p:sp>
         <p:nvSpPr>
-          <p:cNvPr id="99" name="PlaceHolder 1"/>
+          <p:cNvPr id="78" name="PlaceHolder 1"/>
           <p:cNvSpPr>
             <a:spLocks noGrp="1"/>
           </p:cNvSpPr>
@@ -1893,7 +1892,7 @@
         </p:nvSpPr>
         <p:spPr>
           <a:xfrm>
-            <a:off x="457200" y="273240"/>
+            <a:off x="457200" y="273600"/>
             <a:ext cx="8229240" cy="1145160"/>
           </a:xfrm>
           <a:prstGeom prst="rect">
@@ -1932,7 +1931,7 @@
       </p:grpSpPr>
       <p:sp>
         <p:nvSpPr>
-          <p:cNvPr id="11" name="PlaceHolder 1"/>
+          <p:cNvPr id="4" name="PlaceHolder 1"/>
           <p:cNvSpPr>
             <a:spLocks noGrp="1"/>
           </p:cNvSpPr>
@@ -1942,7 +1941,7 @@
         </p:nvSpPr>
         <p:spPr>
           <a:xfrm>
-            <a:off x="457200" y="273240"/>
+            <a:off x="457200" y="273600"/>
             <a:ext cx="8229240" cy="1145160"/>
           </a:xfrm>
           <a:prstGeom prst="rect">
@@ -1959,7 +1958,7 @@
       </p:sp>
       <p:sp>
         <p:nvSpPr>
-          <p:cNvPr id="12" name="PlaceHolder 2"/>
+          <p:cNvPr id="5" name="PlaceHolder 2"/>
           <p:cNvSpPr>
             <a:spLocks noGrp="1"/>
           </p:cNvSpPr>
@@ -1970,7 +1969,7 @@
         <p:spPr>
           <a:xfrm>
             <a:off x="457200" y="1604520"/>
-            <a:ext cx="8229240" cy="3977280"/>
+            <a:ext cx="8046360" cy="3977280"/>
           </a:xfrm>
           <a:prstGeom prst="rect">
             <a:avLst/>
@@ -2007,7 +2006,7 @@
       </p:grpSpPr>
       <p:sp>
         <p:nvSpPr>
-          <p:cNvPr id="100" name="PlaceHolder 1"/>
+          <p:cNvPr id="79" name="PlaceHolder 1"/>
           <p:cNvSpPr>
             <a:spLocks noGrp="1"/>
           </p:cNvSpPr>
@@ -2017,8 +2016,8 @@
         </p:nvSpPr>
         <p:spPr>
           <a:xfrm>
-            <a:off x="457200" y="273240"/>
-            <a:ext cx="8229240" cy="5308560"/>
+            <a:off x="457200" y="273600"/>
+            <a:ext cx="8229240" cy="5308200"/>
           </a:xfrm>
           <a:prstGeom prst="rect">
             <a:avLst/>
@@ -2056,7 +2055,7 @@
       </p:grpSpPr>
       <p:sp>
         <p:nvSpPr>
-          <p:cNvPr id="101" name="PlaceHolder 1"/>
+          <p:cNvPr id="80" name="PlaceHolder 1"/>
           <p:cNvSpPr>
             <a:spLocks noGrp="1"/>
           </p:cNvSpPr>
@@ -2066,7 +2065,7 @@
         </p:nvSpPr>
         <p:spPr>
           <a:xfrm>
-            <a:off x="457200" y="273240"/>
+            <a:off x="457200" y="273600"/>
             <a:ext cx="8229240" cy="1145160"/>
           </a:xfrm>
           <a:prstGeom prst="rect">
@@ -2083,7 +2082,7 @@
       </p:sp>
       <p:sp>
         <p:nvSpPr>
-          <p:cNvPr id="102" name="PlaceHolder 2"/>
+          <p:cNvPr id="81" name="PlaceHolder 2"/>
           <p:cNvSpPr>
             <a:spLocks noGrp="1"/>
           </p:cNvSpPr>
@@ -2094,7 +2093,7 @@
         <p:spPr>
           <a:xfrm>
             <a:off x="457200" y="1604520"/>
-            <a:ext cx="4015440" cy="1896840"/>
+            <a:ext cx="3926160" cy="1896840"/>
           </a:xfrm>
           <a:prstGeom prst="rect">
             <a:avLst/>
@@ -2109,7 +2108,7 @@
       </p:sp>
       <p:sp>
         <p:nvSpPr>
-          <p:cNvPr id="103" name="PlaceHolder 3"/>
+          <p:cNvPr id="82" name="PlaceHolder 3"/>
           <p:cNvSpPr>
             <a:spLocks noGrp="1"/>
           </p:cNvSpPr>
@@ -2120,7 +2119,7 @@
         <p:spPr>
           <a:xfrm>
             <a:off x="457200" y="3681720"/>
-            <a:ext cx="4015440" cy="1896840"/>
+            <a:ext cx="3926160" cy="1896840"/>
           </a:xfrm>
           <a:prstGeom prst="rect">
             <a:avLst/>
@@ -2135,7 +2134,7 @@
       </p:sp>
       <p:sp>
         <p:nvSpPr>
-          <p:cNvPr id="104" name="PlaceHolder 4"/>
+          <p:cNvPr id="83" name="PlaceHolder 4"/>
           <p:cNvSpPr>
             <a:spLocks noGrp="1"/>
           </p:cNvSpPr>
@@ -2145,8 +2144,8 @@
         </p:nvSpPr>
         <p:spPr>
           <a:xfrm>
-            <a:off x="4673520" y="1604520"/>
-            <a:ext cx="4015440" cy="3977280"/>
+            <a:off x="4579920" y="1604520"/>
+            <a:ext cx="3926160" cy="3977280"/>
           </a:xfrm>
           <a:prstGeom prst="rect">
             <a:avLst/>
@@ -2183,7 +2182,7 @@
       </p:grpSpPr>
       <p:sp>
         <p:nvSpPr>
-          <p:cNvPr id="105" name="PlaceHolder 1"/>
+          <p:cNvPr id="84" name="PlaceHolder 1"/>
           <p:cNvSpPr>
             <a:spLocks noGrp="1"/>
           </p:cNvSpPr>
@@ -2193,7 +2192,7 @@
         </p:nvSpPr>
         <p:spPr>
           <a:xfrm>
-            <a:off x="457200" y="273240"/>
+            <a:off x="457200" y="273600"/>
             <a:ext cx="8229240" cy="1145160"/>
           </a:xfrm>
           <a:prstGeom prst="rect">
@@ -2210,7 +2209,7 @@
       </p:sp>
       <p:sp>
         <p:nvSpPr>
-          <p:cNvPr id="106" name="PlaceHolder 2"/>
+          <p:cNvPr id="85" name="PlaceHolder 2"/>
           <p:cNvSpPr>
             <a:spLocks noGrp="1"/>
           </p:cNvSpPr>
@@ -2221,7 +2220,7 @@
         <p:spPr>
           <a:xfrm>
             <a:off x="457200" y="1604520"/>
-            <a:ext cx="4015440" cy="3977280"/>
+            <a:ext cx="3926160" cy="3977280"/>
           </a:xfrm>
           <a:prstGeom prst="rect">
             <a:avLst/>
@@ -2236,7 +2235,7 @@
       </p:sp>
       <p:sp>
         <p:nvSpPr>
-          <p:cNvPr id="107" name="PlaceHolder 3"/>
+          <p:cNvPr id="86" name="PlaceHolder 3"/>
           <p:cNvSpPr>
             <a:spLocks noGrp="1"/>
           </p:cNvSpPr>
@@ -2246,8 +2245,8 @@
         </p:nvSpPr>
         <p:spPr>
           <a:xfrm>
-            <a:off x="4673520" y="1604520"/>
-            <a:ext cx="4015440" cy="1896840"/>
+            <a:off x="4579920" y="1604520"/>
+            <a:ext cx="3926160" cy="1896840"/>
           </a:xfrm>
           <a:prstGeom prst="rect">
             <a:avLst/>
@@ -2262,7 +2261,7 @@
       </p:sp>
       <p:sp>
         <p:nvSpPr>
-          <p:cNvPr id="108" name="PlaceHolder 4"/>
+          <p:cNvPr id="87" name="PlaceHolder 4"/>
           <p:cNvSpPr>
             <a:spLocks noGrp="1"/>
           </p:cNvSpPr>
@@ -2272,8 +2271,8 @@
         </p:nvSpPr>
         <p:spPr>
           <a:xfrm>
-            <a:off x="4673520" y="3681720"/>
-            <a:ext cx="4015440" cy="1896840"/>
+            <a:off x="4579920" y="3681720"/>
+            <a:ext cx="3926160" cy="1896840"/>
           </a:xfrm>
           <a:prstGeom prst="rect">
             <a:avLst/>
@@ -2310,7 +2309,7 @@
       </p:grpSpPr>
       <p:sp>
         <p:nvSpPr>
-          <p:cNvPr id="109" name="PlaceHolder 1"/>
+          <p:cNvPr id="88" name="PlaceHolder 1"/>
           <p:cNvSpPr>
             <a:spLocks noGrp="1"/>
           </p:cNvSpPr>
@@ -2320,7 +2319,7 @@
         </p:nvSpPr>
         <p:spPr>
           <a:xfrm>
-            <a:off x="457200" y="273240"/>
+            <a:off x="457200" y="273600"/>
             <a:ext cx="8229240" cy="1145160"/>
           </a:xfrm>
           <a:prstGeom prst="rect">
@@ -2337,7 +2336,7 @@
       </p:sp>
       <p:sp>
         <p:nvSpPr>
-          <p:cNvPr id="110" name="PlaceHolder 2"/>
+          <p:cNvPr id="89" name="PlaceHolder 2"/>
           <p:cNvSpPr>
             <a:spLocks noGrp="1"/>
           </p:cNvSpPr>
@@ -2348,7 +2347,7 @@
         <p:spPr>
           <a:xfrm>
             <a:off x="457200" y="1604520"/>
-            <a:ext cx="4015440" cy="1896840"/>
+            <a:ext cx="3926160" cy="1896840"/>
           </a:xfrm>
           <a:prstGeom prst="rect">
             <a:avLst/>
@@ -2363,7 +2362,7 @@
       </p:sp>
       <p:sp>
         <p:nvSpPr>
-          <p:cNvPr id="111" name="PlaceHolder 3"/>
+          <p:cNvPr id="90" name="PlaceHolder 3"/>
           <p:cNvSpPr>
             <a:spLocks noGrp="1"/>
           </p:cNvSpPr>
@@ -2373,8 +2372,8 @@
         </p:nvSpPr>
         <p:spPr>
           <a:xfrm>
-            <a:off x="4673520" y="1604520"/>
-            <a:ext cx="4015440" cy="1896840"/>
+            <a:off x="4579920" y="1604520"/>
+            <a:ext cx="3926160" cy="1896840"/>
           </a:xfrm>
           <a:prstGeom prst="rect">
             <a:avLst/>
@@ -2389,7 +2388,7 @@
       </p:sp>
       <p:sp>
         <p:nvSpPr>
-          <p:cNvPr id="112" name="PlaceHolder 4"/>
+          <p:cNvPr id="91" name="PlaceHolder 4"/>
           <p:cNvSpPr>
             <a:spLocks noGrp="1"/>
           </p:cNvSpPr>
@@ -2400,7 +2399,7 @@
         <p:spPr>
           <a:xfrm>
             <a:off x="457200" y="3681720"/>
-            <a:ext cx="8228520" cy="1896840"/>
+            <a:ext cx="8045640" cy="1896840"/>
           </a:xfrm>
           <a:prstGeom prst="rect">
             <a:avLst/>
@@ -2437,7 +2436,7 @@
       </p:grpSpPr>
       <p:sp>
         <p:nvSpPr>
-          <p:cNvPr id="113" name="PlaceHolder 1"/>
+          <p:cNvPr id="92" name="PlaceHolder 1"/>
           <p:cNvSpPr>
             <a:spLocks noGrp="1"/>
           </p:cNvSpPr>
@@ -2447,7 +2446,7 @@
         </p:nvSpPr>
         <p:spPr>
           <a:xfrm>
-            <a:off x="457200" y="273240"/>
+            <a:off x="457200" y="273600"/>
             <a:ext cx="8229240" cy="1145160"/>
           </a:xfrm>
           <a:prstGeom prst="rect">
@@ -2464,7 +2463,7 @@
       </p:sp>
       <p:sp>
         <p:nvSpPr>
-          <p:cNvPr id="114" name="PlaceHolder 2"/>
+          <p:cNvPr id="93" name="PlaceHolder 2"/>
           <p:cNvSpPr>
             <a:spLocks noGrp="1"/>
           </p:cNvSpPr>
@@ -2475,7 +2474,7 @@
         <p:spPr>
           <a:xfrm>
             <a:off x="457200" y="1604520"/>
-            <a:ext cx="8229240" cy="1896840"/>
+            <a:ext cx="8046360" cy="1896840"/>
           </a:xfrm>
           <a:prstGeom prst="rect">
             <a:avLst/>
@@ -2490,7 +2489,7 @@
       </p:sp>
       <p:sp>
         <p:nvSpPr>
-          <p:cNvPr id="115" name="PlaceHolder 3"/>
+          <p:cNvPr id="94" name="PlaceHolder 3"/>
           <p:cNvSpPr>
             <a:spLocks noGrp="1"/>
           </p:cNvSpPr>
@@ -2501,7 +2500,7 @@
         <p:spPr>
           <a:xfrm>
             <a:off x="457200" y="3681720"/>
-            <a:ext cx="8229240" cy="1896840"/>
+            <a:ext cx="8046360" cy="1896840"/>
           </a:xfrm>
           <a:prstGeom prst="rect">
             <a:avLst/>
@@ -2538,7 +2537,7 @@
       </p:grpSpPr>
       <p:sp>
         <p:nvSpPr>
-          <p:cNvPr id="116" name="PlaceHolder 1"/>
+          <p:cNvPr id="95" name="PlaceHolder 1"/>
           <p:cNvSpPr>
             <a:spLocks noGrp="1"/>
           </p:cNvSpPr>
@@ -2548,7 +2547,7 @@
         </p:nvSpPr>
         <p:spPr>
           <a:xfrm>
-            <a:off x="457200" y="273240"/>
+            <a:off x="457200" y="273600"/>
             <a:ext cx="8229240" cy="1145160"/>
           </a:xfrm>
           <a:prstGeom prst="rect">
@@ -2565,7 +2564,7 @@
       </p:sp>
       <p:sp>
         <p:nvSpPr>
-          <p:cNvPr id="117" name="PlaceHolder 2"/>
+          <p:cNvPr id="96" name="PlaceHolder 2"/>
           <p:cNvSpPr>
             <a:spLocks noGrp="1"/>
           </p:cNvSpPr>
@@ -2576,7 +2575,7 @@
         <p:spPr>
           <a:xfrm>
             <a:off x="457200" y="1604520"/>
-            <a:ext cx="4015440" cy="1896840"/>
+            <a:ext cx="3926160" cy="1896840"/>
           </a:xfrm>
           <a:prstGeom prst="rect">
             <a:avLst/>
@@ -2591,7 +2590,7 @@
       </p:sp>
       <p:sp>
         <p:nvSpPr>
-          <p:cNvPr id="118" name="PlaceHolder 3"/>
+          <p:cNvPr id="97" name="PlaceHolder 3"/>
           <p:cNvSpPr>
             <a:spLocks noGrp="1"/>
           </p:cNvSpPr>
@@ -2601,8 +2600,8 @@
         </p:nvSpPr>
         <p:spPr>
           <a:xfrm>
-            <a:off x="4673520" y="1604520"/>
-            <a:ext cx="4015440" cy="1896840"/>
+            <a:off x="4579920" y="1604520"/>
+            <a:ext cx="3926160" cy="1896840"/>
           </a:xfrm>
           <a:prstGeom prst="rect">
             <a:avLst/>
@@ -2617,7 +2616,7 @@
       </p:sp>
       <p:sp>
         <p:nvSpPr>
-          <p:cNvPr id="119" name="PlaceHolder 4"/>
+          <p:cNvPr id="98" name="PlaceHolder 4"/>
           <p:cNvSpPr>
             <a:spLocks noGrp="1"/>
           </p:cNvSpPr>
@@ -2627,8 +2626,8 @@
         </p:nvSpPr>
         <p:spPr>
           <a:xfrm>
-            <a:off x="4673520" y="3681720"/>
-            <a:ext cx="4015440" cy="1896840"/>
+            <a:off x="4579920" y="3681720"/>
+            <a:ext cx="3926160" cy="1896840"/>
           </a:xfrm>
           <a:prstGeom prst="rect">
             <a:avLst/>
@@ -2643,7 +2642,7 @@
       </p:sp>
       <p:sp>
         <p:nvSpPr>
-          <p:cNvPr id="120" name="PlaceHolder 5"/>
+          <p:cNvPr id="99" name="PlaceHolder 5"/>
           <p:cNvSpPr>
             <a:spLocks noGrp="1"/>
           </p:cNvSpPr>
@@ -2654,7 +2653,7 @@
         <p:spPr>
           <a:xfrm>
             <a:off x="457200" y="3681720"/>
-            <a:ext cx="4015440" cy="1896840"/>
+            <a:ext cx="3926160" cy="1896840"/>
           </a:xfrm>
           <a:prstGeom prst="rect">
             <a:avLst/>
@@ -2691,7 +2690,7 @@
       </p:grpSpPr>
       <p:sp>
         <p:nvSpPr>
-          <p:cNvPr id="121" name="PlaceHolder 1"/>
+          <p:cNvPr id="100" name="PlaceHolder 1"/>
           <p:cNvSpPr>
             <a:spLocks noGrp="1"/>
           </p:cNvSpPr>
@@ -2701,7 +2700,7 @@
         </p:nvSpPr>
         <p:spPr>
           <a:xfrm>
-            <a:off x="457200" y="273240"/>
+            <a:off x="457200" y="273600"/>
             <a:ext cx="8229240" cy="1145160"/>
           </a:xfrm>
           <a:prstGeom prst="rect">
@@ -2718,7 +2717,7 @@
       </p:sp>
       <p:sp>
         <p:nvSpPr>
-          <p:cNvPr id="122" name="PlaceHolder 2"/>
+          <p:cNvPr id="101" name="PlaceHolder 2"/>
           <p:cNvSpPr>
             <a:spLocks noGrp="1"/>
           </p:cNvSpPr>
@@ -2729,7 +2728,7 @@
         <p:spPr>
           <a:xfrm>
             <a:off x="457200" y="1604520"/>
-            <a:ext cx="4015440" cy="1896840"/>
+            <a:ext cx="3926160" cy="1896840"/>
           </a:xfrm>
           <a:prstGeom prst="rect">
             <a:avLst/>
@@ -2744,7 +2743,7 @@
       </p:sp>
       <p:sp>
         <p:nvSpPr>
-          <p:cNvPr id="123" name="PlaceHolder 3"/>
+          <p:cNvPr id="102" name="PlaceHolder 3"/>
           <p:cNvSpPr>
             <a:spLocks noGrp="1"/>
           </p:cNvSpPr>
@@ -2754,181 +2753,8 @@
         </p:nvSpPr>
         <p:spPr>
           <a:xfrm>
-            <a:off x="4673520" y="1604520"/>
-            <a:ext cx="4015440" cy="1896840"/>
-          </a:xfrm>
-          <a:prstGeom prst="rect">
-            <a:avLst/>
-          </a:prstGeom>
-        </p:spPr>
-        <p:txBody>
-          <a:bodyPr bIns="0" lIns="0" rIns="0" tIns="0" wrap="none"/>
-          <a:p>
-            <a:endParaRPr/>
-          </a:p>
-        </p:txBody>
-      </p:sp>
-    </p:spTree>
-  </p:cSld>
-</p:sldLayout>
-</file>
-
-<file path=ppt/slideLayouts/slideLayout37.xml><?xml version="1.0" encoding="utf-8"?>
-<p:sldLayout xmlns:a="http://schemas.openxmlformats.org/drawingml/2006/main" xmlns:p="http://schemas.openxmlformats.org/presentationml/2006/main" xmlns:r="http://schemas.openxmlformats.org/officeDocument/2006/relationships" preserve="1" type="blank">
-  <p:cSld name="Blank Slide">
-    <p:spTree>
-      <p:nvGrpSpPr>
-        <p:cNvPr id="1" name=""/>
-        <p:cNvGrpSpPr/>
-        <p:nvPr/>
-      </p:nvGrpSpPr>
-      <p:grpSpPr>
-        <a:xfrm>
-          <a:off x="0" y="0"/>
-          <a:ext cx="0" cy="0"/>
-          <a:chOff x="0" y="0"/>
-          <a:chExt cx="0" cy="0"/>
-        </a:xfrm>
-      </p:grpSpPr>
-    </p:spTree>
-  </p:cSld>
-</p:sldLayout>
-</file>
-
-<file path=ppt/slideLayouts/slideLayout38.xml><?xml version="1.0" encoding="utf-8"?>
-<p:sldLayout xmlns:a="http://schemas.openxmlformats.org/drawingml/2006/main" xmlns:p="http://schemas.openxmlformats.org/presentationml/2006/main" xmlns:r="http://schemas.openxmlformats.org/officeDocument/2006/relationships" preserve="1" type="tx">
-  <p:cSld name="Title Slide">
-    <p:spTree>
-      <p:nvGrpSpPr>
-        <p:cNvPr id="1" name=""/>
-        <p:cNvGrpSpPr/>
-        <p:nvPr/>
-      </p:nvGrpSpPr>
-      <p:grpSpPr>
-        <a:xfrm>
-          <a:off x="0" y="0"/>
-          <a:ext cx="0" cy="0"/>
-          <a:chOff x="0" y="0"/>
-          <a:chExt cx="0" cy="0"/>
-        </a:xfrm>
-      </p:grpSpPr>
-      <p:sp>
-        <p:nvSpPr>
-          <p:cNvPr id="129" name="PlaceHolder 1"/>
-          <p:cNvSpPr>
-            <a:spLocks noGrp="1"/>
-          </p:cNvSpPr>
-          <p:nvPr>
-            <p:ph type="title"/>
-          </p:nvPr>
-        </p:nvSpPr>
-        <p:spPr>
-          <a:xfrm>
-            <a:off x="457200" y="273240"/>
-            <a:ext cx="8229240" cy="1145160"/>
-          </a:xfrm>
-          <a:prstGeom prst="rect">
-            <a:avLst/>
-          </a:prstGeom>
-        </p:spPr>
-        <p:txBody>
-          <a:bodyPr anchor="ctr" bIns="0" lIns="0" rIns="0" tIns="0" wrap="none"/>
-          <a:p>
-            <a:pPr algn="ctr"/>
-            <a:endParaRPr/>
-          </a:p>
-        </p:txBody>
-      </p:sp>
-      <p:sp>
-        <p:nvSpPr>
-          <p:cNvPr id="130" name="PlaceHolder 2"/>
-          <p:cNvSpPr>
-            <a:spLocks noGrp="1"/>
-          </p:cNvSpPr>
-          <p:nvPr>
-            <p:ph type="subTitle"/>
-          </p:nvPr>
-        </p:nvSpPr>
-        <p:spPr>
-          <a:xfrm>
-            <a:off x="457200" y="1604520"/>
-            <a:ext cx="8229240" cy="3977640"/>
-          </a:xfrm>
-          <a:prstGeom prst="rect">
-            <a:avLst/>
-          </a:prstGeom>
-        </p:spPr>
-        <p:txBody>
-          <a:bodyPr anchor="ctr" bIns="0" lIns="0" rIns="0" tIns="0" wrap="none"/>
-          <a:p>
-            <a:pPr algn="ctr"/>
-            <a:endParaRPr/>
-          </a:p>
-        </p:txBody>
-      </p:sp>
-    </p:spTree>
-  </p:cSld>
-</p:sldLayout>
-</file>
-
-<file path=ppt/slideLayouts/slideLayout39.xml><?xml version="1.0" encoding="utf-8"?>
-<p:sldLayout xmlns:a="http://schemas.openxmlformats.org/drawingml/2006/main" xmlns:p="http://schemas.openxmlformats.org/presentationml/2006/main" xmlns:r="http://schemas.openxmlformats.org/officeDocument/2006/relationships" preserve="1" type="obj">
-  <p:cSld name="Title, Content">
-    <p:spTree>
-      <p:nvGrpSpPr>
-        <p:cNvPr id="1" name=""/>
-        <p:cNvGrpSpPr/>
-        <p:nvPr/>
-      </p:nvGrpSpPr>
-      <p:grpSpPr>
-        <a:xfrm>
-          <a:off x="0" y="0"/>
-          <a:ext cx="0" cy="0"/>
-          <a:chOff x="0" y="0"/>
-          <a:chExt cx="0" cy="0"/>
-        </a:xfrm>
-      </p:grpSpPr>
-      <p:sp>
-        <p:nvSpPr>
-          <p:cNvPr id="131" name="PlaceHolder 1"/>
-          <p:cNvSpPr>
-            <a:spLocks noGrp="1"/>
-          </p:cNvSpPr>
-          <p:nvPr>
-            <p:ph type="title"/>
-          </p:nvPr>
-        </p:nvSpPr>
-        <p:spPr>
-          <a:xfrm>
-            <a:off x="457200" y="273240"/>
-            <a:ext cx="8229240" cy="1145160"/>
-          </a:xfrm>
-          <a:prstGeom prst="rect">
-            <a:avLst/>
-          </a:prstGeom>
-        </p:spPr>
-        <p:txBody>
-          <a:bodyPr anchor="ctr" bIns="0" lIns="0" rIns="0" tIns="0" wrap="none"/>
-          <a:p>
-            <a:pPr algn="ctr"/>
-            <a:endParaRPr/>
-          </a:p>
-        </p:txBody>
-      </p:sp>
-      <p:sp>
-        <p:nvSpPr>
-          <p:cNvPr id="132" name="PlaceHolder 2"/>
-          <p:cNvSpPr>
-            <a:spLocks noGrp="1"/>
-          </p:cNvSpPr>
-          <p:nvPr>
-            <p:ph type="body"/>
-          </p:nvPr>
-        </p:nvSpPr>
-        <p:spPr>
-          <a:xfrm>
-            <a:off x="457200" y="1604520"/>
-            <a:ext cx="8229240" cy="3977280"/>
+            <a:off x="4579920" y="1604520"/>
+            <a:ext cx="3926160" cy="1896840"/>
           </a:xfrm>
           <a:prstGeom prst="rect">
             <a:avLst/>
@@ -2965,7 +2791,7 @@
       </p:grpSpPr>
       <p:sp>
         <p:nvSpPr>
-          <p:cNvPr id="13" name="PlaceHolder 1"/>
+          <p:cNvPr id="6" name="PlaceHolder 1"/>
           <p:cNvSpPr>
             <a:spLocks noGrp="1"/>
           </p:cNvSpPr>
@@ -2975,7 +2801,7 @@
         </p:nvSpPr>
         <p:spPr>
           <a:xfrm>
-            <a:off x="457200" y="273240"/>
+            <a:off x="457200" y="273600"/>
             <a:ext cx="8229240" cy="1145160"/>
           </a:xfrm>
           <a:prstGeom prst="rect">
@@ -2992,7 +2818,7 @@
       </p:sp>
       <p:sp>
         <p:nvSpPr>
-          <p:cNvPr id="14" name="PlaceHolder 2"/>
+          <p:cNvPr id="7" name="PlaceHolder 2"/>
           <p:cNvSpPr>
             <a:spLocks noGrp="1"/>
           </p:cNvSpPr>
@@ -3003,7 +2829,7 @@
         <p:spPr>
           <a:xfrm>
             <a:off x="457200" y="1604520"/>
-            <a:ext cx="4015440" cy="3977280"/>
+            <a:ext cx="3926160" cy="3977280"/>
           </a:xfrm>
           <a:prstGeom prst="rect">
             <a:avLst/>
@@ -3018,7 +2844,7 @@
       </p:sp>
       <p:sp>
         <p:nvSpPr>
-          <p:cNvPr id="15" name="PlaceHolder 3"/>
+          <p:cNvPr id="8" name="PlaceHolder 3"/>
           <p:cNvSpPr>
             <a:spLocks noGrp="1"/>
           </p:cNvSpPr>
@@ -3028,943 +2854,8 @@
         </p:nvSpPr>
         <p:spPr>
           <a:xfrm>
-            <a:off x="4673520" y="1604520"/>
-            <a:ext cx="4015440" cy="3977280"/>
-          </a:xfrm>
-          <a:prstGeom prst="rect">
-            <a:avLst/>
-          </a:prstGeom>
-        </p:spPr>
-        <p:txBody>
-          <a:bodyPr bIns="0" lIns="0" rIns="0" tIns="0" wrap="none"/>
-          <a:p>
-            <a:endParaRPr/>
-          </a:p>
-        </p:txBody>
-      </p:sp>
-    </p:spTree>
-  </p:cSld>
-</p:sldLayout>
-</file>
-
-<file path=ppt/slideLayouts/slideLayout40.xml><?xml version="1.0" encoding="utf-8"?>
-<p:sldLayout xmlns:a="http://schemas.openxmlformats.org/drawingml/2006/main" xmlns:p="http://schemas.openxmlformats.org/presentationml/2006/main" xmlns:r="http://schemas.openxmlformats.org/officeDocument/2006/relationships" preserve="1" type="twoObj">
-  <p:cSld name="Title, 2 Content">
-    <p:spTree>
-      <p:nvGrpSpPr>
-        <p:cNvPr id="1" name=""/>
-        <p:cNvGrpSpPr/>
-        <p:nvPr/>
-      </p:nvGrpSpPr>
-      <p:grpSpPr>
-        <a:xfrm>
-          <a:off x="0" y="0"/>
-          <a:ext cx="0" cy="0"/>
-          <a:chOff x="0" y="0"/>
-          <a:chExt cx="0" cy="0"/>
-        </a:xfrm>
-      </p:grpSpPr>
-      <p:sp>
-        <p:nvSpPr>
-          <p:cNvPr id="133" name="PlaceHolder 1"/>
-          <p:cNvSpPr>
-            <a:spLocks noGrp="1"/>
-          </p:cNvSpPr>
-          <p:nvPr>
-            <p:ph type="title"/>
-          </p:nvPr>
-        </p:nvSpPr>
-        <p:spPr>
-          <a:xfrm>
-            <a:off x="457200" y="273240"/>
-            <a:ext cx="8229240" cy="1145160"/>
-          </a:xfrm>
-          <a:prstGeom prst="rect">
-            <a:avLst/>
-          </a:prstGeom>
-        </p:spPr>
-        <p:txBody>
-          <a:bodyPr anchor="ctr" bIns="0" lIns="0" rIns="0" tIns="0" wrap="none"/>
-          <a:p>
-            <a:pPr algn="ctr"/>
-            <a:endParaRPr/>
-          </a:p>
-        </p:txBody>
-      </p:sp>
-      <p:sp>
-        <p:nvSpPr>
-          <p:cNvPr id="134" name="PlaceHolder 2"/>
-          <p:cNvSpPr>
-            <a:spLocks noGrp="1"/>
-          </p:cNvSpPr>
-          <p:nvPr>
-            <p:ph type="body"/>
-          </p:nvPr>
-        </p:nvSpPr>
-        <p:spPr>
-          <a:xfrm>
-            <a:off x="457200" y="1604520"/>
-            <a:ext cx="4015440" cy="3977280"/>
-          </a:xfrm>
-          <a:prstGeom prst="rect">
-            <a:avLst/>
-          </a:prstGeom>
-        </p:spPr>
-        <p:txBody>
-          <a:bodyPr bIns="0" lIns="0" rIns="0" tIns="0" wrap="none"/>
-          <a:p>
-            <a:endParaRPr/>
-          </a:p>
-        </p:txBody>
-      </p:sp>
-      <p:sp>
-        <p:nvSpPr>
-          <p:cNvPr id="135" name="PlaceHolder 3"/>
-          <p:cNvSpPr>
-            <a:spLocks noGrp="1"/>
-          </p:cNvSpPr>
-          <p:nvPr>
-            <p:ph type="body"/>
-          </p:nvPr>
-        </p:nvSpPr>
-        <p:spPr>
-          <a:xfrm>
-            <a:off x="4673520" y="1604520"/>
-            <a:ext cx="4015440" cy="3977280"/>
-          </a:xfrm>
-          <a:prstGeom prst="rect">
-            <a:avLst/>
-          </a:prstGeom>
-        </p:spPr>
-        <p:txBody>
-          <a:bodyPr bIns="0" lIns="0" rIns="0" tIns="0" wrap="none"/>
-          <a:p>
-            <a:endParaRPr/>
-          </a:p>
-        </p:txBody>
-      </p:sp>
-    </p:spTree>
-  </p:cSld>
-</p:sldLayout>
-</file>
-
-<file path=ppt/slideLayouts/slideLayout41.xml><?xml version="1.0" encoding="utf-8"?>
-<p:sldLayout xmlns:a="http://schemas.openxmlformats.org/drawingml/2006/main" xmlns:p="http://schemas.openxmlformats.org/presentationml/2006/main" xmlns:r="http://schemas.openxmlformats.org/officeDocument/2006/relationships" preserve="1" type="titleOnly">
-  <p:cSld name="Title Only">
-    <p:spTree>
-      <p:nvGrpSpPr>
-        <p:cNvPr id="1" name=""/>
-        <p:cNvGrpSpPr/>
-        <p:nvPr/>
-      </p:nvGrpSpPr>
-      <p:grpSpPr>
-        <a:xfrm>
-          <a:off x="0" y="0"/>
-          <a:ext cx="0" cy="0"/>
-          <a:chOff x="0" y="0"/>
-          <a:chExt cx="0" cy="0"/>
-        </a:xfrm>
-      </p:grpSpPr>
-      <p:sp>
-        <p:nvSpPr>
-          <p:cNvPr id="136" name="PlaceHolder 1"/>
-          <p:cNvSpPr>
-            <a:spLocks noGrp="1"/>
-          </p:cNvSpPr>
-          <p:nvPr>
-            <p:ph type="title"/>
-          </p:nvPr>
-        </p:nvSpPr>
-        <p:spPr>
-          <a:xfrm>
-            <a:off x="457200" y="273240"/>
-            <a:ext cx="8229240" cy="1145160"/>
-          </a:xfrm>
-          <a:prstGeom prst="rect">
-            <a:avLst/>
-          </a:prstGeom>
-        </p:spPr>
-        <p:txBody>
-          <a:bodyPr anchor="ctr" bIns="0" lIns="0" rIns="0" tIns="0" wrap="none"/>
-          <a:p>
-            <a:pPr algn="ctr"/>
-            <a:endParaRPr/>
-          </a:p>
-        </p:txBody>
-      </p:sp>
-    </p:spTree>
-  </p:cSld>
-</p:sldLayout>
-</file>
-
-<file path=ppt/slideLayouts/slideLayout42.xml><?xml version="1.0" encoding="utf-8"?>
-<p:sldLayout xmlns:a="http://schemas.openxmlformats.org/drawingml/2006/main" xmlns:p="http://schemas.openxmlformats.org/presentationml/2006/main" xmlns:r="http://schemas.openxmlformats.org/officeDocument/2006/relationships" preserve="1" type="objOnly">
-  <p:cSld name="Centered Text">
-    <p:spTree>
-      <p:nvGrpSpPr>
-        <p:cNvPr id="1" name=""/>
-        <p:cNvGrpSpPr/>
-        <p:nvPr/>
-      </p:nvGrpSpPr>
-      <p:grpSpPr>
-        <a:xfrm>
-          <a:off x="0" y="0"/>
-          <a:ext cx="0" cy="0"/>
-          <a:chOff x="0" y="0"/>
-          <a:chExt cx="0" cy="0"/>
-        </a:xfrm>
-      </p:grpSpPr>
-      <p:sp>
-        <p:nvSpPr>
-          <p:cNvPr id="137" name="PlaceHolder 1"/>
-          <p:cNvSpPr>
-            <a:spLocks noGrp="1"/>
-          </p:cNvSpPr>
-          <p:nvPr>
-            <p:ph type="subTitle"/>
-          </p:nvPr>
-        </p:nvSpPr>
-        <p:spPr>
-          <a:xfrm>
-            <a:off x="457200" y="273240"/>
-            <a:ext cx="8229240" cy="5308560"/>
-          </a:xfrm>
-          <a:prstGeom prst="rect">
-            <a:avLst/>
-          </a:prstGeom>
-        </p:spPr>
-        <p:txBody>
-          <a:bodyPr anchor="ctr" bIns="0" lIns="0" rIns="0" tIns="0" wrap="none"/>
-          <a:p>
-            <a:pPr algn="ctr"/>
-            <a:endParaRPr/>
-          </a:p>
-        </p:txBody>
-      </p:sp>
-    </p:spTree>
-  </p:cSld>
-</p:sldLayout>
-</file>
-
-<file path=ppt/slideLayouts/slideLayout43.xml><?xml version="1.0" encoding="utf-8"?>
-<p:sldLayout xmlns:a="http://schemas.openxmlformats.org/drawingml/2006/main" xmlns:p="http://schemas.openxmlformats.org/presentationml/2006/main" xmlns:r="http://schemas.openxmlformats.org/officeDocument/2006/relationships" preserve="1" type="twoObjAndObj">
-  <p:cSld name="Title, 2 Content and Content">
-    <p:spTree>
-      <p:nvGrpSpPr>
-        <p:cNvPr id="1" name=""/>
-        <p:cNvGrpSpPr/>
-        <p:nvPr/>
-      </p:nvGrpSpPr>
-      <p:grpSpPr>
-        <a:xfrm>
-          <a:off x="0" y="0"/>
-          <a:ext cx="0" cy="0"/>
-          <a:chOff x="0" y="0"/>
-          <a:chExt cx="0" cy="0"/>
-        </a:xfrm>
-      </p:grpSpPr>
-      <p:sp>
-        <p:nvSpPr>
-          <p:cNvPr id="138" name="PlaceHolder 1"/>
-          <p:cNvSpPr>
-            <a:spLocks noGrp="1"/>
-          </p:cNvSpPr>
-          <p:nvPr>
-            <p:ph type="title"/>
-          </p:nvPr>
-        </p:nvSpPr>
-        <p:spPr>
-          <a:xfrm>
-            <a:off x="457200" y="273240"/>
-            <a:ext cx="8229240" cy="1145160"/>
-          </a:xfrm>
-          <a:prstGeom prst="rect">
-            <a:avLst/>
-          </a:prstGeom>
-        </p:spPr>
-        <p:txBody>
-          <a:bodyPr anchor="ctr" bIns="0" lIns="0" rIns="0" tIns="0" wrap="none"/>
-          <a:p>
-            <a:pPr algn="ctr"/>
-            <a:endParaRPr/>
-          </a:p>
-        </p:txBody>
-      </p:sp>
-      <p:sp>
-        <p:nvSpPr>
-          <p:cNvPr id="139" name="PlaceHolder 2"/>
-          <p:cNvSpPr>
-            <a:spLocks noGrp="1"/>
-          </p:cNvSpPr>
-          <p:nvPr>
-            <p:ph type="body"/>
-          </p:nvPr>
-        </p:nvSpPr>
-        <p:spPr>
-          <a:xfrm>
-            <a:off x="457200" y="1604520"/>
-            <a:ext cx="4015440" cy="1896840"/>
-          </a:xfrm>
-          <a:prstGeom prst="rect">
-            <a:avLst/>
-          </a:prstGeom>
-        </p:spPr>
-        <p:txBody>
-          <a:bodyPr bIns="0" lIns="0" rIns="0" tIns="0" wrap="none"/>
-          <a:p>
-            <a:endParaRPr/>
-          </a:p>
-        </p:txBody>
-      </p:sp>
-      <p:sp>
-        <p:nvSpPr>
-          <p:cNvPr id="140" name="PlaceHolder 3"/>
-          <p:cNvSpPr>
-            <a:spLocks noGrp="1"/>
-          </p:cNvSpPr>
-          <p:nvPr>
-            <p:ph type="body"/>
-          </p:nvPr>
-        </p:nvSpPr>
-        <p:spPr>
-          <a:xfrm>
-            <a:off x="457200" y="3681720"/>
-            <a:ext cx="4015440" cy="1896840"/>
-          </a:xfrm>
-          <a:prstGeom prst="rect">
-            <a:avLst/>
-          </a:prstGeom>
-        </p:spPr>
-        <p:txBody>
-          <a:bodyPr bIns="0" lIns="0" rIns="0" tIns="0" wrap="none"/>
-          <a:p>
-            <a:endParaRPr/>
-          </a:p>
-        </p:txBody>
-      </p:sp>
-      <p:sp>
-        <p:nvSpPr>
-          <p:cNvPr id="141" name="PlaceHolder 4"/>
-          <p:cNvSpPr>
-            <a:spLocks noGrp="1"/>
-          </p:cNvSpPr>
-          <p:nvPr>
-            <p:ph type="body"/>
-          </p:nvPr>
-        </p:nvSpPr>
-        <p:spPr>
-          <a:xfrm>
-            <a:off x="4673520" y="1604520"/>
-            <a:ext cx="4015440" cy="3977280"/>
-          </a:xfrm>
-          <a:prstGeom prst="rect">
-            <a:avLst/>
-          </a:prstGeom>
-        </p:spPr>
-        <p:txBody>
-          <a:bodyPr bIns="0" lIns="0" rIns="0" tIns="0" wrap="none"/>
-          <a:p>
-            <a:endParaRPr/>
-          </a:p>
-        </p:txBody>
-      </p:sp>
-    </p:spTree>
-  </p:cSld>
-</p:sldLayout>
-</file>
-
-<file path=ppt/slideLayouts/slideLayout44.xml><?xml version="1.0" encoding="utf-8"?>
-<p:sldLayout xmlns:a="http://schemas.openxmlformats.org/drawingml/2006/main" xmlns:p="http://schemas.openxmlformats.org/presentationml/2006/main" xmlns:r="http://schemas.openxmlformats.org/officeDocument/2006/relationships" preserve="1" type="objAndTwoObj">
-  <p:cSld name="Title Content and 2 Content">
-    <p:spTree>
-      <p:nvGrpSpPr>
-        <p:cNvPr id="1" name=""/>
-        <p:cNvGrpSpPr/>
-        <p:nvPr/>
-      </p:nvGrpSpPr>
-      <p:grpSpPr>
-        <a:xfrm>
-          <a:off x="0" y="0"/>
-          <a:ext cx="0" cy="0"/>
-          <a:chOff x="0" y="0"/>
-          <a:chExt cx="0" cy="0"/>
-        </a:xfrm>
-      </p:grpSpPr>
-      <p:sp>
-        <p:nvSpPr>
-          <p:cNvPr id="142" name="PlaceHolder 1"/>
-          <p:cNvSpPr>
-            <a:spLocks noGrp="1"/>
-          </p:cNvSpPr>
-          <p:nvPr>
-            <p:ph type="title"/>
-          </p:nvPr>
-        </p:nvSpPr>
-        <p:spPr>
-          <a:xfrm>
-            <a:off x="457200" y="273240"/>
-            <a:ext cx="8229240" cy="1145160"/>
-          </a:xfrm>
-          <a:prstGeom prst="rect">
-            <a:avLst/>
-          </a:prstGeom>
-        </p:spPr>
-        <p:txBody>
-          <a:bodyPr anchor="ctr" bIns="0" lIns="0" rIns="0" tIns="0" wrap="none"/>
-          <a:p>
-            <a:pPr algn="ctr"/>
-            <a:endParaRPr/>
-          </a:p>
-        </p:txBody>
-      </p:sp>
-      <p:sp>
-        <p:nvSpPr>
-          <p:cNvPr id="143" name="PlaceHolder 2"/>
-          <p:cNvSpPr>
-            <a:spLocks noGrp="1"/>
-          </p:cNvSpPr>
-          <p:nvPr>
-            <p:ph type="body"/>
-          </p:nvPr>
-        </p:nvSpPr>
-        <p:spPr>
-          <a:xfrm>
-            <a:off x="457200" y="1604520"/>
-            <a:ext cx="4015440" cy="3977280"/>
-          </a:xfrm>
-          <a:prstGeom prst="rect">
-            <a:avLst/>
-          </a:prstGeom>
-        </p:spPr>
-        <p:txBody>
-          <a:bodyPr bIns="0" lIns="0" rIns="0" tIns="0" wrap="none"/>
-          <a:p>
-            <a:endParaRPr/>
-          </a:p>
-        </p:txBody>
-      </p:sp>
-      <p:sp>
-        <p:nvSpPr>
-          <p:cNvPr id="144" name="PlaceHolder 3"/>
-          <p:cNvSpPr>
-            <a:spLocks noGrp="1"/>
-          </p:cNvSpPr>
-          <p:nvPr>
-            <p:ph type="body"/>
-          </p:nvPr>
-        </p:nvSpPr>
-        <p:spPr>
-          <a:xfrm>
-            <a:off x="4673520" y="1604520"/>
-            <a:ext cx="4015440" cy="1896840"/>
-          </a:xfrm>
-          <a:prstGeom prst="rect">
-            <a:avLst/>
-          </a:prstGeom>
-        </p:spPr>
-        <p:txBody>
-          <a:bodyPr bIns="0" lIns="0" rIns="0" tIns="0" wrap="none"/>
-          <a:p>
-            <a:endParaRPr/>
-          </a:p>
-        </p:txBody>
-      </p:sp>
-      <p:sp>
-        <p:nvSpPr>
-          <p:cNvPr id="145" name="PlaceHolder 4"/>
-          <p:cNvSpPr>
-            <a:spLocks noGrp="1"/>
-          </p:cNvSpPr>
-          <p:nvPr>
-            <p:ph type="body"/>
-          </p:nvPr>
-        </p:nvSpPr>
-        <p:spPr>
-          <a:xfrm>
-            <a:off x="4673520" y="3681720"/>
-            <a:ext cx="4015440" cy="1896840"/>
-          </a:xfrm>
-          <a:prstGeom prst="rect">
-            <a:avLst/>
-          </a:prstGeom>
-        </p:spPr>
-        <p:txBody>
-          <a:bodyPr bIns="0" lIns="0" rIns="0" tIns="0" wrap="none"/>
-          <a:p>
-            <a:endParaRPr/>
-          </a:p>
-        </p:txBody>
-      </p:sp>
-    </p:spTree>
-  </p:cSld>
-</p:sldLayout>
-</file>
-
-<file path=ppt/slideLayouts/slideLayout45.xml><?xml version="1.0" encoding="utf-8"?>
-<p:sldLayout xmlns:a="http://schemas.openxmlformats.org/drawingml/2006/main" xmlns:p="http://schemas.openxmlformats.org/presentationml/2006/main" xmlns:r="http://schemas.openxmlformats.org/officeDocument/2006/relationships" preserve="1" type="twoObjOverTx">
-  <p:cSld name="Title, 2 Content over Content">
-    <p:spTree>
-      <p:nvGrpSpPr>
-        <p:cNvPr id="1" name=""/>
-        <p:cNvGrpSpPr/>
-        <p:nvPr/>
-      </p:nvGrpSpPr>
-      <p:grpSpPr>
-        <a:xfrm>
-          <a:off x="0" y="0"/>
-          <a:ext cx="0" cy="0"/>
-          <a:chOff x="0" y="0"/>
-          <a:chExt cx="0" cy="0"/>
-        </a:xfrm>
-      </p:grpSpPr>
-      <p:sp>
-        <p:nvSpPr>
-          <p:cNvPr id="146" name="PlaceHolder 1"/>
-          <p:cNvSpPr>
-            <a:spLocks noGrp="1"/>
-          </p:cNvSpPr>
-          <p:nvPr>
-            <p:ph type="title"/>
-          </p:nvPr>
-        </p:nvSpPr>
-        <p:spPr>
-          <a:xfrm>
-            <a:off x="457200" y="273240"/>
-            <a:ext cx="8229240" cy="1145160"/>
-          </a:xfrm>
-          <a:prstGeom prst="rect">
-            <a:avLst/>
-          </a:prstGeom>
-        </p:spPr>
-        <p:txBody>
-          <a:bodyPr anchor="ctr" bIns="0" lIns="0" rIns="0" tIns="0" wrap="none"/>
-          <a:p>
-            <a:pPr algn="ctr"/>
-            <a:endParaRPr/>
-          </a:p>
-        </p:txBody>
-      </p:sp>
-      <p:sp>
-        <p:nvSpPr>
-          <p:cNvPr id="147" name="PlaceHolder 2"/>
-          <p:cNvSpPr>
-            <a:spLocks noGrp="1"/>
-          </p:cNvSpPr>
-          <p:nvPr>
-            <p:ph type="body"/>
-          </p:nvPr>
-        </p:nvSpPr>
-        <p:spPr>
-          <a:xfrm>
-            <a:off x="457200" y="1604520"/>
-            <a:ext cx="4015440" cy="1896840"/>
-          </a:xfrm>
-          <a:prstGeom prst="rect">
-            <a:avLst/>
-          </a:prstGeom>
-        </p:spPr>
-        <p:txBody>
-          <a:bodyPr bIns="0" lIns="0" rIns="0" tIns="0" wrap="none"/>
-          <a:p>
-            <a:endParaRPr/>
-          </a:p>
-        </p:txBody>
-      </p:sp>
-      <p:sp>
-        <p:nvSpPr>
-          <p:cNvPr id="148" name="PlaceHolder 3"/>
-          <p:cNvSpPr>
-            <a:spLocks noGrp="1"/>
-          </p:cNvSpPr>
-          <p:nvPr>
-            <p:ph type="body"/>
-          </p:nvPr>
-        </p:nvSpPr>
-        <p:spPr>
-          <a:xfrm>
-            <a:off x="4673520" y="1604520"/>
-            <a:ext cx="4015440" cy="1896840"/>
-          </a:xfrm>
-          <a:prstGeom prst="rect">
-            <a:avLst/>
-          </a:prstGeom>
-        </p:spPr>
-        <p:txBody>
-          <a:bodyPr bIns="0" lIns="0" rIns="0" tIns="0" wrap="none"/>
-          <a:p>
-            <a:endParaRPr/>
-          </a:p>
-        </p:txBody>
-      </p:sp>
-      <p:sp>
-        <p:nvSpPr>
-          <p:cNvPr id="149" name="PlaceHolder 4"/>
-          <p:cNvSpPr>
-            <a:spLocks noGrp="1"/>
-          </p:cNvSpPr>
-          <p:nvPr>
-            <p:ph type="body"/>
-          </p:nvPr>
-        </p:nvSpPr>
-        <p:spPr>
-          <a:xfrm>
-            <a:off x="457200" y="3681720"/>
-            <a:ext cx="8228520" cy="1896840"/>
-          </a:xfrm>
-          <a:prstGeom prst="rect">
-            <a:avLst/>
-          </a:prstGeom>
-        </p:spPr>
-        <p:txBody>
-          <a:bodyPr bIns="0" lIns="0" rIns="0" tIns="0" wrap="none"/>
-          <a:p>
-            <a:endParaRPr/>
-          </a:p>
-        </p:txBody>
-      </p:sp>
-    </p:spTree>
-  </p:cSld>
-</p:sldLayout>
-</file>
-
-<file path=ppt/slideLayouts/slideLayout46.xml><?xml version="1.0" encoding="utf-8"?>
-<p:sldLayout xmlns:a="http://schemas.openxmlformats.org/drawingml/2006/main" xmlns:p="http://schemas.openxmlformats.org/presentationml/2006/main" xmlns:r="http://schemas.openxmlformats.org/officeDocument/2006/relationships" preserve="1" type="objOverTx">
-  <p:cSld name="Title, Content over Content">
-    <p:spTree>
-      <p:nvGrpSpPr>
-        <p:cNvPr id="1" name=""/>
-        <p:cNvGrpSpPr/>
-        <p:nvPr/>
-      </p:nvGrpSpPr>
-      <p:grpSpPr>
-        <a:xfrm>
-          <a:off x="0" y="0"/>
-          <a:ext cx="0" cy="0"/>
-          <a:chOff x="0" y="0"/>
-          <a:chExt cx="0" cy="0"/>
-        </a:xfrm>
-      </p:grpSpPr>
-      <p:sp>
-        <p:nvSpPr>
-          <p:cNvPr id="150" name="PlaceHolder 1"/>
-          <p:cNvSpPr>
-            <a:spLocks noGrp="1"/>
-          </p:cNvSpPr>
-          <p:nvPr>
-            <p:ph type="title"/>
-          </p:nvPr>
-        </p:nvSpPr>
-        <p:spPr>
-          <a:xfrm>
-            <a:off x="457200" y="273240"/>
-            <a:ext cx="8229240" cy="1145160"/>
-          </a:xfrm>
-          <a:prstGeom prst="rect">
-            <a:avLst/>
-          </a:prstGeom>
-        </p:spPr>
-        <p:txBody>
-          <a:bodyPr anchor="ctr" bIns="0" lIns="0" rIns="0" tIns="0" wrap="none"/>
-          <a:p>
-            <a:pPr algn="ctr"/>
-            <a:endParaRPr/>
-          </a:p>
-        </p:txBody>
-      </p:sp>
-      <p:sp>
-        <p:nvSpPr>
-          <p:cNvPr id="151" name="PlaceHolder 2"/>
-          <p:cNvSpPr>
-            <a:spLocks noGrp="1"/>
-          </p:cNvSpPr>
-          <p:nvPr>
-            <p:ph type="body"/>
-          </p:nvPr>
-        </p:nvSpPr>
-        <p:spPr>
-          <a:xfrm>
-            <a:off x="457200" y="1604520"/>
-            <a:ext cx="8229240" cy="1896840"/>
-          </a:xfrm>
-          <a:prstGeom prst="rect">
-            <a:avLst/>
-          </a:prstGeom>
-        </p:spPr>
-        <p:txBody>
-          <a:bodyPr bIns="0" lIns="0" rIns="0" tIns="0" wrap="none"/>
-          <a:p>
-            <a:endParaRPr/>
-          </a:p>
-        </p:txBody>
-      </p:sp>
-      <p:sp>
-        <p:nvSpPr>
-          <p:cNvPr id="152" name="PlaceHolder 3"/>
-          <p:cNvSpPr>
-            <a:spLocks noGrp="1"/>
-          </p:cNvSpPr>
-          <p:nvPr>
-            <p:ph type="body"/>
-          </p:nvPr>
-        </p:nvSpPr>
-        <p:spPr>
-          <a:xfrm>
-            <a:off x="457200" y="3681720"/>
-            <a:ext cx="8229240" cy="1896840"/>
-          </a:xfrm>
-          <a:prstGeom prst="rect">
-            <a:avLst/>
-          </a:prstGeom>
-        </p:spPr>
-        <p:txBody>
-          <a:bodyPr bIns="0" lIns="0" rIns="0" tIns="0" wrap="none"/>
-          <a:p>
-            <a:endParaRPr/>
-          </a:p>
-        </p:txBody>
-      </p:sp>
-    </p:spTree>
-  </p:cSld>
-</p:sldLayout>
-</file>
-
-<file path=ppt/slideLayouts/slideLayout47.xml><?xml version="1.0" encoding="utf-8"?>
-<p:sldLayout xmlns:a="http://schemas.openxmlformats.org/drawingml/2006/main" xmlns:p="http://schemas.openxmlformats.org/presentationml/2006/main" xmlns:r="http://schemas.openxmlformats.org/officeDocument/2006/relationships" preserve="1" type="fourObj">
-  <p:cSld name="Title, 4 Content">
-    <p:spTree>
-      <p:nvGrpSpPr>
-        <p:cNvPr id="1" name=""/>
-        <p:cNvGrpSpPr/>
-        <p:nvPr/>
-      </p:nvGrpSpPr>
-      <p:grpSpPr>
-        <a:xfrm>
-          <a:off x="0" y="0"/>
-          <a:ext cx="0" cy="0"/>
-          <a:chOff x="0" y="0"/>
-          <a:chExt cx="0" cy="0"/>
-        </a:xfrm>
-      </p:grpSpPr>
-      <p:sp>
-        <p:nvSpPr>
-          <p:cNvPr id="153" name="PlaceHolder 1"/>
-          <p:cNvSpPr>
-            <a:spLocks noGrp="1"/>
-          </p:cNvSpPr>
-          <p:nvPr>
-            <p:ph type="title"/>
-          </p:nvPr>
-        </p:nvSpPr>
-        <p:spPr>
-          <a:xfrm>
-            <a:off x="457200" y="273240"/>
-            <a:ext cx="8229240" cy="1145160"/>
-          </a:xfrm>
-          <a:prstGeom prst="rect">
-            <a:avLst/>
-          </a:prstGeom>
-        </p:spPr>
-        <p:txBody>
-          <a:bodyPr anchor="ctr" bIns="0" lIns="0" rIns="0" tIns="0" wrap="none"/>
-          <a:p>
-            <a:pPr algn="ctr"/>
-            <a:endParaRPr/>
-          </a:p>
-        </p:txBody>
-      </p:sp>
-      <p:sp>
-        <p:nvSpPr>
-          <p:cNvPr id="154" name="PlaceHolder 2"/>
-          <p:cNvSpPr>
-            <a:spLocks noGrp="1"/>
-          </p:cNvSpPr>
-          <p:nvPr>
-            <p:ph type="body"/>
-          </p:nvPr>
-        </p:nvSpPr>
-        <p:spPr>
-          <a:xfrm>
-            <a:off x="457200" y="1604520"/>
-            <a:ext cx="4015440" cy="1896840"/>
-          </a:xfrm>
-          <a:prstGeom prst="rect">
-            <a:avLst/>
-          </a:prstGeom>
-        </p:spPr>
-        <p:txBody>
-          <a:bodyPr bIns="0" lIns="0" rIns="0" tIns="0" wrap="none"/>
-          <a:p>
-            <a:endParaRPr/>
-          </a:p>
-        </p:txBody>
-      </p:sp>
-      <p:sp>
-        <p:nvSpPr>
-          <p:cNvPr id="155" name="PlaceHolder 3"/>
-          <p:cNvSpPr>
-            <a:spLocks noGrp="1"/>
-          </p:cNvSpPr>
-          <p:nvPr>
-            <p:ph type="body"/>
-          </p:nvPr>
-        </p:nvSpPr>
-        <p:spPr>
-          <a:xfrm>
-            <a:off x="4673520" y="1604520"/>
-            <a:ext cx="4015440" cy="1896840"/>
-          </a:xfrm>
-          <a:prstGeom prst="rect">
-            <a:avLst/>
-          </a:prstGeom>
-        </p:spPr>
-        <p:txBody>
-          <a:bodyPr bIns="0" lIns="0" rIns="0" tIns="0" wrap="none"/>
-          <a:p>
-            <a:endParaRPr/>
-          </a:p>
-        </p:txBody>
-      </p:sp>
-      <p:sp>
-        <p:nvSpPr>
-          <p:cNvPr id="156" name="PlaceHolder 4"/>
-          <p:cNvSpPr>
-            <a:spLocks noGrp="1"/>
-          </p:cNvSpPr>
-          <p:nvPr>
-            <p:ph type="body"/>
-          </p:nvPr>
-        </p:nvSpPr>
-        <p:spPr>
-          <a:xfrm>
-            <a:off x="4673520" y="3681720"/>
-            <a:ext cx="4015440" cy="1896840"/>
-          </a:xfrm>
-          <a:prstGeom prst="rect">
-            <a:avLst/>
-          </a:prstGeom>
-        </p:spPr>
-        <p:txBody>
-          <a:bodyPr bIns="0" lIns="0" rIns="0" tIns="0" wrap="none"/>
-          <a:p>
-            <a:endParaRPr/>
-          </a:p>
-        </p:txBody>
-      </p:sp>
-      <p:sp>
-        <p:nvSpPr>
-          <p:cNvPr id="157" name="PlaceHolder 5"/>
-          <p:cNvSpPr>
-            <a:spLocks noGrp="1"/>
-          </p:cNvSpPr>
-          <p:nvPr>
-            <p:ph type="body"/>
-          </p:nvPr>
-        </p:nvSpPr>
-        <p:spPr>
-          <a:xfrm>
-            <a:off x="457200" y="3681720"/>
-            <a:ext cx="4015440" cy="1896840"/>
-          </a:xfrm>
-          <a:prstGeom prst="rect">
-            <a:avLst/>
-          </a:prstGeom>
-        </p:spPr>
-        <p:txBody>
-          <a:bodyPr bIns="0" lIns="0" rIns="0" tIns="0" wrap="none"/>
-          <a:p>
-            <a:endParaRPr/>
-          </a:p>
-        </p:txBody>
-      </p:sp>
-    </p:spTree>
-  </p:cSld>
-</p:sldLayout>
-</file>
-
-<file path=ppt/slideLayouts/slideLayout48.xml><?xml version="1.0" encoding="utf-8"?>
-<p:sldLayout xmlns:a="http://schemas.openxmlformats.org/drawingml/2006/main" xmlns:p="http://schemas.openxmlformats.org/presentationml/2006/main" xmlns:r="http://schemas.openxmlformats.org/officeDocument/2006/relationships" preserve="1" type="blank">
-  <p:cSld name="Title, 6 Content">
-    <p:spTree>
-      <p:nvGrpSpPr>
-        <p:cNvPr id="1" name=""/>
-        <p:cNvGrpSpPr/>
-        <p:nvPr/>
-      </p:nvGrpSpPr>
-      <p:grpSpPr>
-        <a:xfrm>
-          <a:off x="0" y="0"/>
-          <a:ext cx="0" cy="0"/>
-          <a:chOff x="0" y="0"/>
-          <a:chExt cx="0" cy="0"/>
-        </a:xfrm>
-      </p:grpSpPr>
-      <p:sp>
-        <p:nvSpPr>
-          <p:cNvPr id="158" name="PlaceHolder 1"/>
-          <p:cNvSpPr>
-            <a:spLocks noGrp="1"/>
-          </p:cNvSpPr>
-          <p:nvPr>
-            <p:ph type="title"/>
-          </p:nvPr>
-        </p:nvSpPr>
-        <p:spPr>
-          <a:xfrm>
-            <a:off x="457200" y="273240"/>
-            <a:ext cx="8229240" cy="1145160"/>
-          </a:xfrm>
-          <a:prstGeom prst="rect">
-            <a:avLst/>
-          </a:prstGeom>
-        </p:spPr>
-        <p:txBody>
-          <a:bodyPr anchor="ctr" bIns="0" lIns="0" rIns="0" tIns="0" wrap="none"/>
-          <a:p>
-            <a:pPr algn="ctr"/>
-            <a:endParaRPr/>
-          </a:p>
-        </p:txBody>
-      </p:sp>
-      <p:sp>
-        <p:nvSpPr>
-          <p:cNvPr id="159" name="PlaceHolder 2"/>
-          <p:cNvSpPr>
-            <a:spLocks noGrp="1"/>
-          </p:cNvSpPr>
-          <p:nvPr>
-            <p:ph type="body"/>
-          </p:nvPr>
-        </p:nvSpPr>
-        <p:spPr>
-          <a:xfrm>
-            <a:off x="457200" y="1604520"/>
-            <a:ext cx="4015440" cy="1896840"/>
-          </a:xfrm>
-          <a:prstGeom prst="rect">
-            <a:avLst/>
-          </a:prstGeom>
-        </p:spPr>
-        <p:txBody>
-          <a:bodyPr bIns="0" lIns="0" rIns="0" tIns="0" wrap="none"/>
-          <a:p>
-            <a:endParaRPr/>
-          </a:p>
-        </p:txBody>
-      </p:sp>
-      <p:sp>
-        <p:nvSpPr>
-          <p:cNvPr id="160" name="PlaceHolder 3"/>
-          <p:cNvSpPr>
-            <a:spLocks noGrp="1"/>
-          </p:cNvSpPr>
-          <p:nvPr>
-            <p:ph type="body"/>
-          </p:nvPr>
-        </p:nvSpPr>
-        <p:spPr>
-          <a:xfrm>
-            <a:off x="4673520" y="1604520"/>
-            <a:ext cx="4015440" cy="1896840"/>
+            <a:off x="4579920" y="1604520"/>
+            <a:ext cx="3926160" cy="3977280"/>
           </a:xfrm>
           <a:prstGeom prst="rect">
             <a:avLst/>
@@ -4001,7 +2892,7 @@
       </p:grpSpPr>
       <p:sp>
         <p:nvSpPr>
-          <p:cNvPr id="16" name="PlaceHolder 1"/>
+          <p:cNvPr id="9" name="PlaceHolder 1"/>
           <p:cNvSpPr>
             <a:spLocks noGrp="1"/>
           </p:cNvSpPr>
@@ -4011,7 +2902,7 @@
         </p:nvSpPr>
         <p:spPr>
           <a:xfrm>
-            <a:off x="457200" y="273240"/>
+            <a:off x="457200" y="273600"/>
             <a:ext cx="8229240" cy="1145160"/>
           </a:xfrm>
           <a:prstGeom prst="rect">
@@ -4050,7 +2941,7 @@
       </p:grpSpPr>
       <p:sp>
         <p:nvSpPr>
-          <p:cNvPr id="17" name="PlaceHolder 1"/>
+          <p:cNvPr id="10" name="PlaceHolder 1"/>
           <p:cNvSpPr>
             <a:spLocks noGrp="1"/>
           </p:cNvSpPr>
@@ -4060,8 +2951,8 @@
         </p:nvSpPr>
         <p:spPr>
           <a:xfrm>
-            <a:off x="457200" y="273240"/>
-            <a:ext cx="8229240" cy="5308560"/>
+            <a:off x="457200" y="273600"/>
+            <a:ext cx="8229240" cy="5308200"/>
           </a:xfrm>
           <a:prstGeom prst="rect">
             <a:avLst/>
@@ -4099,7 +2990,7 @@
       </p:grpSpPr>
       <p:sp>
         <p:nvSpPr>
-          <p:cNvPr id="18" name="PlaceHolder 1"/>
+          <p:cNvPr id="11" name="PlaceHolder 1"/>
           <p:cNvSpPr>
             <a:spLocks noGrp="1"/>
           </p:cNvSpPr>
@@ -4109,7 +3000,7 @@
         </p:nvSpPr>
         <p:spPr>
           <a:xfrm>
-            <a:off x="457200" y="273240"/>
+            <a:off x="457200" y="273600"/>
             <a:ext cx="8229240" cy="1145160"/>
           </a:xfrm>
           <a:prstGeom prst="rect">
@@ -4126,7 +3017,7 @@
       </p:sp>
       <p:sp>
         <p:nvSpPr>
-          <p:cNvPr id="19" name="PlaceHolder 2"/>
+          <p:cNvPr id="12" name="PlaceHolder 2"/>
           <p:cNvSpPr>
             <a:spLocks noGrp="1"/>
           </p:cNvSpPr>
@@ -4137,7 +3028,7 @@
         <p:spPr>
           <a:xfrm>
             <a:off x="457200" y="1604520"/>
-            <a:ext cx="4015440" cy="1896840"/>
+            <a:ext cx="3926160" cy="1896840"/>
           </a:xfrm>
           <a:prstGeom prst="rect">
             <a:avLst/>
@@ -4152,7 +3043,7 @@
       </p:sp>
       <p:sp>
         <p:nvSpPr>
-          <p:cNvPr id="20" name="PlaceHolder 3"/>
+          <p:cNvPr id="13" name="PlaceHolder 3"/>
           <p:cNvSpPr>
             <a:spLocks noGrp="1"/>
           </p:cNvSpPr>
@@ -4163,7 +3054,7 @@
         <p:spPr>
           <a:xfrm>
             <a:off x="457200" y="3681720"/>
-            <a:ext cx="4015440" cy="1896840"/>
+            <a:ext cx="3926160" cy="1896840"/>
           </a:xfrm>
           <a:prstGeom prst="rect">
             <a:avLst/>
@@ -4178,7 +3069,7 @@
       </p:sp>
       <p:sp>
         <p:nvSpPr>
-          <p:cNvPr id="21" name="PlaceHolder 4"/>
+          <p:cNvPr id="14" name="PlaceHolder 4"/>
           <p:cNvSpPr>
             <a:spLocks noGrp="1"/>
           </p:cNvSpPr>
@@ -4188,8 +3079,8 @@
         </p:nvSpPr>
         <p:spPr>
           <a:xfrm>
-            <a:off x="4673520" y="1604520"/>
-            <a:ext cx="4015440" cy="3977280"/>
+            <a:off x="4579920" y="1604520"/>
+            <a:ext cx="3926160" cy="3977280"/>
           </a:xfrm>
           <a:prstGeom prst="rect">
             <a:avLst/>
@@ -4226,7 +3117,7 @@
       </p:grpSpPr>
       <p:sp>
         <p:nvSpPr>
-          <p:cNvPr id="22" name="PlaceHolder 1"/>
+          <p:cNvPr id="15" name="PlaceHolder 1"/>
           <p:cNvSpPr>
             <a:spLocks noGrp="1"/>
           </p:cNvSpPr>
@@ -4236,7 +3127,7 @@
         </p:nvSpPr>
         <p:spPr>
           <a:xfrm>
-            <a:off x="457200" y="273240"/>
+            <a:off x="457200" y="273600"/>
             <a:ext cx="8229240" cy="1145160"/>
           </a:xfrm>
           <a:prstGeom prst="rect">
@@ -4253,7 +3144,7 @@
       </p:sp>
       <p:sp>
         <p:nvSpPr>
-          <p:cNvPr id="23" name="PlaceHolder 2"/>
+          <p:cNvPr id="16" name="PlaceHolder 2"/>
           <p:cNvSpPr>
             <a:spLocks noGrp="1"/>
           </p:cNvSpPr>
@@ -4264,7 +3155,7 @@
         <p:spPr>
           <a:xfrm>
             <a:off x="457200" y="1604520"/>
-            <a:ext cx="4015440" cy="3977280"/>
+            <a:ext cx="3926160" cy="3977280"/>
           </a:xfrm>
           <a:prstGeom prst="rect">
             <a:avLst/>
@@ -4279,7 +3170,7 @@
       </p:sp>
       <p:sp>
         <p:nvSpPr>
-          <p:cNvPr id="24" name="PlaceHolder 3"/>
+          <p:cNvPr id="17" name="PlaceHolder 3"/>
           <p:cNvSpPr>
             <a:spLocks noGrp="1"/>
           </p:cNvSpPr>
@@ -4289,8 +3180,8 @@
         </p:nvSpPr>
         <p:spPr>
           <a:xfrm>
-            <a:off x="4673520" y="1604520"/>
-            <a:ext cx="4015440" cy="1896840"/>
+            <a:off x="4579920" y="1604520"/>
+            <a:ext cx="3926160" cy="1896840"/>
           </a:xfrm>
           <a:prstGeom prst="rect">
             <a:avLst/>
@@ -4305,7 +3196,7 @@
       </p:sp>
       <p:sp>
         <p:nvSpPr>
-          <p:cNvPr id="25" name="PlaceHolder 4"/>
+          <p:cNvPr id="18" name="PlaceHolder 4"/>
           <p:cNvSpPr>
             <a:spLocks noGrp="1"/>
           </p:cNvSpPr>
@@ -4315,8 +3206,8 @@
         </p:nvSpPr>
         <p:spPr>
           <a:xfrm>
-            <a:off x="4673520" y="3681720"/>
-            <a:ext cx="4015440" cy="1896840"/>
+            <a:off x="4579920" y="3681720"/>
+            <a:ext cx="3926160" cy="1896840"/>
           </a:xfrm>
           <a:prstGeom prst="rect">
             <a:avLst/>
@@ -4353,7 +3244,7 @@
       </p:grpSpPr>
       <p:sp>
         <p:nvSpPr>
-          <p:cNvPr id="26" name="PlaceHolder 1"/>
+          <p:cNvPr id="19" name="PlaceHolder 1"/>
           <p:cNvSpPr>
             <a:spLocks noGrp="1"/>
           </p:cNvSpPr>
@@ -4363,7 +3254,7 @@
         </p:nvSpPr>
         <p:spPr>
           <a:xfrm>
-            <a:off x="457200" y="273240"/>
+            <a:off x="457200" y="273600"/>
             <a:ext cx="8229240" cy="1145160"/>
           </a:xfrm>
           <a:prstGeom prst="rect">
@@ -4380,7 +3271,7 @@
       </p:sp>
       <p:sp>
         <p:nvSpPr>
-          <p:cNvPr id="27" name="PlaceHolder 2"/>
+          <p:cNvPr id="20" name="PlaceHolder 2"/>
           <p:cNvSpPr>
             <a:spLocks noGrp="1"/>
           </p:cNvSpPr>
@@ -4391,7 +3282,7 @@
         <p:spPr>
           <a:xfrm>
             <a:off x="457200" y="1604520"/>
-            <a:ext cx="4015440" cy="1896840"/>
+            <a:ext cx="3926160" cy="1896840"/>
           </a:xfrm>
           <a:prstGeom prst="rect">
             <a:avLst/>
@@ -4406,7 +3297,7 @@
       </p:sp>
       <p:sp>
         <p:nvSpPr>
-          <p:cNvPr id="28" name="PlaceHolder 3"/>
+          <p:cNvPr id="21" name="PlaceHolder 3"/>
           <p:cNvSpPr>
             <a:spLocks noGrp="1"/>
           </p:cNvSpPr>
@@ -4416,8 +3307,8 @@
         </p:nvSpPr>
         <p:spPr>
           <a:xfrm>
-            <a:off x="4673520" y="1604520"/>
-            <a:ext cx="4015440" cy="1896840"/>
+            <a:off x="4579920" y="1604520"/>
+            <a:ext cx="3926160" cy="1896840"/>
           </a:xfrm>
           <a:prstGeom prst="rect">
             <a:avLst/>
@@ -4432,7 +3323,7 @@
       </p:sp>
       <p:sp>
         <p:nvSpPr>
-          <p:cNvPr id="29" name="PlaceHolder 4"/>
+          <p:cNvPr id="22" name="PlaceHolder 4"/>
           <p:cNvSpPr>
             <a:spLocks noGrp="1"/>
           </p:cNvSpPr>
@@ -4443,7 +3334,7 @@
         <p:spPr>
           <a:xfrm>
             <a:off x="457200" y="3681720"/>
-            <a:ext cx="8228520" cy="1896840"/>
+            <a:ext cx="8045640" cy="1896840"/>
           </a:xfrm>
           <a:prstGeom prst="rect">
             <a:avLst/>
@@ -4480,141 +3371,7 @@
       </p:grpSpPr>
       <p:sp>
         <p:nvSpPr>
-          <p:cNvPr id="0" name="CustomShape 1"/>
-          <p:cNvSpPr/>
-          <p:nvPr/>
-        </p:nvSpPr>
-        <p:spPr>
-          <a:xfrm>
-            <a:off x="-9360" y="-7200"/>
-            <a:ext cx="9162720" cy="1041120"/>
-          </a:xfrm>
-          <a:prstGeom prst="rect">
-            <a:avLst>
-              <a:gd fmla="val 0" name="A1"/>
-              <a:gd fmla="val 0" name="A2"/>
-              <a:gd fmla="val 0" name="A3"/>
-              <a:gd fmla="val 0" name="A4"/>
-              <a:gd fmla="val 0" name="A5"/>
-              <a:gd fmla="val 0" name="A6"/>
-              <a:gd fmla="val 0" name="A7"/>
-              <a:gd fmla="val 0" name="A8"/>
-            </a:avLst>
-          </a:prstGeom>
-          <a:gradFill>
-            <a:gsLst>
-              <a:gs pos="0">
-                <a:srgbClr val="0074a0"/>
-              </a:gs>
-              <a:gs pos="100000">
-                <a:srgbClr val="00c4cd"/>
-              </a:gs>
-            </a:gsLst>
-            <a:lin ang="5400000"/>
-          </a:gradFill>
-        </p:spPr>
-      </p:sp>
-      <p:sp>
-        <p:nvSpPr>
-          <p:cNvPr id="1" name="CustomShape 2"/>
-          <p:cNvSpPr/>
-          <p:nvPr/>
-        </p:nvSpPr>
-        <p:spPr>
-          <a:xfrm>
-            <a:off x="4381560" y="-7200"/>
-            <a:ext cx="4762080" cy="637920"/>
-          </a:xfrm>
-          <a:prstGeom prst="rect">
-            <a:avLst>
-              <a:gd fmla="val 0" name="A1"/>
-              <a:gd fmla="val 0" name="A2"/>
-              <a:gd fmla="val 0" name="A3"/>
-              <a:gd fmla="val 0" name="A4"/>
-              <a:gd fmla="val 0" name="A5"/>
-              <a:gd fmla="val 0" name="A6"/>
-              <a:gd fmla="val 0" name="A7"/>
-              <a:gd fmla="val 0" name="A8"/>
-            </a:avLst>
-          </a:prstGeom>
-          <a:gradFill>
-            <a:gsLst>
-              <a:gs pos="0">
-                <a:srgbClr val="00a0a8"/>
-              </a:gs>
-              <a:gs pos="100000">
-                <a:srgbClr val="008abf"/>
-              </a:gs>
-            </a:gsLst>
-            <a:lin ang="5400000"/>
-          </a:gradFill>
-        </p:spPr>
-      </p:sp>
-      <p:sp>
-        <p:nvSpPr>
-          <p:cNvPr id="2" name="CustomShape 3"/>
-          <p:cNvSpPr/>
-          <p:nvPr/>
-        </p:nvSpPr>
-        <p:spPr>
-          <a:xfrm rot="21435600">
-            <a:off x="-18720" y="201960"/>
-            <a:ext cx="9162720" cy="648720"/>
-          </a:xfrm>
-          <a:prstGeom prst="rect">
-            <a:avLst>
-              <a:gd fmla="val 0" name="A1"/>
-              <a:gd fmla="val 0" name="A2"/>
-              <a:gd fmla="val 0" name="A3"/>
-              <a:gd fmla="val 0" name="A4"/>
-              <a:gd fmla="val 0" name="A5"/>
-              <a:gd fmla="val 0" name="A6"/>
-              <a:gd fmla="val 0" name="A7"/>
-              <a:gd fmla="val 0" name="A8"/>
-            </a:avLst>
-          </a:prstGeom>
-          <a:ln w="10800">
-            <a:solidFill>
-              <a:srgbClr val="008abf"/>
-            </a:solidFill>
-            <a:round/>
-          </a:ln>
-        </p:spPr>
-      </p:sp>
-      <p:sp>
-        <p:nvSpPr>
-          <p:cNvPr id="3" name="CustomShape 4"/>
-          <p:cNvSpPr/>
-          <p:nvPr/>
-        </p:nvSpPr>
-        <p:spPr>
-          <a:xfrm rot="21435600">
-            <a:off x="-14040" y="275400"/>
-            <a:ext cx="9175320" cy="529920"/>
-          </a:xfrm>
-          <a:prstGeom prst="rect">
-            <a:avLst>
-              <a:gd fmla="val 0" name="A1"/>
-              <a:gd fmla="val 0" name="A2"/>
-              <a:gd fmla="val 0" name="A3"/>
-              <a:gd fmla="val 0" name="A4"/>
-              <a:gd fmla="val 0" name="A5"/>
-              <a:gd fmla="val 0" name="A6"/>
-              <a:gd fmla="val 0" name="A7"/>
-              <a:gd fmla="val 0" name="A8"/>
-            </a:avLst>
-          </a:prstGeom>
-          <a:ln w="9360">
-            <a:solidFill>
-              <a:srgbClr val="009dd9"/>
-            </a:solidFill>
-            <a:round/>
-          </a:ln>
-        </p:spPr>
-      </p:sp>
-      <p:sp>
-        <p:nvSpPr>
-          <p:cNvPr id="4" name="PlaceHolder 5"/>
+          <p:cNvPr id="0" name="PlaceHolder 1"/>
           <p:cNvSpPr>
             <a:spLocks noGrp="1"/>
           </p:cNvSpPr>
@@ -4624,143 +3381,32 @@
         </p:nvSpPr>
         <p:spPr>
           <a:xfrm>
-            <a:off x="533520" y="1371600"/>
-            <a:ext cx="7851240" cy="1828440"/>
-          </a:xfrm>
-          <a:prstGeom prst="rect">
-            <a:avLst/>
-          </a:prstGeom>
-        </p:spPr>
-        <p:txBody>
-          <a:bodyPr anchor="b" bIns="0" lIns="0" rIns="18360" tIns="0"/>
-          <a:p>
-            <a:pPr algn="r">
-              <a:lnSpc>
-                <a:spcPct val="100000"/>
-              </a:lnSpc>
-            </a:pPr>
-            <a:r>
-              <a:rPr b="1" lang="en-US" sz="5600">
-                <a:solidFill>
-                  <a:srgbClr val="50e0ea"/>
-                </a:solidFill>
-                <a:latin typeface="Calibri"/>
-              </a:rPr>
-              <a:t>Click to edit the title text formatClick to edit Master title style</a:t>
-            </a:r>
-            <a:endParaRPr/>
-          </a:p>
-        </p:txBody>
-      </p:sp>
-      <p:sp>
-        <p:nvSpPr>
-          <p:cNvPr id="5" name="PlaceHolder 6"/>
-          <p:cNvSpPr>
-            <a:spLocks noGrp="1"/>
-          </p:cNvSpPr>
-          <p:nvPr>
-            <p:ph type="dt"/>
-          </p:nvPr>
-        </p:nvSpPr>
-        <p:spPr>
-          <a:xfrm>
-            <a:off x="457200" y="6356520"/>
-            <a:ext cx="2133360" cy="364680"/>
-          </a:xfrm>
-          <a:prstGeom prst="rect">
-            <a:avLst/>
-          </a:prstGeom>
-        </p:spPr>
-        <p:txBody>
-          <a:bodyPr anchor="b" bIns="0" lIns="0" rIns="0" tIns="0"/>
-          <a:p>
-            <a:pPr>
-              <a:lnSpc>
-                <a:spcPct val="100000"/>
-              </a:lnSpc>
-            </a:pPr>
-            <a:r>
-              <a:rPr lang="en-US" sz="1200">
-                <a:solidFill>
-                  <a:srgbClr val="d1eaed"/>
-                </a:solidFill>
-                <a:latin typeface="Constantia"/>
-              </a:rPr>
-              <a:t>5/6/13</a:t>
-            </a:r>
-            <a:endParaRPr/>
-          </a:p>
-        </p:txBody>
-      </p:sp>
-      <p:sp>
-        <p:nvSpPr>
-          <p:cNvPr id="6" name="PlaceHolder 7"/>
-          <p:cNvSpPr>
-            <a:spLocks noGrp="1"/>
-          </p:cNvSpPr>
-          <p:nvPr>
-            <p:ph type="ftr"/>
-          </p:nvPr>
-        </p:nvSpPr>
-        <p:spPr>
-          <a:xfrm>
-            <a:off x="2666880" y="6356520"/>
-            <a:ext cx="3352320" cy="364680"/>
-          </a:xfrm>
-          <a:prstGeom prst="rect">
-            <a:avLst/>
-          </a:prstGeom>
-        </p:spPr>
-        <p:txBody>
-          <a:bodyPr anchor="b" bIns="0" lIns="0" rIns="0" tIns="0"/>
-          <a:p>
-            <a:endParaRPr/>
-          </a:p>
-        </p:txBody>
-      </p:sp>
-      <p:sp>
-        <p:nvSpPr>
-          <p:cNvPr id="7" name="PlaceHolder 8"/>
-          <p:cNvSpPr>
-            <a:spLocks noGrp="1"/>
-          </p:cNvSpPr>
-          <p:nvPr>
-            <p:ph type="sldNum"/>
-          </p:nvPr>
-        </p:nvSpPr>
-        <p:spPr>
-          <a:xfrm>
-            <a:off x="7924680" y="6356520"/>
-            <a:ext cx="761760" cy="364680"/>
-          </a:xfrm>
-          <a:prstGeom prst="rect">
-            <a:avLst/>
-          </a:prstGeom>
-        </p:spPr>
-        <p:txBody>
-          <a:bodyPr anchor="b" bIns="0" lIns="0" rIns="0" tIns="0"/>
-          <a:p>
-            <a:pPr algn="r">
-              <a:lnSpc>
-                <a:spcPct val="100000"/>
-              </a:lnSpc>
-            </a:pPr>
-            <a:fld id="{3B066FDE-6085-4918-A6F3-637CAF45B16C}" type="slidenum">
-              <a:rPr lang="en-US" sz="1200">
-                <a:solidFill>
-                  <a:srgbClr val="d1eaed"/>
-                </a:solidFill>
-                <a:latin typeface="Constantia"/>
-              </a:rPr>
-              <a:t>&lt;number&gt;</a:t>
-            </a:fld>
-            <a:endParaRPr/>
-          </a:p>
-        </p:txBody>
-      </p:sp>
-      <p:sp>
-        <p:nvSpPr>
-          <p:cNvPr id="8" name="PlaceHolder 9"/>
+            <a:off x="457200" y="273240"/>
+            <a:ext cx="8228880" cy="1144800"/>
+          </a:xfrm>
+          <a:prstGeom prst="rect">
+            <a:avLst/>
+          </a:prstGeom>
+        </p:spPr>
+        <p:txBody>
+          <a:bodyPr anchor="ctr" bIns="0" lIns="0" rIns="0" tIns="0" wrap="none"/>
+          <a:p>
+            <a:pPr algn="ctr">
+              <a:lnSpc>
+                <a:spcPct val="100000"/>
+              </a:lnSpc>
+            </a:pPr>
+            <a:r>
+              <a:rPr lang="en-US"/>
+              <a:t>Click to edit the title text format</a:t>
+            </a:r>
+            <a:endParaRPr/>
+          </a:p>
+        </p:txBody>
+      </p:sp>
+      <p:sp>
+        <p:nvSpPr>
+          <p:cNvPr id="1" name="PlaceHolder 2"/>
           <p:cNvSpPr>
             <a:spLocks noGrp="1"/>
           </p:cNvSpPr>
@@ -4771,7 +3417,7 @@
         <p:spPr>
           <a:xfrm>
             <a:off x="457200" y="1604520"/>
-            <a:ext cx="8229240" cy="3977280"/>
+            <a:ext cx="8046360" cy="3977280"/>
           </a:xfrm>
           <a:prstGeom prst="rect">
             <a:avLst/>
@@ -4781,7 +3427,7 @@
           <a:bodyPr bIns="0" lIns="0" rIns="0" tIns="0" wrap="none"/>
           <a:p>
             <a:pPr>
-              <a:buSzPct val="25000"/>
+              <a:buSzPct val="45000"/>
               <a:buFont typeface="StarSymbol"/>
               <a:buChar char=""/>
             </a:pPr>
@@ -4793,7 +3439,7 @@
           </a:p>
           <a:p>
             <a:pPr lvl="1">
-              <a:buSzPct val="25000"/>
+              <a:buSzPct val="75000"/>
               <a:buFont typeface="StarSymbol"/>
               <a:buChar char=""/>
             </a:pPr>
@@ -4805,7 +3451,7 @@
           </a:p>
           <a:p>
             <a:pPr lvl="2">
-              <a:buSzPct val="25000"/>
+              <a:buSzPct val="45000"/>
               <a:buFont typeface="StarSymbol"/>
               <a:buChar char=""/>
             </a:pPr>
@@ -4817,7 +3463,7 @@
           </a:p>
           <a:p>
             <a:pPr lvl="3">
-              <a:buSzPct val="25000"/>
+              <a:buSzPct val="75000"/>
               <a:buFont typeface="StarSymbol"/>
               <a:buChar char=""/>
             </a:pPr>
@@ -4829,7 +3475,7 @@
           </a:p>
           <a:p>
             <a:pPr lvl="4">
-              <a:buSzPct val="25000"/>
+              <a:buSzPct val="45000"/>
               <a:buFont typeface="StarSymbol"/>
               <a:buChar char=""/>
             </a:pPr>
@@ -4841,7 +3487,7 @@
           </a:p>
           <a:p>
             <a:pPr lvl="5">
-              <a:buSzPct val="25000"/>
+              <a:buSzPct val="45000"/>
               <a:buFont typeface="StarSymbol"/>
               <a:buChar char=""/>
             </a:pPr>
@@ -4853,7 +3499,7 @@
           </a:p>
           <a:p>
             <a:pPr lvl="6">
-              <a:buSzPct val="25000"/>
+              <a:buSzPct val="45000"/>
               <a:buFont typeface="StarSymbol"/>
               <a:buChar char=""/>
             </a:pPr>
@@ -4888,14 +3534,6 @@
 <file path=ppt/slideMasters/slideMaster2.xml><?xml version="1.0" encoding="utf-8"?>
 <p:sldMaster xmlns:a="http://schemas.openxmlformats.org/drawingml/2006/main" xmlns:p="http://schemas.openxmlformats.org/presentationml/2006/main" xmlns:r="http://schemas.openxmlformats.org/officeDocument/2006/relationships">
   <p:cSld>
-    <p:bg>
-      <p:bgPr>
-        <a:blipFill>
-          <a:blip r:embed="rId2"/>
-          <a:tile/>
-        </a:blipFill>
-      </p:bgPr>
-    </p:bg>
     <p:spTree>
       <p:nvGrpSpPr>
         <p:cNvPr id="1" name=""/>
@@ -4912,141 +3550,7 @@
       </p:grpSpPr>
       <p:sp>
         <p:nvSpPr>
-          <p:cNvPr id="41" name="CustomShape 1"/>
-          <p:cNvSpPr/>
-          <p:nvPr/>
-        </p:nvSpPr>
-        <p:spPr>
-          <a:xfrm>
-            <a:off x="-9360" y="-7200"/>
-            <a:ext cx="9162720" cy="1041120"/>
-          </a:xfrm>
-          <a:prstGeom prst="rect">
-            <a:avLst>
-              <a:gd fmla="val 0" name="A1"/>
-              <a:gd fmla="val 0" name="A2"/>
-              <a:gd fmla="val 0" name="A3"/>
-              <a:gd fmla="val 0" name="A4"/>
-              <a:gd fmla="val 0" name="A5"/>
-              <a:gd fmla="val 0" name="A6"/>
-              <a:gd fmla="val 0" name="A7"/>
-              <a:gd fmla="val 0" name="A8"/>
-            </a:avLst>
-          </a:prstGeom>
-          <a:gradFill>
-            <a:gsLst>
-              <a:gs pos="0">
-                <a:srgbClr val="0074a0"/>
-              </a:gs>
-              <a:gs pos="100000">
-                <a:srgbClr val="00c4cd"/>
-              </a:gs>
-            </a:gsLst>
-            <a:lin ang="5400000"/>
-          </a:gradFill>
-        </p:spPr>
-      </p:sp>
-      <p:sp>
-        <p:nvSpPr>
-          <p:cNvPr id="42" name="CustomShape 2"/>
-          <p:cNvSpPr/>
-          <p:nvPr/>
-        </p:nvSpPr>
-        <p:spPr>
-          <a:xfrm>
-            <a:off x="4381560" y="-7200"/>
-            <a:ext cx="4762080" cy="637920"/>
-          </a:xfrm>
-          <a:prstGeom prst="rect">
-            <a:avLst>
-              <a:gd fmla="val 0" name="A1"/>
-              <a:gd fmla="val 0" name="A2"/>
-              <a:gd fmla="val 0" name="A3"/>
-              <a:gd fmla="val 0" name="A4"/>
-              <a:gd fmla="val 0" name="A5"/>
-              <a:gd fmla="val 0" name="A6"/>
-              <a:gd fmla="val 0" name="A7"/>
-              <a:gd fmla="val 0" name="A8"/>
-            </a:avLst>
-          </a:prstGeom>
-          <a:gradFill>
-            <a:gsLst>
-              <a:gs pos="0">
-                <a:srgbClr val="00a0a8"/>
-              </a:gs>
-              <a:gs pos="100000">
-                <a:srgbClr val="008abf"/>
-              </a:gs>
-            </a:gsLst>
-            <a:lin ang="5400000"/>
-          </a:gradFill>
-        </p:spPr>
-      </p:sp>
-      <p:sp>
-        <p:nvSpPr>
-          <p:cNvPr id="43" name="CustomShape 3"/>
-          <p:cNvSpPr/>
-          <p:nvPr/>
-        </p:nvSpPr>
-        <p:spPr>
-          <a:xfrm rot="21435600">
-            <a:off x="-18720" y="201960"/>
-            <a:ext cx="9162720" cy="648720"/>
-          </a:xfrm>
-          <a:prstGeom prst="rect">
-            <a:avLst>
-              <a:gd fmla="val 0" name="A1"/>
-              <a:gd fmla="val 0" name="A2"/>
-              <a:gd fmla="val 0" name="A3"/>
-              <a:gd fmla="val 0" name="A4"/>
-              <a:gd fmla="val 0" name="A5"/>
-              <a:gd fmla="val 0" name="A6"/>
-              <a:gd fmla="val 0" name="A7"/>
-              <a:gd fmla="val 0" name="A8"/>
-            </a:avLst>
-          </a:prstGeom>
-          <a:ln w="10800">
-            <a:solidFill>
-              <a:srgbClr val="008abf"/>
-            </a:solidFill>
-            <a:round/>
-          </a:ln>
-        </p:spPr>
-      </p:sp>
-      <p:sp>
-        <p:nvSpPr>
-          <p:cNvPr id="44" name="CustomShape 4"/>
-          <p:cNvSpPr/>
-          <p:nvPr/>
-        </p:nvSpPr>
-        <p:spPr>
-          <a:xfrm rot="21435600">
-            <a:off x="-14040" y="275400"/>
-            <a:ext cx="9175320" cy="529920"/>
-          </a:xfrm>
-          <a:prstGeom prst="rect">
-            <a:avLst>
-              <a:gd fmla="val 0" name="A1"/>
-              <a:gd fmla="val 0" name="A2"/>
-              <a:gd fmla="val 0" name="A3"/>
-              <a:gd fmla="val 0" name="A4"/>
-              <a:gd fmla="val 0" name="A5"/>
-              <a:gd fmla="val 0" name="A6"/>
-              <a:gd fmla="val 0" name="A7"/>
-              <a:gd fmla="val 0" name="A8"/>
-            </a:avLst>
-          </a:prstGeom>
-          <a:ln w="9360">
-            <a:solidFill>
-              <a:srgbClr val="009dd9"/>
-            </a:solidFill>
-            <a:round/>
-          </a:ln>
-        </p:spPr>
-      </p:sp>
-      <p:sp>
-        <p:nvSpPr>
-          <p:cNvPr id="45" name="PlaceHolder 5"/>
+          <p:cNvPr id="34" name="PlaceHolder 1"/>
           <p:cNvSpPr>
             <a:spLocks noGrp="1"/>
           </p:cNvSpPr>
@@ -5056,37 +3560,28 @@
         </p:nvSpPr>
         <p:spPr>
           <a:xfrm>
-            <a:off x="457200" y="704160"/>
-            <a:ext cx="8229240" cy="1142640"/>
-          </a:xfrm>
-          <a:prstGeom prst="rect">
-            <a:avLst/>
-          </a:prstGeom>
-        </p:spPr>
-        <p:txBody>
-          <a:bodyPr anchor="b" bIns="0" lIns="0" rIns="0" tIns="45000"/>
-          <a:p>
-            <a:pPr>
-              <a:lnSpc>
-                <a:spcPct val="100000"/>
-              </a:lnSpc>
-            </a:pPr>
-            <a:r>
-              <a:rPr lang="en-US" sz="5000">
-                <a:solidFill>
-                  <a:srgbClr val="04617b"/>
-                </a:solidFill>
-                <a:latin typeface="Calibri"/>
-              </a:rPr>
-              <a:t>Click to edit the title text formatClick to edit Master title style</a:t>
-            </a:r>
-            <a:endParaRPr/>
-          </a:p>
-        </p:txBody>
-      </p:sp>
-      <p:sp>
-        <p:nvSpPr>
-          <p:cNvPr id="46" name="PlaceHolder 6"/>
+            <a:off x="457200" y="273600"/>
+            <a:ext cx="8229240" cy="1144800"/>
+          </a:xfrm>
+          <a:prstGeom prst="rect">
+            <a:avLst/>
+          </a:prstGeom>
+        </p:spPr>
+        <p:txBody>
+          <a:bodyPr anchor="ctr" bIns="0" lIns="0" rIns="0" tIns="0" wrap="none"/>
+          <a:p>
+            <a:pPr algn="ctr"/>
+            <a:r>
+              <a:rPr lang="en-US"/>
+              <a:t>Click to edit the title text format</a:t>
+            </a:r>
+            <a:endParaRPr/>
+          </a:p>
+        </p:txBody>
+      </p:sp>
+      <p:sp>
+        <p:nvSpPr>
+          <p:cNvPr id="35" name="PlaceHolder 2"/>
           <p:cNvSpPr>
             <a:spLocks noGrp="1"/>
           </p:cNvSpPr>
@@ -5096,321 +3591,97 @@
         </p:nvSpPr>
         <p:spPr>
           <a:xfrm>
-            <a:off x="457200" y="1935360"/>
-            <a:ext cx="8229240" cy="4388760"/>
-          </a:xfrm>
-          <a:prstGeom prst="rect">
-            <a:avLst/>
-          </a:prstGeom>
-        </p:spPr>
-        <p:txBody>
-          <a:bodyPr bIns="45000" lIns="90000" rIns="90000" tIns="45000"/>
+            <a:off x="457200" y="1604520"/>
+            <a:ext cx="8046360" cy="3977280"/>
+          </a:xfrm>
+          <a:prstGeom prst="rect">
+            <a:avLst/>
+          </a:prstGeom>
+        </p:spPr>
+        <p:txBody>
+          <a:bodyPr bIns="0" lIns="0" rIns="0" tIns="0" wrap="none"/>
           <a:p>
             <a:pPr>
-              <a:buSzPct val="25000"/>
+              <a:buSzPct val="45000"/>
               <a:buFont typeface="StarSymbol"/>
               <a:buChar char=""/>
             </a:pPr>
             <a:r>
-              <a:rPr lang="en-US" sz="2600">
-                <a:solidFill>
-                  <a:srgbClr val="000000"/>
-                </a:solidFill>
-                <a:latin typeface="Constantia"/>
-              </a:rPr>
+              <a:rPr lang="en-US"/>
               <a:t>Click to edit the outline text format</a:t>
             </a:r>
             <a:endParaRPr/>
           </a:p>
           <a:p>
             <a:pPr lvl="1">
-              <a:buSzPct val="25000"/>
+              <a:buSzPct val="75000"/>
               <a:buFont typeface="StarSymbol"/>
               <a:buChar char=""/>
             </a:pPr>
             <a:r>
-              <a:rPr lang="en-US" sz="2600">
-                <a:solidFill>
-                  <a:srgbClr val="000000"/>
-                </a:solidFill>
-                <a:latin typeface="Constantia"/>
-              </a:rPr>
+              <a:rPr lang="en-US"/>
               <a:t>Second Outline Level</a:t>
             </a:r>
             <a:endParaRPr/>
           </a:p>
           <a:p>
             <a:pPr lvl="2">
-              <a:buSzPct val="25000"/>
+              <a:buSzPct val="45000"/>
               <a:buFont typeface="StarSymbol"/>
               <a:buChar char=""/>
             </a:pPr>
             <a:r>
-              <a:rPr lang="en-US" sz="2600">
-                <a:solidFill>
-                  <a:srgbClr val="000000"/>
-                </a:solidFill>
-                <a:latin typeface="Constantia"/>
-              </a:rPr>
+              <a:rPr lang="en-US"/>
               <a:t>Third Outline Level</a:t>
             </a:r>
             <a:endParaRPr/>
           </a:p>
           <a:p>
             <a:pPr lvl="3">
-              <a:buSzPct val="25000"/>
+              <a:buSzPct val="75000"/>
               <a:buFont typeface="StarSymbol"/>
               <a:buChar char=""/>
             </a:pPr>
             <a:r>
-              <a:rPr lang="en-US" sz="2600">
-                <a:solidFill>
-                  <a:srgbClr val="000000"/>
-                </a:solidFill>
-                <a:latin typeface="Constantia"/>
-              </a:rPr>
+              <a:rPr lang="en-US"/>
               <a:t>Fourth Outline Level</a:t>
             </a:r>
             <a:endParaRPr/>
           </a:p>
           <a:p>
             <a:pPr lvl="4">
-              <a:buSzPct val="25000"/>
+              <a:buSzPct val="45000"/>
               <a:buFont typeface="StarSymbol"/>
               <a:buChar char=""/>
             </a:pPr>
             <a:r>
-              <a:rPr lang="en-US" sz="2600">
-                <a:solidFill>
-                  <a:srgbClr val="000000"/>
-                </a:solidFill>
-                <a:latin typeface="Constantia"/>
-              </a:rPr>
+              <a:rPr lang="en-US"/>
               <a:t>Fifth Outline Level</a:t>
             </a:r>
             <a:endParaRPr/>
           </a:p>
           <a:p>
             <a:pPr lvl="5">
-              <a:buSzPct val="25000"/>
+              <a:buSzPct val="45000"/>
               <a:buFont typeface="StarSymbol"/>
               <a:buChar char=""/>
             </a:pPr>
             <a:r>
-              <a:rPr lang="en-US" sz="2600">
-                <a:solidFill>
-                  <a:srgbClr val="000000"/>
-                </a:solidFill>
-                <a:latin typeface="Constantia"/>
-              </a:rPr>
+              <a:rPr lang="en-US"/>
               <a:t>Sixth Outline Level</a:t>
             </a:r>
             <a:endParaRPr/>
           </a:p>
           <a:p>
-            <a:pPr>
-              <a:lnSpc>
-                <a:spcPct val="100000"/>
-              </a:lnSpc>
-              <a:buSzPct val="25000"/>
-              <a:buFont charset="2" typeface="Wingdings 2"/>
-              <a:buChar char=""/>
-            </a:pPr>
-            <a:r>
-              <a:rPr lang="en-US" sz="2600">
-                <a:solidFill>
-                  <a:srgbClr val="000000"/>
-                </a:solidFill>
-                <a:latin typeface="Constantia"/>
-              </a:rPr>
-              <a:t>Seventh Outline LevelClick to edit Master text styles</a:t>
-            </a:r>
-            <a:endParaRPr/>
-          </a:p>
-          <a:p>
-            <a:pPr lvl="1">
-              <a:lnSpc>
-                <a:spcPct val="100000"/>
-              </a:lnSpc>
-              <a:buSzPct val="25000"/>
-              <a:buFont typeface="StarSymbol"/>
-              <a:buChar char=""/>
-            </a:pPr>
-            <a:r>
-              <a:rPr lang="en-US" sz="2400">
-                <a:solidFill>
-                  <a:srgbClr val="000000"/>
-                </a:solidFill>
-                <a:latin typeface="Constantia"/>
-              </a:rPr>
-              <a:t>Second level</a:t>
-            </a:r>
-            <a:endParaRPr/>
-          </a:p>
-          <a:p>
-            <a:pPr lvl="2">
-              <a:lnSpc>
-                <a:spcPct val="100000"/>
-              </a:lnSpc>
-              <a:buSzPct val="25000"/>
+            <a:pPr lvl="6">
+              <a:buSzPct val="45000"/>
               <a:buFont typeface="StarSymbol"/>
               <a:buChar char=""/>
             </a:pPr>
             <a:r>
-              <a:rPr lang="en-US" sz="2100">
-                <a:solidFill>
-                  <a:srgbClr val="000000"/>
-                </a:solidFill>
-                <a:latin typeface="Constantia"/>
-              </a:rPr>
-              <a:t>Third level</a:t>
-            </a:r>
-            <a:endParaRPr/>
-          </a:p>
-          <a:p>
-            <a:pPr lvl="3">
-              <a:lnSpc>
-                <a:spcPct val="100000"/>
-              </a:lnSpc>
-              <a:buSzPct val="25000"/>
-              <a:buFont typeface="StarSymbol"/>
-              <a:buChar char=""/>
-            </a:pPr>
-            <a:r>
-              <a:rPr lang="en-US" sz="2000">
-                <a:solidFill>
-                  <a:srgbClr val="000000"/>
-                </a:solidFill>
-                <a:latin typeface="Constantia"/>
-              </a:rPr>
-              <a:t>Fourth level</a:t>
-            </a:r>
-            <a:endParaRPr/>
-          </a:p>
-          <a:p>
-            <a:pPr lvl="4">
-              <a:lnSpc>
-                <a:spcPct val="100000"/>
-              </a:lnSpc>
-              <a:buSzPct val="25000"/>
-              <a:buFont typeface="StarSymbol"/>
-              <a:buChar char=""/>
-            </a:pPr>
-            <a:r>
-              <a:rPr lang="en-US" sz="2000">
-                <a:solidFill>
-                  <a:srgbClr val="000000"/>
-                </a:solidFill>
-                <a:latin typeface="Constantia"/>
-              </a:rPr>
-              <a:t>Fifth level</a:t>
-            </a:r>
-            <a:endParaRPr/>
-          </a:p>
-        </p:txBody>
-      </p:sp>
-      <p:sp>
-        <p:nvSpPr>
-          <p:cNvPr id="47" name="PlaceHolder 7"/>
-          <p:cNvSpPr>
-            <a:spLocks noGrp="1"/>
-          </p:cNvSpPr>
-          <p:nvPr>
-            <p:ph type="dt"/>
-          </p:nvPr>
-        </p:nvSpPr>
-        <p:spPr>
-          <a:xfrm>
-            <a:off x="457200" y="6356520"/>
-            <a:ext cx="2133360" cy="364680"/>
-          </a:xfrm>
-          <a:prstGeom prst="rect">
-            <a:avLst/>
-          </a:prstGeom>
-        </p:spPr>
-        <p:txBody>
-          <a:bodyPr anchor="b" bIns="0" lIns="0" rIns="0" tIns="0"/>
-          <a:p>
-            <a:pPr>
-              <a:lnSpc>
-                <a:spcPct val="100000"/>
-              </a:lnSpc>
-            </a:pPr>
-            <a:r>
-              <a:rPr lang="en-US" sz="1200">
-                <a:solidFill>
-                  <a:srgbClr val="035c75"/>
-                </a:solidFill>
-                <a:latin typeface="Constantia"/>
-              </a:rPr>
-              <a:t>5/6/13</a:t>
-            </a:r>
-            <a:endParaRPr/>
-          </a:p>
-        </p:txBody>
-      </p:sp>
-      <p:sp>
-        <p:nvSpPr>
-          <p:cNvPr id="48" name="PlaceHolder 8"/>
-          <p:cNvSpPr>
-            <a:spLocks noGrp="1"/>
-          </p:cNvSpPr>
-          <p:nvPr>
-            <p:ph type="ftr"/>
-          </p:nvPr>
-        </p:nvSpPr>
-        <p:spPr>
-          <a:xfrm>
-            <a:off x="2666880" y="6356520"/>
-            <a:ext cx="3352320" cy="364680"/>
-          </a:xfrm>
-          <a:prstGeom prst="rect">
-            <a:avLst/>
-          </a:prstGeom>
-        </p:spPr>
-        <p:txBody>
-          <a:bodyPr anchor="b" bIns="0" lIns="0" rIns="0" tIns="0"/>
-          <a:p>
-            <a:endParaRPr/>
-          </a:p>
-        </p:txBody>
-      </p:sp>
-      <p:sp>
-        <p:nvSpPr>
-          <p:cNvPr id="49" name="PlaceHolder 9"/>
-          <p:cNvSpPr>
-            <a:spLocks noGrp="1"/>
-          </p:cNvSpPr>
-          <p:nvPr>
-            <p:ph type="sldNum"/>
-          </p:nvPr>
-        </p:nvSpPr>
-        <p:spPr>
-          <a:xfrm>
-            <a:off x="7924680" y="6356520"/>
-            <a:ext cx="761760" cy="364680"/>
-          </a:xfrm>
-          <a:prstGeom prst="rect">
-            <a:avLst/>
-          </a:prstGeom>
-        </p:spPr>
-        <p:txBody>
-          <a:bodyPr anchor="b" bIns="0" lIns="0" rIns="0" tIns="0"/>
-          <a:p>
-            <a:pPr algn="r">
-              <a:lnSpc>
-                <a:spcPct val="100000"/>
-              </a:lnSpc>
-            </a:pPr>
-            <a:fld id="{2E8B7A96-C389-4155-8A6F-E9C1FDEFDB54}" type="slidenum">
-              <a:rPr lang="en-US" sz="1200">
-                <a:solidFill>
-                  <a:srgbClr val="035c75"/>
-                </a:solidFill>
-                <a:latin typeface="Constantia"/>
-              </a:rPr>
-              <a:t>&lt;number&gt;</a:t>
-            </a:fld>
+              <a:rPr lang="en-US"/>
+              <a:t>Seventh Outline Level</a:t>
+            </a:r>
             <a:endParaRPr/>
           </a:p>
         </p:txBody>
@@ -5419,798 +3690,23 @@
   </p:cSld>
   <p:clrMap accent1="accent1" accent2="accent2" accent3="accent3" accent4="accent4" accent5="accent5" accent6="accent6" bg1="lt1" bg2="lt2" folHlink="folHlink" hlink="hlink" tx1="dk1" tx2="dk2"/>
   <p:sldLayoutIdLst>
-    <p:sldLayoutId id="2147483662" r:id="rId3"/>
-    <p:sldLayoutId id="2147483663" r:id="rId4"/>
-    <p:sldLayoutId id="2147483664" r:id="rId5"/>
-    <p:sldLayoutId id="2147483665" r:id="rId6"/>
-    <p:sldLayoutId id="2147483666" r:id="rId7"/>
-    <p:sldLayoutId id="2147483667" r:id="rId8"/>
-    <p:sldLayoutId id="2147483668" r:id="rId9"/>
-    <p:sldLayoutId id="2147483669" r:id="rId10"/>
-    <p:sldLayoutId id="2147483670" r:id="rId11"/>
-    <p:sldLayoutId id="2147483671" r:id="rId12"/>
-    <p:sldLayoutId id="2147483672" r:id="rId13"/>
-    <p:sldLayoutId id="2147483673" r:id="rId14"/>
+    <p:sldLayoutId id="2147483662" r:id="rId2"/>
+    <p:sldLayoutId id="2147483663" r:id="rId3"/>
+    <p:sldLayoutId id="2147483664" r:id="rId4"/>
+    <p:sldLayoutId id="2147483665" r:id="rId5"/>
+    <p:sldLayoutId id="2147483666" r:id="rId6"/>
+    <p:sldLayoutId id="2147483667" r:id="rId7"/>
+    <p:sldLayoutId id="2147483668" r:id="rId8"/>
+    <p:sldLayoutId id="2147483669" r:id="rId9"/>
+    <p:sldLayoutId id="2147483670" r:id="rId10"/>
+    <p:sldLayoutId id="2147483671" r:id="rId11"/>
+    <p:sldLayoutId id="2147483672" r:id="rId12"/>
+    <p:sldLayoutId id="2147483673" r:id="rId13"/>
   </p:sldLayoutIdLst>
 </p:sldMaster>
 </file>
 
 <file path=ppt/slideMasters/slideMaster3.xml><?xml version="1.0" encoding="utf-8"?>
-<p:sldMaster xmlns:a="http://schemas.openxmlformats.org/drawingml/2006/main" xmlns:p="http://schemas.openxmlformats.org/presentationml/2006/main" xmlns:r="http://schemas.openxmlformats.org/officeDocument/2006/relationships">
-  <p:cSld>
-    <p:bg>
-      <p:bgPr>
-        <a:blipFill>
-          <a:blip r:embed="rId2"/>
-          <a:tile/>
-        </a:blipFill>
-      </p:bgPr>
-    </p:bg>
-    <p:spTree>
-      <p:nvGrpSpPr>
-        <p:cNvPr id="1" name=""/>
-        <p:cNvGrpSpPr/>
-        <p:nvPr/>
-      </p:nvGrpSpPr>
-      <p:grpSpPr>
-        <a:xfrm>
-          <a:off x="0" y="0"/>
-          <a:ext cx="0" cy="0"/>
-          <a:chOff x="0" y="0"/>
-          <a:chExt cx="0" cy="0"/>
-        </a:xfrm>
-      </p:grpSpPr>
-      <p:sp>
-        <p:nvSpPr>
-          <p:cNvPr id="82" name="CustomShape 1"/>
-          <p:cNvSpPr/>
-          <p:nvPr/>
-        </p:nvSpPr>
-        <p:spPr>
-          <a:xfrm>
-            <a:off x="-9360" y="-7200"/>
-            <a:ext cx="9162720" cy="1041120"/>
-          </a:xfrm>
-          <a:prstGeom prst="rect">
-            <a:avLst>
-              <a:gd fmla="val 0" name="A1"/>
-              <a:gd fmla="val 0" name="A2"/>
-              <a:gd fmla="val 0" name="A3"/>
-              <a:gd fmla="val 0" name="A4"/>
-              <a:gd fmla="val 0" name="A5"/>
-              <a:gd fmla="val 0" name="A6"/>
-              <a:gd fmla="val 0" name="A7"/>
-              <a:gd fmla="val 0" name="A8"/>
-            </a:avLst>
-          </a:prstGeom>
-          <a:gradFill>
-            <a:gsLst>
-              <a:gs pos="0">
-                <a:srgbClr val="0074a0"/>
-              </a:gs>
-              <a:gs pos="100000">
-                <a:srgbClr val="00c4cd"/>
-              </a:gs>
-            </a:gsLst>
-            <a:lin ang="5400000"/>
-          </a:gradFill>
-        </p:spPr>
-      </p:sp>
-      <p:sp>
-        <p:nvSpPr>
-          <p:cNvPr id="83" name="CustomShape 2"/>
-          <p:cNvSpPr/>
-          <p:nvPr/>
-        </p:nvSpPr>
-        <p:spPr>
-          <a:xfrm>
-            <a:off x="4381560" y="-7200"/>
-            <a:ext cx="4762080" cy="637920"/>
-          </a:xfrm>
-          <a:prstGeom prst="rect">
-            <a:avLst>
-              <a:gd fmla="val 0" name="A1"/>
-              <a:gd fmla="val 0" name="A2"/>
-              <a:gd fmla="val 0" name="A3"/>
-              <a:gd fmla="val 0" name="A4"/>
-              <a:gd fmla="val 0" name="A5"/>
-              <a:gd fmla="val 0" name="A6"/>
-              <a:gd fmla="val 0" name="A7"/>
-              <a:gd fmla="val 0" name="A8"/>
-            </a:avLst>
-          </a:prstGeom>
-          <a:gradFill>
-            <a:gsLst>
-              <a:gs pos="0">
-                <a:srgbClr val="00a0a8"/>
-              </a:gs>
-              <a:gs pos="100000">
-                <a:srgbClr val="008abf"/>
-              </a:gs>
-            </a:gsLst>
-            <a:lin ang="5400000"/>
-          </a:gradFill>
-        </p:spPr>
-      </p:sp>
-      <p:sp>
-        <p:nvSpPr>
-          <p:cNvPr id="84" name="CustomShape 3"/>
-          <p:cNvSpPr/>
-          <p:nvPr/>
-        </p:nvSpPr>
-        <p:spPr>
-          <a:xfrm rot="21435600">
-            <a:off x="-18720" y="201960"/>
-            <a:ext cx="9162720" cy="648720"/>
-          </a:xfrm>
-          <a:prstGeom prst="rect">
-            <a:avLst>
-              <a:gd fmla="val 0" name="A1"/>
-              <a:gd fmla="val 0" name="A2"/>
-              <a:gd fmla="val 0" name="A3"/>
-              <a:gd fmla="val 0" name="A4"/>
-              <a:gd fmla="val 0" name="A5"/>
-              <a:gd fmla="val 0" name="A6"/>
-              <a:gd fmla="val 0" name="A7"/>
-              <a:gd fmla="val 0" name="A8"/>
-            </a:avLst>
-          </a:prstGeom>
-          <a:ln w="10800">
-            <a:solidFill>
-              <a:srgbClr val="008abf"/>
-            </a:solidFill>
-            <a:round/>
-          </a:ln>
-        </p:spPr>
-      </p:sp>
-      <p:sp>
-        <p:nvSpPr>
-          <p:cNvPr id="85" name="CustomShape 4"/>
-          <p:cNvSpPr/>
-          <p:nvPr/>
-        </p:nvSpPr>
-        <p:spPr>
-          <a:xfrm rot="21435600">
-            <a:off x="-14040" y="275400"/>
-            <a:ext cx="9175320" cy="529920"/>
-          </a:xfrm>
-          <a:prstGeom prst="rect">
-            <a:avLst>
-              <a:gd fmla="val 0" name="A1"/>
-              <a:gd fmla="val 0" name="A2"/>
-              <a:gd fmla="val 0" name="A3"/>
-              <a:gd fmla="val 0" name="A4"/>
-              <a:gd fmla="val 0" name="A5"/>
-              <a:gd fmla="val 0" name="A6"/>
-              <a:gd fmla="val 0" name="A7"/>
-              <a:gd fmla="val 0" name="A8"/>
-            </a:avLst>
-          </a:prstGeom>
-          <a:ln w="9360">
-            <a:solidFill>
-              <a:srgbClr val="009dd9"/>
-            </a:solidFill>
-            <a:round/>
-          </a:ln>
-        </p:spPr>
-      </p:sp>
-      <p:sp>
-        <p:nvSpPr>
-          <p:cNvPr id="86" name="PlaceHolder 5"/>
-          <p:cNvSpPr>
-            <a:spLocks noGrp="1"/>
-          </p:cNvSpPr>
-          <p:nvPr>
-            <p:ph type="title"/>
-          </p:nvPr>
-        </p:nvSpPr>
-        <p:spPr>
-          <a:xfrm>
-            <a:off x="457200" y="704160"/>
-            <a:ext cx="8229240" cy="1142640"/>
-          </a:xfrm>
-          <a:prstGeom prst="rect">
-            <a:avLst/>
-          </a:prstGeom>
-        </p:spPr>
-        <p:txBody>
-          <a:bodyPr anchor="b" bIns="0" lIns="0" rIns="0" tIns="45000"/>
-          <a:p>
-            <a:pPr>
-              <a:lnSpc>
-                <a:spcPct val="100000"/>
-              </a:lnSpc>
-            </a:pPr>
-            <a:r>
-              <a:rPr lang="en-US" sz="5000">
-                <a:solidFill>
-                  <a:srgbClr val="04617b"/>
-                </a:solidFill>
-                <a:latin typeface="Calibri"/>
-              </a:rPr>
-              <a:t>Click to edit the title text formatClick to edit Master title style</a:t>
-            </a:r>
-            <a:endParaRPr/>
-          </a:p>
-        </p:txBody>
-      </p:sp>
-      <p:sp>
-        <p:nvSpPr>
-          <p:cNvPr id="87" name="PlaceHolder 6"/>
-          <p:cNvSpPr>
-            <a:spLocks noGrp="1"/>
-          </p:cNvSpPr>
-          <p:nvPr>
-            <p:ph type="body"/>
-          </p:nvPr>
-        </p:nvSpPr>
-        <p:spPr>
-          <a:xfrm>
-            <a:off x="457200" y="1920240"/>
-            <a:ext cx="4038120" cy="4434480"/>
-          </a:xfrm>
-          <a:prstGeom prst="rect">
-            <a:avLst/>
-          </a:prstGeom>
-        </p:spPr>
-        <p:txBody>
-          <a:bodyPr bIns="45000" lIns="90000" rIns="90000" tIns="45000"/>
-          <a:p>
-            <a:pPr>
-              <a:buSzPct val="25000"/>
-              <a:buFont typeface="StarSymbol"/>
-              <a:buChar char=""/>
-            </a:pPr>
-            <a:r>
-              <a:rPr lang="en-US" sz="2600">
-                <a:solidFill>
-                  <a:srgbClr val="000000"/>
-                </a:solidFill>
-                <a:latin typeface="Constantia"/>
-              </a:rPr>
-              <a:t>Click to edit the outline text format</a:t>
-            </a:r>
-            <a:endParaRPr/>
-          </a:p>
-          <a:p>
-            <a:pPr lvl="1">
-              <a:buSzPct val="25000"/>
-              <a:buFont typeface="StarSymbol"/>
-              <a:buChar char=""/>
-            </a:pPr>
-            <a:r>
-              <a:rPr lang="en-US" sz="2600">
-                <a:solidFill>
-                  <a:srgbClr val="000000"/>
-                </a:solidFill>
-                <a:latin typeface="Constantia"/>
-              </a:rPr>
-              <a:t>Second Outline Level</a:t>
-            </a:r>
-            <a:endParaRPr/>
-          </a:p>
-          <a:p>
-            <a:pPr lvl="2">
-              <a:buSzPct val="25000"/>
-              <a:buFont typeface="StarSymbol"/>
-              <a:buChar char=""/>
-            </a:pPr>
-            <a:r>
-              <a:rPr lang="en-US" sz="2600">
-                <a:solidFill>
-                  <a:srgbClr val="000000"/>
-                </a:solidFill>
-                <a:latin typeface="Constantia"/>
-              </a:rPr>
-              <a:t>Third Outline Level</a:t>
-            </a:r>
-            <a:endParaRPr/>
-          </a:p>
-          <a:p>
-            <a:pPr lvl="3">
-              <a:buSzPct val="25000"/>
-              <a:buFont typeface="StarSymbol"/>
-              <a:buChar char=""/>
-            </a:pPr>
-            <a:r>
-              <a:rPr lang="en-US" sz="2600">
-                <a:solidFill>
-                  <a:srgbClr val="000000"/>
-                </a:solidFill>
-                <a:latin typeface="Constantia"/>
-              </a:rPr>
-              <a:t>Fourth Outline Level</a:t>
-            </a:r>
-            <a:endParaRPr/>
-          </a:p>
-          <a:p>
-            <a:pPr lvl="4">
-              <a:buSzPct val="25000"/>
-              <a:buFont typeface="StarSymbol"/>
-              <a:buChar char=""/>
-            </a:pPr>
-            <a:r>
-              <a:rPr lang="en-US" sz="2600">
-                <a:solidFill>
-                  <a:srgbClr val="000000"/>
-                </a:solidFill>
-                <a:latin typeface="Constantia"/>
-              </a:rPr>
-              <a:t>Fifth Outline Level</a:t>
-            </a:r>
-            <a:endParaRPr/>
-          </a:p>
-          <a:p>
-            <a:pPr lvl="5">
-              <a:buSzPct val="25000"/>
-              <a:buFont typeface="StarSymbol"/>
-              <a:buChar char=""/>
-            </a:pPr>
-            <a:r>
-              <a:rPr lang="en-US" sz="2600">
-                <a:solidFill>
-                  <a:srgbClr val="000000"/>
-                </a:solidFill>
-                <a:latin typeface="Constantia"/>
-              </a:rPr>
-              <a:t>Sixth Outline Level</a:t>
-            </a:r>
-            <a:endParaRPr/>
-          </a:p>
-          <a:p>
-            <a:pPr>
-              <a:lnSpc>
-                <a:spcPct val="100000"/>
-              </a:lnSpc>
-              <a:buSzPct val="25000"/>
-              <a:buFont charset="2" typeface="Wingdings 2"/>
-              <a:buChar char=""/>
-            </a:pPr>
-            <a:r>
-              <a:rPr lang="en-US" sz="2600">
-                <a:solidFill>
-                  <a:srgbClr val="000000"/>
-                </a:solidFill>
-                <a:latin typeface="Constantia"/>
-              </a:rPr>
-              <a:t>Seventh Outline LevelClick to edit Master text styles</a:t>
-            </a:r>
-            <a:endParaRPr/>
-          </a:p>
-          <a:p>
-            <a:pPr lvl="1">
-              <a:lnSpc>
-                <a:spcPct val="100000"/>
-              </a:lnSpc>
-              <a:buSzPct val="25000"/>
-              <a:buFont typeface="StarSymbol"/>
-              <a:buChar char=""/>
-            </a:pPr>
-            <a:r>
-              <a:rPr lang="en-US" sz="2400">
-                <a:solidFill>
-                  <a:srgbClr val="000000"/>
-                </a:solidFill>
-                <a:latin typeface="Constantia"/>
-              </a:rPr>
-              <a:t>Second level</a:t>
-            </a:r>
-            <a:endParaRPr/>
-          </a:p>
-          <a:p>
-            <a:pPr lvl="2">
-              <a:lnSpc>
-                <a:spcPct val="100000"/>
-              </a:lnSpc>
-              <a:buSzPct val="25000"/>
-              <a:buFont typeface="StarSymbol"/>
-              <a:buChar char=""/>
-            </a:pPr>
-            <a:r>
-              <a:rPr lang="en-US" sz="2000">
-                <a:solidFill>
-                  <a:srgbClr val="000000"/>
-                </a:solidFill>
-                <a:latin typeface="Constantia"/>
-              </a:rPr>
-              <a:t>Third level</a:t>
-            </a:r>
-            <a:endParaRPr/>
-          </a:p>
-          <a:p>
-            <a:pPr lvl="3">
-              <a:lnSpc>
-                <a:spcPct val="100000"/>
-              </a:lnSpc>
-              <a:buSzPct val="25000"/>
-              <a:buFont typeface="StarSymbol"/>
-              <a:buChar char=""/>
-            </a:pPr>
-            <a:r>
-              <a:rPr lang="en-US">
-                <a:solidFill>
-                  <a:srgbClr val="000000"/>
-                </a:solidFill>
-                <a:latin typeface="Constantia"/>
-              </a:rPr>
-              <a:t>Fourth level</a:t>
-            </a:r>
-            <a:endParaRPr/>
-          </a:p>
-          <a:p>
-            <a:pPr lvl="4">
-              <a:lnSpc>
-                <a:spcPct val="100000"/>
-              </a:lnSpc>
-              <a:buSzPct val="25000"/>
-              <a:buFont typeface="StarSymbol"/>
-              <a:buChar char=""/>
-            </a:pPr>
-            <a:r>
-              <a:rPr lang="en-US">
-                <a:solidFill>
-                  <a:srgbClr val="000000"/>
-                </a:solidFill>
-                <a:latin typeface="Constantia"/>
-              </a:rPr>
-              <a:t>Fifth level</a:t>
-            </a:r>
-            <a:endParaRPr/>
-          </a:p>
-        </p:txBody>
-      </p:sp>
-      <p:sp>
-        <p:nvSpPr>
-          <p:cNvPr id="88" name="PlaceHolder 7"/>
-          <p:cNvSpPr>
-            <a:spLocks noGrp="1"/>
-          </p:cNvSpPr>
-          <p:nvPr>
-            <p:ph type="body"/>
-          </p:nvPr>
-        </p:nvSpPr>
-        <p:spPr>
-          <a:xfrm>
-            <a:off x="4648320" y="1920240"/>
-            <a:ext cx="4038120" cy="4434480"/>
-          </a:xfrm>
-          <a:prstGeom prst="rect">
-            <a:avLst/>
-          </a:prstGeom>
-        </p:spPr>
-        <p:txBody>
-          <a:bodyPr anchor="b" bIns="0" lIns="0" rIns="0" tIns="0"/>
-          <a:p>
-            <a:pPr>
-              <a:buSzPct val="25000"/>
-              <a:buFont typeface="StarSymbol"/>
-              <a:buChar char=""/>
-            </a:pPr>
-            <a:r>
-              <a:rPr lang="en-US" sz="2600">
-                <a:solidFill>
-                  <a:srgbClr val="035c75"/>
-                </a:solidFill>
-                <a:latin typeface="Constantia"/>
-              </a:rPr>
-              <a:t>Click to edit the outline text format</a:t>
-            </a:r>
-            <a:endParaRPr/>
-          </a:p>
-          <a:p>
-            <a:pPr lvl="1">
-              <a:buSzPct val="25000"/>
-              <a:buFont typeface="StarSymbol"/>
-              <a:buChar char=""/>
-            </a:pPr>
-            <a:r>
-              <a:rPr lang="en-US" sz="2600">
-                <a:solidFill>
-                  <a:srgbClr val="035c75"/>
-                </a:solidFill>
-                <a:latin typeface="Constantia"/>
-              </a:rPr>
-              <a:t>Second Outline Level</a:t>
-            </a:r>
-            <a:endParaRPr/>
-          </a:p>
-          <a:p>
-            <a:pPr lvl="2">
-              <a:buSzPct val="25000"/>
-              <a:buFont typeface="StarSymbol"/>
-              <a:buChar char=""/>
-            </a:pPr>
-            <a:r>
-              <a:rPr lang="en-US" sz="2600">
-                <a:solidFill>
-                  <a:srgbClr val="035c75"/>
-                </a:solidFill>
-                <a:latin typeface="Constantia"/>
-              </a:rPr>
-              <a:t>Third Outline Level</a:t>
-            </a:r>
-            <a:endParaRPr/>
-          </a:p>
-          <a:p>
-            <a:pPr lvl="3">
-              <a:buSzPct val="25000"/>
-              <a:buFont typeface="StarSymbol"/>
-              <a:buChar char=""/>
-            </a:pPr>
-            <a:r>
-              <a:rPr lang="en-US" sz="2600">
-                <a:solidFill>
-                  <a:srgbClr val="035c75"/>
-                </a:solidFill>
-                <a:latin typeface="Constantia"/>
-              </a:rPr>
-              <a:t>Fourth Outline Level</a:t>
-            </a:r>
-            <a:endParaRPr/>
-          </a:p>
-          <a:p>
-            <a:pPr lvl="4">
-              <a:buSzPct val="25000"/>
-              <a:buFont typeface="StarSymbol"/>
-              <a:buChar char=""/>
-            </a:pPr>
-            <a:r>
-              <a:rPr lang="en-US" sz="2600">
-                <a:solidFill>
-                  <a:srgbClr val="035c75"/>
-                </a:solidFill>
-                <a:latin typeface="Constantia"/>
-              </a:rPr>
-              <a:t>Fifth Outline Level</a:t>
-            </a:r>
-            <a:endParaRPr/>
-          </a:p>
-          <a:p>
-            <a:pPr lvl="5">
-              <a:buSzPct val="25000"/>
-              <a:buFont typeface="StarSymbol"/>
-              <a:buChar char=""/>
-            </a:pPr>
-            <a:r>
-              <a:rPr lang="en-US" sz="2600">
-                <a:solidFill>
-                  <a:srgbClr val="035c75"/>
-                </a:solidFill>
-                <a:latin typeface="Constantia"/>
-              </a:rPr>
-              <a:t>Sixth Outline Level</a:t>
-            </a:r>
-            <a:endParaRPr/>
-          </a:p>
-          <a:p>
-            <a:pPr>
-              <a:lnSpc>
-                <a:spcPct val="100000"/>
-              </a:lnSpc>
-              <a:buSzPct val="25000"/>
-              <a:buFont charset="2" typeface="Wingdings 2"/>
-              <a:buChar char=""/>
-            </a:pPr>
-            <a:r>
-              <a:rPr lang="en-US" sz="2600">
-                <a:solidFill>
-                  <a:srgbClr val="035c75"/>
-                </a:solidFill>
-                <a:latin typeface="Constantia"/>
-              </a:rPr>
-              <a:t>Seventh Outline LevelClick to edit Master text styles</a:t>
-            </a:r>
-            <a:endParaRPr/>
-          </a:p>
-          <a:p>
-            <a:pPr lvl="1">
-              <a:lnSpc>
-                <a:spcPct val="100000"/>
-              </a:lnSpc>
-              <a:buSzPct val="25000"/>
-              <a:buFont typeface="StarSymbol"/>
-              <a:buChar char=""/>
-            </a:pPr>
-            <a:r>
-              <a:rPr lang="en-US" sz="2400">
-                <a:solidFill>
-                  <a:srgbClr val="000000"/>
-                </a:solidFill>
-                <a:latin typeface="Constantia"/>
-              </a:rPr>
-              <a:t>Second level</a:t>
-            </a:r>
-            <a:endParaRPr/>
-          </a:p>
-          <a:p>
-            <a:pPr lvl="2">
-              <a:lnSpc>
-                <a:spcPct val="100000"/>
-              </a:lnSpc>
-              <a:buSzPct val="25000"/>
-              <a:buFont typeface="StarSymbol"/>
-              <a:buChar char=""/>
-            </a:pPr>
-            <a:r>
-              <a:rPr lang="en-US" sz="2000">
-                <a:solidFill>
-                  <a:srgbClr val="000000"/>
-                </a:solidFill>
-                <a:latin typeface="Constantia"/>
-              </a:rPr>
-              <a:t>Third level</a:t>
-            </a:r>
-            <a:endParaRPr/>
-          </a:p>
-          <a:p>
-            <a:pPr lvl="3">
-              <a:lnSpc>
-                <a:spcPct val="100000"/>
-              </a:lnSpc>
-              <a:buSzPct val="25000"/>
-              <a:buFont typeface="StarSymbol"/>
-              <a:buChar char=""/>
-            </a:pPr>
-            <a:r>
-              <a:rPr lang="en-US">
-                <a:solidFill>
-                  <a:srgbClr val="000000"/>
-                </a:solidFill>
-                <a:latin typeface="Constantia"/>
-              </a:rPr>
-              <a:t>Fourth level</a:t>
-            </a:r>
-            <a:endParaRPr/>
-          </a:p>
-          <a:p>
-            <a:pPr lvl="4">
-              <a:lnSpc>
-                <a:spcPct val="100000"/>
-              </a:lnSpc>
-              <a:buSzPct val="25000"/>
-              <a:buFont typeface="StarSymbol"/>
-              <a:buChar char=""/>
-            </a:pPr>
-            <a:r>
-              <a:rPr lang="en-US">
-                <a:solidFill>
-                  <a:srgbClr val="000000"/>
-                </a:solidFill>
-                <a:latin typeface="Constantia"/>
-              </a:rPr>
-              <a:t>Fifth level</a:t>
-            </a:r>
-            <a:endParaRPr/>
-          </a:p>
-        </p:txBody>
-      </p:sp>
-      <p:sp>
-        <p:nvSpPr>
-          <p:cNvPr id="89" name="PlaceHolder 8"/>
-          <p:cNvSpPr>
-            <a:spLocks noGrp="1"/>
-          </p:cNvSpPr>
-          <p:nvPr>
-            <p:ph type="dt"/>
-          </p:nvPr>
-        </p:nvSpPr>
-        <p:spPr>
-          <a:xfrm>
-            <a:off x="457200" y="6356520"/>
-            <a:ext cx="2133360" cy="364680"/>
-          </a:xfrm>
-          <a:prstGeom prst="rect">
-            <a:avLst/>
-          </a:prstGeom>
-        </p:spPr>
-        <p:txBody>
-          <a:bodyPr anchor="b" bIns="0" lIns="0" rIns="0" tIns="0"/>
-          <a:p>
-            <a:pPr>
-              <a:lnSpc>
-                <a:spcPct val="100000"/>
-              </a:lnSpc>
-            </a:pPr>
-            <a:r>
-              <a:rPr lang="en-US" sz="2600">
-                <a:solidFill>
-                  <a:srgbClr val="035c75"/>
-                </a:solidFill>
-                <a:latin typeface="Constantia"/>
-              </a:rPr>
-              <a:t>5/6/13</a:t>
-            </a:r>
-            <a:endParaRPr/>
-          </a:p>
-        </p:txBody>
-      </p:sp>
-      <p:sp>
-        <p:nvSpPr>
-          <p:cNvPr id="90" name="PlaceHolder 9"/>
-          <p:cNvSpPr>
-            <a:spLocks noGrp="1"/>
-          </p:cNvSpPr>
-          <p:nvPr>
-            <p:ph type="ftr"/>
-          </p:nvPr>
-        </p:nvSpPr>
-        <p:spPr>
-          <a:xfrm>
-            <a:off x="2666880" y="6356520"/>
-            <a:ext cx="3352320" cy="364680"/>
-          </a:xfrm>
-          <a:prstGeom prst="rect">
-            <a:avLst/>
-          </a:prstGeom>
-        </p:spPr>
-        <p:txBody>
-          <a:bodyPr anchor="b" bIns="0" lIns="0" rIns="0" tIns="0"/>
-          <a:p>
-            <a:endParaRPr/>
-          </a:p>
-        </p:txBody>
-      </p:sp>
-      <p:sp>
-        <p:nvSpPr>
-          <p:cNvPr id="91" name="PlaceHolder 10"/>
-          <p:cNvSpPr>
-            <a:spLocks noGrp="1"/>
-          </p:cNvSpPr>
-          <p:nvPr>
-            <p:ph type="sldNum"/>
-          </p:nvPr>
-        </p:nvSpPr>
-        <p:spPr>
-          <a:xfrm>
-            <a:off x="7924680" y="6356520"/>
-            <a:ext cx="761760" cy="364680"/>
-          </a:xfrm>
-          <a:prstGeom prst="rect">
-            <a:avLst/>
-          </a:prstGeom>
-        </p:spPr>
-        <p:txBody>
-          <a:bodyPr anchor="b" bIns="0" lIns="0" rIns="0" tIns="0"/>
-          <a:p>
-            <a:pPr algn="r">
-              <a:lnSpc>
-                <a:spcPct val="100000"/>
-              </a:lnSpc>
-            </a:pPr>
-            <a:fld id="{7A5BC0F6-ECC5-4ABA-8D75-08578EFA637C}" type="slidenum">
-              <a:rPr lang="en-US" sz="1200">
-                <a:solidFill>
-                  <a:srgbClr val="035c75"/>
-                </a:solidFill>
-                <a:latin typeface="Constantia"/>
-              </a:rPr>
-              <a:t>&lt;number&gt;</a:t>
-            </a:fld>
-            <a:endParaRPr/>
-          </a:p>
-        </p:txBody>
-      </p:sp>
-    </p:spTree>
-  </p:cSld>
-  <p:clrMap accent1="accent1" accent2="accent2" accent3="accent3" accent4="accent4" accent5="accent5" accent6="accent6" bg1="lt1" bg2="lt2" folHlink="folHlink" hlink="hlink" tx1="dk1" tx2="dk2"/>
-  <p:sldLayoutIdLst>
-    <p:sldLayoutId id="2147483675" r:id="rId3"/>
-    <p:sldLayoutId id="2147483676" r:id="rId4"/>
-    <p:sldLayoutId id="2147483677" r:id="rId5"/>
-    <p:sldLayoutId id="2147483678" r:id="rId6"/>
-    <p:sldLayoutId id="2147483679" r:id="rId7"/>
-    <p:sldLayoutId id="2147483680" r:id="rId8"/>
-    <p:sldLayoutId id="2147483681" r:id="rId9"/>
-    <p:sldLayoutId id="2147483682" r:id="rId10"/>
-    <p:sldLayoutId id="2147483683" r:id="rId11"/>
-    <p:sldLayoutId id="2147483684" r:id="rId12"/>
-    <p:sldLayoutId id="2147483685" r:id="rId13"/>
-    <p:sldLayoutId id="2147483686" r:id="rId14"/>
-  </p:sldLayoutIdLst>
-</p:sldMaster>
-</file>
-
-<file path=ppt/slideMasters/slideMaster4.xml><?xml version="1.0" encoding="utf-8"?>
 <p:sldMaster xmlns:a="http://schemas.openxmlformats.org/drawingml/2006/main" xmlns:p="http://schemas.openxmlformats.org/presentationml/2006/main" xmlns:r="http://schemas.openxmlformats.org/officeDocument/2006/relationships">
   <p:cSld>
     <p:spTree>
@@ -6229,7 +3725,7 @@
       </p:grpSpPr>
       <p:sp>
         <p:nvSpPr>
-          <p:cNvPr id="124" name="PlaceHolder 1"/>
+          <p:cNvPr id="68" name="PlaceHolder 1"/>
           <p:cNvSpPr>
             <a:spLocks noGrp="1"/>
           </p:cNvSpPr>
@@ -6240,7 +3736,7 @@
         <p:spPr>
           <a:xfrm>
             <a:off x="457200" y="273240"/>
-            <a:ext cx="8229240" cy="1144800"/>
+            <a:ext cx="8228880" cy="1144800"/>
           </a:xfrm>
           <a:prstGeom prst="rect">
             <a:avLst/>
@@ -6249,7 +3745,11 @@
         <p:txBody>
           <a:bodyPr anchor="ctr" bIns="0" lIns="0" rIns="0" tIns="0" wrap="none"/>
           <a:p>
-            <a:pPr algn="ctr"/>
+            <a:pPr algn="ctr">
+              <a:lnSpc>
+                <a:spcPct val="100000"/>
+              </a:lnSpc>
+            </a:pPr>
             <a:r>
               <a:rPr lang="en-US"/>
               <a:t>Click to edit the title text format</a:t>
@@ -6260,7 +3760,7 @@
       </p:sp>
       <p:sp>
         <p:nvSpPr>
-          <p:cNvPr id="125" name="PlaceHolder 2"/>
+          <p:cNvPr id="69" name="PlaceHolder 2"/>
           <p:cNvSpPr>
             <a:spLocks noGrp="1"/>
           </p:cNvSpPr>
@@ -6271,7 +3771,7 @@
         <p:spPr>
           <a:xfrm>
             <a:off x="457200" y="1604520"/>
-            <a:ext cx="8229240" cy="3977280"/>
+            <a:ext cx="4015080" cy="3976920"/>
           </a:xfrm>
           <a:prstGeom prst="rect">
             <a:avLst/>
@@ -6280,85 +3780,80 @@
         <p:txBody>
           <a:bodyPr bIns="0" lIns="0" rIns="0" tIns="0" wrap="none"/>
           <a:p>
-            <a:pPr>
-              <a:buSzPct val="25000"/>
+            <a:r>
+              <a:rPr lang="en-US"/>
+              <a:t>Click to edit the outline text format</a:t>
+            </a:r>
+            <a:endParaRPr/>
+          </a:p>
+          <a:p>
+            <a:pPr lvl="1">
+              <a:buSzPct val="75000"/>
+              <a:buFont typeface="StarSymbol"/>
+              <a:buChar char=""/>
+            </a:pPr>
+            <a:r>
+              <a:rPr lang="en-US"/>
+              <a:t>Second Outline Level</a:t>
+            </a:r>
+            <a:endParaRPr/>
+          </a:p>
+          <a:p>
+            <a:pPr lvl="2">
+              <a:buSzPct val="45000"/>
               <a:buFont typeface="StarSymbol"/>
               <a:buChar char=""/>
             </a:pPr>
             <a:r>
               <a:rPr lang="en-US"/>
-              <a:t>Click to edit the outline text format</a:t>
-            </a:r>
-            <a:endParaRPr/>
-          </a:p>
-          <a:p>
-            <a:pPr lvl="1">
-              <a:buSzPct val="25000"/>
+              <a:t>Third Outline Level</a:t>
+            </a:r>
+            <a:endParaRPr/>
+          </a:p>
+          <a:p>
+            <a:pPr lvl="3">
+              <a:buSzPct val="75000"/>
               <a:buFont typeface="StarSymbol"/>
               <a:buChar char=""/>
             </a:pPr>
             <a:r>
               <a:rPr lang="en-US"/>
-              <a:t>Second Outline Level</a:t>
-            </a:r>
-            <a:endParaRPr/>
-          </a:p>
-          <a:p>
-            <a:pPr lvl="2">
-              <a:buSzPct val="25000"/>
+              <a:t>Fourth Outline Level</a:t>
+            </a:r>
+            <a:endParaRPr/>
+          </a:p>
+          <a:p>
+            <a:pPr lvl="4">
+              <a:buSzPct val="45000"/>
               <a:buFont typeface="StarSymbol"/>
               <a:buChar char=""/>
             </a:pPr>
             <a:r>
               <a:rPr lang="en-US"/>
-              <a:t>Third Outline Level</a:t>
-            </a:r>
-            <a:endParaRPr/>
-          </a:p>
-          <a:p>
-            <a:pPr lvl="3">
-              <a:buSzPct val="25000"/>
-              <a:buFont typeface="StarSymbol"/>
-              <a:buChar char=""/>
-            </a:pPr>
-            <a:r>
-              <a:rPr lang="en-US"/>
-              <a:t>Fourth Outline Level</a:t>
-            </a:r>
-            <a:endParaRPr/>
-          </a:p>
-          <a:p>
-            <a:pPr lvl="4">
-              <a:buSzPct val="25000"/>
+              <a:t>Fifth Outline Level</a:t>
+            </a:r>
+            <a:endParaRPr/>
+          </a:p>
+          <a:p>
+            <a:pPr lvl="5">
+              <a:buSzPct val="45000"/>
               <a:buFont typeface="StarSymbol"/>
               <a:buChar char=""/>
             </a:pPr>
             <a:r>
               <a:rPr lang="en-US"/>
-              <a:t>Fifth Outline Level</a:t>
-            </a:r>
-            <a:endParaRPr/>
-          </a:p>
-          <a:p>
-            <a:pPr lvl="5">
-              <a:buSzPct val="25000"/>
+              <a:t>Sixth Outline Level</a:t>
+            </a:r>
+            <a:endParaRPr/>
+          </a:p>
+          <a:p>
+            <a:pPr lvl="6">
+              <a:buSzPct val="45000"/>
               <a:buFont typeface="StarSymbol"/>
               <a:buChar char=""/>
             </a:pPr>
             <a:r>
               <a:rPr lang="en-US"/>
-              <a:t>Sixth Outline Level</a:t>
-            </a:r>
-            <a:endParaRPr/>
-          </a:p>
-          <a:p>
-            <a:pPr lvl="6">
-              <a:buSzPct val="25000"/>
-              <a:buFont typeface="StarSymbol"/>
-              <a:buChar char=""/>
-            </a:pPr>
-            <a:r>
-              <a:rPr lang="en-US"/>
               <a:t>Seventh Outline Level</a:t>
             </a:r>
             <a:endParaRPr/>
@@ -6367,18 +3862,18 @@
       </p:sp>
       <p:sp>
         <p:nvSpPr>
-          <p:cNvPr id="126" name="PlaceHolder 3"/>
+          <p:cNvPr id="70" name="PlaceHolder 3"/>
           <p:cNvSpPr>
             <a:spLocks noGrp="1"/>
           </p:cNvSpPr>
           <p:nvPr>
-            <p:ph type="dt"/>
+            <p:ph type="body"/>
           </p:nvPr>
         </p:nvSpPr>
         <p:spPr>
           <a:xfrm>
-            <a:off x="457200" y="6247440"/>
-            <a:ext cx="2130120" cy="473040"/>
+            <a:off x="4673520" y="1604520"/>
+            <a:ext cx="4015080" cy="3976920"/>
           </a:xfrm>
           <a:prstGeom prst="rect">
             <a:avLst/>
@@ -6389,70 +3884,80 @@
           <a:p>
             <a:r>
               <a:rPr lang="en-US"/>
-              <a:t>&lt;date/time&gt;</a:t>
-            </a:r>
-            <a:endParaRPr/>
-          </a:p>
-        </p:txBody>
-      </p:sp>
-      <p:sp>
-        <p:nvSpPr>
-          <p:cNvPr id="127" name="PlaceHolder 4"/>
-          <p:cNvSpPr>
-            <a:spLocks noGrp="1"/>
-          </p:cNvSpPr>
-          <p:nvPr>
-            <p:ph type="ftr"/>
-          </p:nvPr>
-        </p:nvSpPr>
-        <p:spPr>
-          <a:xfrm>
-            <a:off x="3126960" y="6247440"/>
-            <a:ext cx="2898360" cy="473040"/>
-          </a:xfrm>
-          <a:prstGeom prst="rect">
-            <a:avLst/>
-          </a:prstGeom>
-        </p:spPr>
-        <p:txBody>
-          <a:bodyPr bIns="0" lIns="0" rIns="0" tIns="0" wrap="none"/>
-          <a:p>
-            <a:pPr algn="ctr"/>
+              <a:t>Click to edit the outline text format</a:t>
+            </a:r>
+            <a:endParaRPr/>
+          </a:p>
+          <a:p>
+            <a:pPr lvl="1">
+              <a:buSzPct val="75000"/>
+              <a:buFont typeface="StarSymbol"/>
+              <a:buChar char=""/>
+            </a:pPr>
             <a:r>
               <a:rPr lang="en-US"/>
-              <a:t>&lt;footer&gt;</a:t>
-            </a:r>
-            <a:endParaRPr/>
-          </a:p>
-        </p:txBody>
-      </p:sp>
-      <p:sp>
-        <p:nvSpPr>
-          <p:cNvPr id="128" name="PlaceHolder 5"/>
-          <p:cNvSpPr>
-            <a:spLocks noGrp="1"/>
-          </p:cNvSpPr>
-          <p:nvPr>
-            <p:ph type="sldNum"/>
-          </p:nvPr>
-        </p:nvSpPr>
-        <p:spPr>
-          <a:xfrm>
-            <a:off x="6555960" y="6247440"/>
-            <a:ext cx="2130120" cy="473040"/>
-          </a:xfrm>
-          <a:prstGeom prst="rect">
-            <a:avLst/>
-          </a:prstGeom>
-        </p:spPr>
-        <p:txBody>
-          <a:bodyPr bIns="0" lIns="0" rIns="0" tIns="0" wrap="none"/>
-          <a:p>
-            <a:pPr algn="r"/>
-            <a:fld id="{94981BF9-88A9-4F9D-A02D-B8CD91CB5291}" type="slidenum">
+              <a:t>Second Outline Level</a:t>
+            </a:r>
+            <a:endParaRPr/>
+          </a:p>
+          <a:p>
+            <a:pPr lvl="2">
+              <a:buSzPct val="45000"/>
+              <a:buFont typeface="StarSymbol"/>
+              <a:buChar char=""/>
+            </a:pPr>
+            <a:r>
               <a:rPr lang="en-US"/>
-              <a:t>&lt;number&gt;</a:t>
-            </a:fld>
+              <a:t>Third Outline Level</a:t>
+            </a:r>
+            <a:endParaRPr/>
+          </a:p>
+          <a:p>
+            <a:pPr lvl="3">
+              <a:buSzPct val="75000"/>
+              <a:buFont typeface="StarSymbol"/>
+              <a:buChar char=""/>
+            </a:pPr>
+            <a:r>
+              <a:rPr lang="en-US"/>
+              <a:t>Fourth Outline Level</a:t>
+            </a:r>
+            <a:endParaRPr/>
+          </a:p>
+          <a:p>
+            <a:pPr lvl="4">
+              <a:buSzPct val="45000"/>
+              <a:buFont typeface="StarSymbol"/>
+              <a:buChar char=""/>
+            </a:pPr>
+            <a:r>
+              <a:rPr lang="en-US"/>
+              <a:t>Fifth Outline Level</a:t>
+            </a:r>
+            <a:endParaRPr/>
+          </a:p>
+          <a:p>
+            <a:pPr lvl="5">
+              <a:buSzPct val="45000"/>
+              <a:buFont typeface="StarSymbol"/>
+              <a:buChar char=""/>
+            </a:pPr>
+            <a:r>
+              <a:rPr lang="en-US"/>
+              <a:t>Sixth Outline Level</a:t>
+            </a:r>
+            <a:endParaRPr/>
+          </a:p>
+          <a:p>
+            <a:pPr lvl="6">
+              <a:buSzPct val="45000"/>
+              <a:buFont typeface="StarSymbol"/>
+              <a:buChar char=""/>
+            </a:pPr>
+            <a:r>
+              <a:rPr lang="en-US"/>
+              <a:t>Seventh Outline Level</a:t>
+            </a:r>
             <a:endParaRPr/>
           </a:p>
         </p:txBody>
@@ -6461,18 +3966,18 @@
   </p:cSld>
   <p:clrMap accent1="accent1" accent2="accent2" accent3="accent3" accent4="accent4" accent5="accent5" accent6="accent6" bg1="lt1" bg2="lt2" folHlink="folHlink" hlink="hlink" tx1="dk1" tx2="dk2"/>
   <p:sldLayoutIdLst>
-    <p:sldLayoutId id="2147483688" r:id="rId2"/>
-    <p:sldLayoutId id="2147483689" r:id="rId3"/>
-    <p:sldLayoutId id="2147483690" r:id="rId4"/>
-    <p:sldLayoutId id="2147483691" r:id="rId5"/>
-    <p:sldLayoutId id="2147483692" r:id="rId6"/>
-    <p:sldLayoutId id="2147483693" r:id="rId7"/>
-    <p:sldLayoutId id="2147483694" r:id="rId8"/>
-    <p:sldLayoutId id="2147483695" r:id="rId9"/>
-    <p:sldLayoutId id="2147483696" r:id="rId10"/>
-    <p:sldLayoutId id="2147483697" r:id="rId11"/>
-    <p:sldLayoutId id="2147483698" r:id="rId12"/>
-    <p:sldLayoutId id="2147483699" r:id="rId13"/>
+    <p:sldLayoutId id="2147483675" r:id="rId2"/>
+    <p:sldLayoutId id="2147483676" r:id="rId3"/>
+    <p:sldLayoutId id="2147483677" r:id="rId4"/>
+    <p:sldLayoutId id="2147483678" r:id="rId5"/>
+    <p:sldLayoutId id="2147483679" r:id="rId6"/>
+    <p:sldLayoutId id="2147483680" r:id="rId7"/>
+    <p:sldLayoutId id="2147483681" r:id="rId8"/>
+    <p:sldLayoutId id="2147483682" r:id="rId9"/>
+    <p:sldLayoutId id="2147483683" r:id="rId10"/>
+    <p:sldLayoutId id="2147483684" r:id="rId11"/>
+    <p:sldLayoutId id="2147483685" r:id="rId12"/>
+    <p:sldLayoutId id="2147483686" r:id="rId13"/>
   </p:sldLayoutIdLst>
 </p:sldMaster>
 </file>
@@ -6496,14 +4001,14 @@
       </p:grpSpPr>
       <p:sp>
         <p:nvSpPr>
-          <p:cNvPr id="161" name="TextShape 1"/>
-          <p:cNvSpPr txBox="1"/>
+          <p:cNvPr id="103" name="CustomShape 1"/>
+          <p:cNvSpPr/>
           <p:nvPr/>
         </p:nvSpPr>
         <p:spPr>
           <a:xfrm>
             <a:off x="533520" y="1371600"/>
-            <a:ext cx="7851240" cy="1828440"/>
+            <a:ext cx="7850880" cy="1828080"/>
           </a:xfrm>
           <a:prstGeom prst="rect">
             <a:avLst/>
@@ -6532,14 +4037,14 @@
       </p:sp>
       <p:sp>
         <p:nvSpPr>
-          <p:cNvPr id="162" name="TextShape 2"/>
-          <p:cNvSpPr txBox="1"/>
+          <p:cNvPr id="104" name="CustomShape 2"/>
+          <p:cNvSpPr/>
           <p:nvPr/>
         </p:nvSpPr>
         <p:spPr>
           <a:xfrm>
             <a:off x="533520" y="3228480"/>
-            <a:ext cx="7854480" cy="1752120"/>
+            <a:ext cx="7854120" cy="1751760"/>
           </a:xfrm>
           <a:prstGeom prst="rect">
             <a:avLst/>
@@ -6556,7 +4061,7 @@
             <a:r>
               <a:rPr b="1" lang="en-US">
                 <a:solidFill>
-                  <a:srgbClr val="ffffff"/>
+                  <a:srgbClr val="000000"/>
                 </a:solidFill>
                 <a:latin typeface="Constantia"/>
               </a:rPr>
@@ -6573,7 +4078,7 @@
             <a:r>
               <a:rPr lang="en-US" sz="1600">
                 <a:solidFill>
-                  <a:srgbClr val="ffffff"/>
+                  <a:srgbClr val="000000"/>
                 </a:solidFill>
                 <a:latin typeface="Constantia"/>
               </a:rPr>
@@ -6585,6 +4090,35 @@
       </p:sp>
     </p:spTree>
   </p:cSld>
+  <p:timing>
+    <p:tnLst>
+      <p:par>
+        <p:cTn dur="indefinite" id="1" nodeType="tmRoot" restart="never">
+          <p:childTnLst>
+            <p:seq>
+              <p:cTn id="2" nodeType="mainSeq">
+                <p:childTnLst/>
+              </p:cTn>
+              <p:prevCondLst>
+                <p:cond delay="0" evt="onPrev">
+                  <p:tgtEl>
+                    <p:sldTgt/>
+                  </p:tgtEl>
+                </p:cond>
+              </p:prevCondLst>
+              <p:nextCondLst>
+                <p:cond delay="0" evt="onNext">
+                  <p:tgtEl>
+                    <p:sldTgt/>
+                  </p:tgtEl>
+                </p:cond>
+              </p:nextCondLst>
+            </p:seq>
+          </p:childTnLst>
+        </p:cTn>
+      </p:par>
+    </p:tnLst>
+  </p:timing>
 </p:sld>
 </file>
 
@@ -6607,14 +4141,14 @@
       </p:grpSpPr>
       <p:sp>
         <p:nvSpPr>
-          <p:cNvPr id="181" name="TextShape 1"/>
-          <p:cNvSpPr txBox="1"/>
+          <p:cNvPr id="123" name="CustomShape 1"/>
+          <p:cNvSpPr/>
           <p:nvPr/>
         </p:nvSpPr>
         <p:spPr>
           <a:xfrm>
             <a:off x="457200" y="704160"/>
-            <a:ext cx="8229240" cy="667080"/>
+            <a:ext cx="8228880" cy="666720"/>
           </a:xfrm>
           <a:prstGeom prst="rect">
             <a:avLst/>
@@ -6643,7 +4177,7 @@
       </p:sp>
       <p:pic>
         <p:nvPicPr>
-          <p:cNvPr descr="" id="182" name="Picture 2"/>
+          <p:cNvPr descr="" id="124" name="Picture 2"/>
           <p:cNvPicPr/>
           <p:nvPr/>
         </p:nvPicPr>
@@ -6656,7 +4190,7 @@
         <p:spPr>
           <a:xfrm>
             <a:off x="6781680" y="990720"/>
-            <a:ext cx="1959840" cy="2933280"/>
+            <a:ext cx="1959480" cy="2932920"/>
           </a:xfrm>
           <a:prstGeom prst="rect">
             <a:avLst/>
@@ -6665,14 +4199,14 @@
       </p:pic>
       <p:sp>
         <p:nvSpPr>
-          <p:cNvPr id="183" name="TextShape 2"/>
-          <p:cNvSpPr txBox="1"/>
+          <p:cNvPr id="125" name="CustomShape 2"/>
+          <p:cNvSpPr/>
           <p:nvPr/>
         </p:nvSpPr>
         <p:spPr>
           <a:xfrm>
             <a:off x="533520" y="1447920"/>
-            <a:ext cx="6095520" cy="4968000"/>
+            <a:ext cx="6095160" cy="4967640"/>
           </a:xfrm>
           <a:prstGeom prst="rect">
             <a:avLst/>
@@ -6915,38 +4449,38 @@
   <p:timing>
     <p:tnLst>
       <p:par>
-        <p:cTn dur="indefinite" id="181" nodeType="tmRoot" restart="never">
+        <p:cTn dur="indefinite" id="183" nodeType="tmRoot" restart="never">
           <p:childTnLst>
             <p:seq>
-              <p:cTn dur="indefinite" id="182" nodeType="mainSeq">
+              <p:cTn dur="indefinite" id="184" nodeType="mainSeq">
                 <p:childTnLst>
                   <p:par>
-                    <p:cTn fill="hold" id="183">
+                    <p:cTn fill="hold" id="185">
                       <p:stCondLst>
                         <p:cond delay="indefinite"/>
                       </p:stCondLst>
                       <p:childTnLst>
                         <p:par>
-                          <p:cTn fill="hold" id="184">
+                          <p:cTn fill="hold" id="186">
                             <p:stCondLst>
                               <p:cond delay="0"/>
                             </p:stCondLst>
                             <p:childTnLst>
                               <p:par>
-                                <p:cTn fill="hold" id="185" nodeType="clickEffect" presetClass="entr" presetID="1">
+                                <p:cTn fill="hold" id="187" nodeType="clickEffect" presetClass="entr" presetID="1">
                                   <p:stCondLst>
                                     <p:cond delay="0"/>
                                   </p:stCondLst>
                                   <p:childTnLst>
                                     <p:set>
                                       <p:cBhvr>
-                                        <p:cTn dur="1" fill="hold" id="186">
+                                        <p:cTn dur="1" fill="hold" id="188">
                                           <p:stCondLst>
                                             <p:cond delay="0"/>
                                           </p:stCondLst>
                                         </p:cTn>
                                         <p:tgtEl>
-                                          <p:spTgt spid="183">
+                                          <p:spTgt spid="125">
                                             <p:txEl>
                                               <p:pRg end="88" st="0"/>
                                             </p:txEl>
@@ -6970,34 +4504,34 @@
                     </p:cTn>
                   </p:par>
                   <p:par>
-                    <p:cTn fill="hold" id="187">
+                    <p:cTn fill="hold" id="189">
                       <p:stCondLst>
                         <p:cond delay="indefinite"/>
                       </p:stCondLst>
                       <p:childTnLst>
                         <p:par>
-                          <p:cTn fill="hold" id="188">
+                          <p:cTn fill="hold" id="190">
                             <p:stCondLst>
                               <p:cond delay="0"/>
                             </p:stCondLst>
                             <p:childTnLst>
                               <p:par>
-                                <p:cTn fill="hold" id="189" nodeType="clickEffect" presetClass="entr" presetID="1">
+                                <p:cTn fill="hold" id="191" nodeType="clickEffect" presetClass="entr" presetID="1">
                                   <p:stCondLst>
                                     <p:cond delay="0"/>
                                   </p:stCondLst>
                                   <p:childTnLst>
                                     <p:set>
                                       <p:cBhvr>
-                                        <p:cTn dur="1" fill="hold" id="190">
+                                        <p:cTn dur="1" fill="hold" id="192">
                                           <p:stCondLst>
                                             <p:cond delay="0"/>
                                           </p:stCondLst>
                                         </p:cTn>
                                         <p:tgtEl>
-                                          <p:spTgt spid="183">
+                                          <p:spTgt spid="125">
                                             <p:txEl>
-                                              <p:pRg end="122" st="89"/>
+                                              <p:pRg end="502" st="502"/>
                                             </p:txEl>
                                           </p:spTgt>
                                         </p:tgtEl>
@@ -7019,34 +4553,34 @@
                     </p:cTn>
                   </p:par>
                   <p:par>
-                    <p:cTn fill="hold" id="191">
+                    <p:cTn fill="hold" id="193">
                       <p:stCondLst>
                         <p:cond delay="indefinite"/>
                       </p:stCondLst>
                       <p:childTnLst>
                         <p:par>
-                          <p:cTn fill="hold" id="192">
+                          <p:cTn fill="hold" id="194">
                             <p:stCondLst>
                               <p:cond delay="0"/>
                             </p:stCondLst>
                             <p:childTnLst>
                               <p:par>
-                                <p:cTn fill="hold" id="193" nodeType="clickEffect" presetClass="entr" presetID="1">
+                                <p:cTn fill="hold" id="195" nodeType="clickEffect" presetClass="entr" presetID="1">
                                   <p:stCondLst>
                                     <p:cond delay="0"/>
                                   </p:stCondLst>
                                   <p:childTnLst>
                                     <p:set>
                                       <p:cBhvr>
-                                        <p:cTn dur="1" fill="hold" id="194">
+                                        <p:cTn dur="1" fill="hold" id="196">
                                           <p:stCondLst>
                                             <p:cond delay="0"/>
                                           </p:stCondLst>
                                         </p:cTn>
                                         <p:tgtEl>
-                                          <p:spTgt spid="183">
+                                          <p:spTgt spid="125">
                                             <p:txEl>
-                                              <p:pRg end="222" st="123"/>
+                                              <p:pRg end="502" st="502"/>
                                             </p:txEl>
                                           </p:spTgt>
                                         </p:tgtEl>
@@ -7068,34 +4602,34 @@
                     </p:cTn>
                   </p:par>
                   <p:par>
-                    <p:cTn fill="hold" id="195">
+                    <p:cTn fill="hold" id="197">
                       <p:stCondLst>
                         <p:cond delay="indefinite"/>
                       </p:stCondLst>
                       <p:childTnLst>
                         <p:par>
-                          <p:cTn fill="hold" id="196">
+                          <p:cTn fill="hold" id="198">
                             <p:stCondLst>
                               <p:cond delay="0"/>
                             </p:stCondLst>
                             <p:childTnLst>
                               <p:par>
-                                <p:cTn fill="hold" id="197" nodeType="clickEffect" presetClass="entr" presetID="1">
+                                <p:cTn fill="hold" id="199" nodeType="clickEffect" presetClass="entr" presetID="1">
                                   <p:stCondLst>
                                     <p:cond delay="0"/>
                                   </p:stCondLst>
                                   <p:childTnLst>
                                     <p:set>
                                       <p:cBhvr>
-                                        <p:cTn dur="1" fill="hold" id="198">
+                                        <p:cTn dur="1" fill="hold" id="200">
                                           <p:stCondLst>
                                             <p:cond delay="0"/>
                                           </p:stCondLst>
                                         </p:cTn>
                                         <p:tgtEl>
-                                          <p:spTgt spid="183">
+                                          <p:spTgt spid="125">
                                             <p:txEl>
-                                              <p:pRg end="288" st="222"/>
+                                              <p:pRg end="502" st="502"/>
                                             </p:txEl>
                                           </p:spTgt>
                                         </p:tgtEl>
@@ -7117,34 +4651,34 @@
                     </p:cTn>
                   </p:par>
                   <p:par>
-                    <p:cTn fill="hold" id="199">
+                    <p:cTn fill="hold" id="201">
                       <p:stCondLst>
                         <p:cond delay="indefinite"/>
                       </p:stCondLst>
                       <p:childTnLst>
                         <p:par>
-                          <p:cTn fill="hold" id="200">
+                          <p:cTn fill="hold" id="202">
                             <p:stCondLst>
                               <p:cond delay="0"/>
                             </p:stCondLst>
                             <p:childTnLst>
                               <p:par>
-                                <p:cTn fill="hold" id="201" nodeType="clickEffect" presetClass="entr" presetID="1">
+                                <p:cTn fill="hold" id="203" nodeType="clickEffect" presetClass="entr" presetID="1">
                                   <p:stCondLst>
                                     <p:cond delay="0"/>
                                   </p:stCondLst>
                                   <p:childTnLst>
                                     <p:set>
                                       <p:cBhvr>
-                                        <p:cTn dur="1" fill="hold" id="202">
+                                        <p:cTn dur="1" fill="hold" id="204">
                                           <p:stCondLst>
                                             <p:cond delay="0"/>
                                           </p:stCondLst>
                                         </p:cTn>
                                         <p:tgtEl>
-                                          <p:spTgt spid="183">
+                                          <p:spTgt spid="125">
                                             <p:txEl>
-                                              <p:pRg end="327" st="288"/>
+                                              <p:pRg end="502" st="502"/>
                                             </p:txEl>
                                           </p:spTgt>
                                         </p:tgtEl>
@@ -7166,34 +4700,34 @@
                     </p:cTn>
                   </p:par>
                   <p:par>
-                    <p:cTn fill="hold" id="203">
+                    <p:cTn fill="hold" id="205">
                       <p:stCondLst>
                         <p:cond delay="indefinite"/>
                       </p:stCondLst>
                       <p:childTnLst>
                         <p:par>
-                          <p:cTn fill="hold" id="204">
+                          <p:cTn fill="hold" id="206">
                             <p:stCondLst>
                               <p:cond delay="0"/>
                             </p:stCondLst>
                             <p:childTnLst>
                               <p:par>
-                                <p:cTn fill="hold" id="205" nodeType="clickEffect" presetClass="entr" presetID="1">
+                                <p:cTn fill="hold" id="207" nodeType="clickEffect" presetClass="entr" presetID="1">
                                   <p:stCondLst>
                                     <p:cond delay="0"/>
                                   </p:stCondLst>
                                   <p:childTnLst>
                                     <p:set>
                                       <p:cBhvr>
-                                        <p:cTn dur="1" fill="hold" id="206">
+                                        <p:cTn dur="1" fill="hold" id="208">
                                           <p:stCondLst>
                                             <p:cond delay="0"/>
                                           </p:stCondLst>
                                         </p:cTn>
                                         <p:tgtEl>
-                                          <p:spTgt spid="183">
+                                          <p:spTgt spid="125">
                                             <p:txEl>
-                                              <p:pRg end="400" st="329"/>
+                                              <p:pRg end="502" st="502"/>
                                             </p:txEl>
                                           </p:spTgt>
                                         </p:tgtEl>
@@ -7215,34 +4749,34 @@
                     </p:cTn>
                   </p:par>
                   <p:par>
-                    <p:cTn fill="hold" id="207">
+                    <p:cTn fill="hold" id="209">
                       <p:stCondLst>
                         <p:cond delay="indefinite"/>
                       </p:stCondLst>
                       <p:childTnLst>
                         <p:par>
-                          <p:cTn fill="hold" id="208">
+                          <p:cTn fill="hold" id="210">
                             <p:stCondLst>
                               <p:cond delay="0"/>
                             </p:stCondLst>
                             <p:childTnLst>
                               <p:par>
-                                <p:cTn fill="hold" id="209" nodeType="clickEffect" presetClass="entr" presetID="1">
+                                <p:cTn fill="hold" id="211" nodeType="clickEffect" presetClass="entr" presetID="1">
                                   <p:stCondLst>
                                     <p:cond delay="0"/>
                                   </p:stCondLst>
                                   <p:childTnLst>
                                     <p:set>
                                       <p:cBhvr>
-                                        <p:cTn dur="1" fill="hold" id="210">
+                                        <p:cTn dur="1" fill="hold" id="212">
                                           <p:stCondLst>
                                             <p:cond delay="0"/>
                                           </p:stCondLst>
                                         </p:cTn>
                                         <p:tgtEl>
-                                          <p:spTgt spid="183">
+                                          <p:spTgt spid="125">
                                             <p:txEl>
-                                              <p:pRg end="502" st="401"/>
+                                              <p:pRg end="502" st="502"/>
                                             </p:txEl>
                                           </p:spTgt>
                                         </p:tgtEl>
@@ -7307,14 +4841,14 @@
       </p:grpSpPr>
       <p:sp>
         <p:nvSpPr>
-          <p:cNvPr id="184" name="TextShape 1"/>
-          <p:cNvSpPr txBox="1"/>
+          <p:cNvPr id="126" name="CustomShape 1"/>
+          <p:cNvSpPr/>
           <p:nvPr/>
         </p:nvSpPr>
         <p:spPr>
           <a:xfrm>
             <a:off x="457200" y="704160"/>
-            <a:ext cx="8229240" cy="667080"/>
+            <a:ext cx="8228880" cy="666720"/>
           </a:xfrm>
           <a:prstGeom prst="rect">
             <a:avLst/>
@@ -7343,14 +4877,14 @@
       </p:sp>
       <p:sp>
         <p:nvSpPr>
-          <p:cNvPr id="185" name="TextShape 2"/>
-          <p:cNvSpPr txBox="1"/>
+          <p:cNvPr id="127" name="CustomShape 2"/>
+          <p:cNvSpPr/>
           <p:nvPr/>
         </p:nvSpPr>
         <p:spPr>
           <a:xfrm>
             <a:off x="457200" y="1371600"/>
-            <a:ext cx="8229240" cy="4952520"/>
+            <a:ext cx="8228880" cy="4952160"/>
           </a:xfrm>
           <a:prstGeom prst="rect">
             <a:avLst/>
@@ -7382,7 +4916,7 @@
               </a:lnSpc>
               <a:buSzPct val="25000"/>
               <a:buFont typeface="StarSymbol"/>
-              <a:buChar char=""/>
+              <a:buChar char="l"/>
             </a:pPr>
             <a:r>
               <a:rPr b="1" lang="en-US" sz="2400">
@@ -7402,7 +4936,7 @@
               </a:lnSpc>
               <a:buSzPct val="25000"/>
               <a:buFont typeface="StarSymbol"/>
-              <a:buChar char=""/>
+              <a:buChar char="l"/>
             </a:pPr>
             <a:r>
               <a:rPr b="1" lang="en-US" sz="2400">
@@ -7416,6 +4950,11 @@
             <a:endParaRPr/>
           </a:p>
           <a:p>
+            <a:pPr>
+              <a:lnSpc>
+                <a:spcPct val="100000"/>
+              </a:lnSpc>
+            </a:pPr>
             <a:endParaRPr/>
           </a:p>
           <a:p>
@@ -7442,38 +4981,38 @@
   <p:timing>
     <p:tnLst>
       <p:par>
-        <p:cTn dur="indefinite" id="211" nodeType="tmRoot" restart="never">
+        <p:cTn dur="indefinite" id="213" nodeType="tmRoot" restart="never">
           <p:childTnLst>
             <p:seq>
-              <p:cTn dur="indefinite" id="212" nodeType="mainSeq">
+              <p:cTn dur="indefinite" id="214" nodeType="mainSeq">
                 <p:childTnLst>
                   <p:par>
-                    <p:cTn fill="hold" id="213">
+                    <p:cTn fill="hold" id="215">
                       <p:stCondLst>
                         <p:cond delay="indefinite"/>
                       </p:stCondLst>
                       <p:childTnLst>
                         <p:par>
-                          <p:cTn fill="hold" id="214">
+                          <p:cTn fill="hold" id="216">
                             <p:stCondLst>
                               <p:cond delay="0"/>
                             </p:stCondLst>
                             <p:childTnLst>
                               <p:par>
-                                <p:cTn fill="hold" id="215" nodeType="clickEffect" presetClass="entr" presetID="1">
+                                <p:cTn fill="hold" id="217" nodeType="clickEffect" presetClass="entr" presetID="1">
                                   <p:stCondLst>
                                     <p:cond delay="0"/>
                                   </p:stCondLst>
                                   <p:childTnLst>
                                     <p:set>
                                       <p:cBhvr>
-                                        <p:cTn dur="1" fill="hold" id="216">
+                                        <p:cTn dur="1" fill="hold" id="218">
                                           <p:stCondLst>
                                             <p:cond delay="0"/>
                                           </p:stCondLst>
                                         </p:cTn>
                                         <p:tgtEl>
-                                          <p:spTgt spid="185">
+                                          <p:spTgt spid="127">
                                             <p:txEl>
                                               <p:pRg end="181" st="0"/>
                                             </p:txEl>
@@ -7497,34 +5036,34 @@
                     </p:cTn>
                   </p:par>
                   <p:par>
-                    <p:cTn fill="hold" id="217">
+                    <p:cTn fill="hold" id="219">
                       <p:stCondLst>
                         <p:cond delay="indefinite"/>
                       </p:stCondLst>
                       <p:childTnLst>
                         <p:par>
-                          <p:cTn fill="hold" id="218">
+                          <p:cTn fill="hold" id="220">
                             <p:stCondLst>
                               <p:cond delay="0"/>
                             </p:stCondLst>
                             <p:childTnLst>
                               <p:par>
-                                <p:cTn fill="hold" id="219" nodeType="clickEffect" presetClass="entr" presetID="1">
+                                <p:cTn fill="hold" id="221" nodeType="clickEffect" presetClass="entr" presetID="1">
                                   <p:stCondLst>
                                     <p:cond delay="0"/>
                                   </p:stCondLst>
                                   <p:childTnLst>
                                     <p:set>
                                       <p:cBhvr>
-                                        <p:cTn dur="1" fill="hold" id="220">
+                                        <p:cTn dur="1" fill="hold" id="222">
                                           <p:stCondLst>
                                             <p:cond delay="0"/>
                                           </p:stCondLst>
                                         </p:cTn>
                                         <p:tgtEl>
-                                          <p:spTgt spid="185">
+                                          <p:spTgt spid="127">
                                             <p:txEl>
-                                              <p:pRg end="206" st="181"/>
+                                              <p:pRg end="272" st="272"/>
                                             </p:txEl>
                                           </p:spTgt>
                                         </p:tgtEl>
@@ -7546,34 +5085,34 @@
                     </p:cTn>
                   </p:par>
                   <p:par>
-                    <p:cTn fill="hold" id="221">
+                    <p:cTn fill="hold" id="223">
                       <p:stCondLst>
                         <p:cond delay="indefinite"/>
                       </p:stCondLst>
                       <p:childTnLst>
                         <p:par>
-                          <p:cTn fill="hold" id="222">
+                          <p:cTn fill="hold" id="224">
                             <p:stCondLst>
                               <p:cond delay="0"/>
                             </p:stCondLst>
                             <p:childTnLst>
                               <p:par>
-                                <p:cTn fill="hold" id="223" nodeType="clickEffect" presetClass="entr" presetID="1">
+                                <p:cTn fill="hold" id="225" nodeType="clickEffect" presetClass="entr" presetID="1">
                                   <p:stCondLst>
                                     <p:cond delay="0"/>
                                   </p:stCondLst>
                                   <p:childTnLst>
                                     <p:set>
                                       <p:cBhvr>
-                                        <p:cTn dur="1" fill="hold" id="224">
+                                        <p:cTn dur="1" fill="hold" id="226">
                                           <p:stCondLst>
                                             <p:cond delay="0"/>
                                           </p:stCondLst>
                                         </p:cTn>
                                         <p:tgtEl>
-                                          <p:spTgt spid="185">
+                                          <p:spTgt spid="127">
                                             <p:txEl>
-                                              <p:pRg end="242" st="206"/>
+                                              <p:pRg end="272" st="272"/>
                                             </p:txEl>
                                           </p:spTgt>
                                         </p:tgtEl>
@@ -7595,34 +5134,34 @@
                     </p:cTn>
                   </p:par>
                   <p:par>
-                    <p:cTn fill="hold" id="225">
+                    <p:cTn fill="hold" id="227">
                       <p:stCondLst>
                         <p:cond delay="indefinite"/>
                       </p:stCondLst>
                       <p:childTnLst>
                         <p:par>
-                          <p:cTn fill="hold" id="226">
+                          <p:cTn fill="hold" id="228">
                             <p:stCondLst>
                               <p:cond delay="0"/>
                             </p:stCondLst>
                             <p:childTnLst>
                               <p:par>
-                                <p:cTn fill="hold" id="227" nodeType="clickEffect" presetClass="entr" presetID="1">
+                                <p:cTn fill="hold" id="229" nodeType="clickEffect" presetClass="entr" presetID="1">
                                   <p:stCondLst>
                                     <p:cond delay="0"/>
                                   </p:stCondLst>
                                   <p:childTnLst>
                                     <p:set>
                                       <p:cBhvr>
-                                        <p:cTn dur="1" fill="hold" id="228">
+                                        <p:cTn dur="1" fill="hold" id="230">
                                           <p:stCondLst>
                                             <p:cond delay="0"/>
                                           </p:stCondLst>
                                         </p:cTn>
                                         <p:tgtEl>
-                                          <p:spTgt spid="185">
+                                          <p:spTgt spid="127">
                                             <p:txEl>
-                                              <p:pRg end="272" st="243"/>
+                                              <p:pRg end="272" st="272"/>
                                             </p:txEl>
                                           </p:spTgt>
                                         </p:tgtEl>
@@ -7687,14 +5226,14 @@
       </p:grpSpPr>
       <p:sp>
         <p:nvSpPr>
-          <p:cNvPr id="186" name="TextShape 1"/>
-          <p:cNvSpPr txBox="1"/>
+          <p:cNvPr id="128" name="CustomShape 1"/>
+          <p:cNvSpPr/>
           <p:nvPr/>
         </p:nvSpPr>
         <p:spPr>
           <a:xfrm>
             <a:off x="457200" y="704160"/>
-            <a:ext cx="8229240" cy="743400"/>
+            <a:ext cx="8228880" cy="743040"/>
           </a:xfrm>
           <a:prstGeom prst="rect">
             <a:avLst/>
@@ -7723,14 +5262,14 @@
       </p:sp>
       <p:sp>
         <p:nvSpPr>
-          <p:cNvPr id="187" name="TextShape 2"/>
-          <p:cNvSpPr txBox="1"/>
+          <p:cNvPr id="129" name="CustomShape 2"/>
+          <p:cNvSpPr/>
           <p:nvPr/>
         </p:nvSpPr>
         <p:spPr>
           <a:xfrm>
             <a:off x="457200" y="1523880"/>
-            <a:ext cx="8229240" cy="4800240"/>
+            <a:ext cx="8228880" cy="4799880"/>
           </a:xfrm>
           <a:prstGeom prst="rect">
             <a:avLst/>
@@ -7762,7 +5301,7 @@
               </a:lnSpc>
               <a:buSzPct val="25000"/>
               <a:buFont typeface="StarSymbol"/>
-              <a:buChar char=""/>
+              <a:buChar char="l"/>
             </a:pPr>
             <a:r>
               <a:rPr b="1" lang="en-US" sz="2400">
@@ -7782,7 +5321,7 @@
               </a:lnSpc>
               <a:buSzPct val="25000"/>
               <a:buFont typeface="StarSymbol"/>
-              <a:buChar char=""/>
+              <a:buChar char="l"/>
             </a:pPr>
             <a:r>
               <a:rPr b="1" lang="en-US" sz="2400">
@@ -7796,6 +5335,11 @@
             <a:endParaRPr/>
           </a:p>
           <a:p>
+            <a:pPr>
+              <a:lnSpc>
+                <a:spcPct val="100000"/>
+              </a:lnSpc>
+            </a:pPr>
             <a:endParaRPr/>
           </a:p>
           <a:p>
@@ -7830,40 +5374,40 @@
   <p:timing>
     <p:tnLst>
       <p:par>
-        <p:cTn dur="indefinite" id="229" nodeType="tmRoot" restart="never">
+        <p:cTn dur="indefinite" id="231" nodeType="tmRoot" restart="never">
           <p:childTnLst>
             <p:seq>
-              <p:cTn dur="indefinite" id="230" nodeType="mainSeq">
+              <p:cTn dur="indefinite" id="232" nodeType="mainSeq">
                 <p:childTnLst>
                   <p:par>
-                    <p:cTn fill="hold" id="231">
+                    <p:cTn fill="hold" id="233">
                       <p:stCondLst>
                         <p:cond delay="indefinite"/>
                       </p:stCondLst>
                       <p:childTnLst>
                         <p:par>
-                          <p:cTn fill="hold" id="232">
+                          <p:cTn fill="hold" id="234">
                             <p:stCondLst>
                               <p:cond delay="0"/>
                             </p:stCondLst>
                             <p:childTnLst>
                               <p:par>
-                                <p:cTn fill="hold" id="233" nodeType="clickEffect" presetClass="entr" presetID="1">
+                                <p:cTn fill="hold" id="235" nodeType="clickEffect" presetClass="entr" presetID="1">
                                   <p:stCondLst>
                                     <p:cond delay="0"/>
                                   </p:stCondLst>
                                   <p:childTnLst>
                                     <p:set>
                                       <p:cBhvr>
-                                        <p:cTn dur="1" fill="hold" id="234">
+                                        <p:cTn dur="1" fill="hold" id="236">
                                           <p:stCondLst>
                                             <p:cond delay="0"/>
                                           </p:stCondLst>
                                         </p:cTn>
                                         <p:tgtEl>
-                                          <p:spTgt spid="187">
+                                          <p:spTgt spid="129">
                                             <p:txEl>
-                                              <p:pRg end="201" st="181"/>
+                                              <p:pRg end="266" st="266"/>
                                             </p:txEl>
                                           </p:spTgt>
                                         </p:tgtEl>
@@ -7885,34 +5429,34 @@
                     </p:cTn>
                   </p:par>
                   <p:par>
-                    <p:cTn fill="hold" id="235">
+                    <p:cTn fill="hold" id="237">
                       <p:stCondLst>
                         <p:cond delay="indefinite"/>
                       </p:stCondLst>
                       <p:childTnLst>
                         <p:par>
-                          <p:cTn fill="hold" id="236">
+                          <p:cTn fill="hold" id="238">
                             <p:stCondLst>
                               <p:cond delay="0"/>
                             </p:stCondLst>
                             <p:childTnLst>
                               <p:par>
-                                <p:cTn fill="hold" id="237" nodeType="clickEffect" presetClass="entr" presetID="1">
+                                <p:cTn fill="hold" id="239" nodeType="clickEffect" presetClass="entr" presetID="1">
                                   <p:stCondLst>
                                     <p:cond delay="0"/>
                                   </p:stCondLst>
                                   <p:childTnLst>
                                     <p:set>
                                       <p:cBhvr>
-                                        <p:cTn dur="1" fill="hold" id="238">
+                                        <p:cTn dur="1" fill="hold" id="240">
                                           <p:stCondLst>
                                             <p:cond delay="0"/>
                                           </p:stCondLst>
                                         </p:cTn>
                                         <p:tgtEl>
-                                          <p:spTgt spid="187">
+                                          <p:spTgt spid="129">
                                             <p:txEl>
-                                              <p:pRg end="235" st="201"/>
+                                              <p:pRg end="266" st="266"/>
                                             </p:txEl>
                                           </p:spTgt>
                                         </p:tgtEl>
@@ -7934,34 +5478,34 @@
                     </p:cTn>
                   </p:par>
                   <p:par>
-                    <p:cTn fill="hold" id="239">
+                    <p:cTn fill="hold" id="241">
                       <p:stCondLst>
                         <p:cond delay="indefinite"/>
                       </p:stCondLst>
                       <p:childTnLst>
                         <p:par>
-                          <p:cTn fill="hold" id="240">
+                          <p:cTn fill="hold" id="242">
                             <p:stCondLst>
                               <p:cond delay="0"/>
                             </p:stCondLst>
                             <p:childTnLst>
                               <p:par>
-                                <p:cTn fill="hold" id="241" nodeType="clickEffect" presetClass="entr" presetID="1">
+                                <p:cTn fill="hold" id="243" nodeType="clickEffect" presetClass="entr" presetID="1">
                                   <p:stCondLst>
                                     <p:cond delay="0"/>
                                   </p:stCondLst>
                                   <p:childTnLst>
                                     <p:set>
                                       <p:cBhvr>
-                                        <p:cTn dur="1" fill="hold" id="242">
+                                        <p:cTn dur="1" fill="hold" id="244">
                                           <p:stCondLst>
                                             <p:cond delay="0"/>
                                           </p:stCondLst>
                                         </p:cTn>
                                         <p:tgtEl>
-                                          <p:spTgt spid="187">
+                                          <p:spTgt spid="129">
                                             <p:txEl>
-                                              <p:pRg end="265" st="236"/>
+                                              <p:pRg end="266" st="266"/>
                                             </p:txEl>
                                           </p:spTgt>
                                         </p:tgtEl>
@@ -8026,14 +5570,14 @@
       </p:grpSpPr>
       <p:sp>
         <p:nvSpPr>
-          <p:cNvPr id="188" name="TextShape 1"/>
-          <p:cNvSpPr txBox="1"/>
+          <p:cNvPr id="130" name="CustomShape 1"/>
+          <p:cNvSpPr/>
           <p:nvPr/>
         </p:nvSpPr>
         <p:spPr>
           <a:xfrm>
             <a:off x="457200" y="704160"/>
-            <a:ext cx="8229240" cy="819720"/>
+            <a:ext cx="8228880" cy="819360"/>
           </a:xfrm>
           <a:prstGeom prst="rect">
             <a:avLst/>
@@ -8062,14 +5606,14 @@
       </p:sp>
       <p:sp>
         <p:nvSpPr>
-          <p:cNvPr id="189" name="TextShape 2"/>
-          <p:cNvSpPr txBox="1"/>
+          <p:cNvPr id="131" name="CustomShape 2"/>
+          <p:cNvSpPr/>
           <p:nvPr/>
         </p:nvSpPr>
         <p:spPr>
           <a:xfrm>
             <a:off x="457200" y="1600200"/>
-            <a:ext cx="8229240" cy="4723920"/>
+            <a:ext cx="8228880" cy="4723560"/>
           </a:xfrm>
           <a:prstGeom prst="rect">
             <a:avLst/>
@@ -8200,7 +5744,7 @@
       </p:sp>
       <p:sp>
         <p:nvSpPr>
-          <p:cNvPr id="190" name="Line 3"/>
+          <p:cNvPr id="132" name="Line 3"/>
           <p:cNvSpPr/>
           <p:nvPr/>
         </p:nvSpPr>
@@ -8222,7 +5766,7 @@
       </p:sp>
       <p:sp>
         <p:nvSpPr>
-          <p:cNvPr id="191" name="Line 4"/>
+          <p:cNvPr id="133" name="Line 4"/>
           <p:cNvSpPr/>
           <p:nvPr/>
         </p:nvSpPr>
@@ -8244,16 +5788,16 @@
       </p:sp>
       <p:sp>
         <p:nvSpPr>
-          <p:cNvPr id="192" name="CustomShape 5"/>
+          <p:cNvPr id="134" name="CustomShape 5"/>
           <p:cNvSpPr/>
           <p:nvPr/>
         </p:nvSpPr>
         <p:spPr>
-          <a:xfrm rot="5400000">
-            <a:off x="3810240" y="4343400"/>
-            <a:ext cx="1676160" cy="1371240"/>
-          </a:xfrm>
-          <a:prstGeom prst="arc">
+          <a:xfrm>
+            <a:off x="5334120" y="4191120"/>
+            <a:ext cx="1675800" cy="1370880"/>
+          </a:xfrm>
+          <a:prstGeom prst="rect">
             <a:avLst>
               <a:gd fmla="val 16200000" name="adj1"/>
               <a:gd fmla="val 21542792" name="adj2"/>
@@ -8269,16 +5813,16 @@
       </p:sp>
       <p:sp>
         <p:nvSpPr>
-          <p:cNvPr id="193" name="CustomShape 6"/>
+          <p:cNvPr id="135" name="CustomShape 6"/>
           <p:cNvSpPr/>
           <p:nvPr/>
         </p:nvSpPr>
         <p:spPr>
-          <a:xfrm rot="16200000">
-            <a:off x="5181480" y="4354200"/>
-            <a:ext cx="1676160" cy="1371240"/>
-          </a:xfrm>
-          <a:prstGeom prst="arc">
+          <a:xfrm>
+            <a:off x="5334120" y="5878080"/>
+            <a:ext cx="1675800" cy="1370880"/>
+          </a:xfrm>
+          <a:prstGeom prst="rect">
             <a:avLst>
               <a:gd fmla="val 16200000" name="adj1"/>
               <a:gd fmla="val 21542792" name="adj2"/>
@@ -8294,14 +5838,14 @@
       </p:sp>
       <p:sp>
         <p:nvSpPr>
-          <p:cNvPr id="194" name="CustomShape 7"/>
+          <p:cNvPr id="136" name="CustomShape 7"/>
           <p:cNvSpPr/>
           <p:nvPr/>
         </p:nvSpPr>
         <p:spPr>
           <a:xfrm>
             <a:off x="3467160" y="5037480"/>
-            <a:ext cx="990360" cy="303480"/>
+            <a:ext cx="990000" cy="303120"/>
           </a:xfrm>
           <a:prstGeom prst="rect">
             <a:avLst/>
@@ -8330,14 +5874,14 @@
       </p:sp>
       <p:sp>
         <p:nvSpPr>
-          <p:cNvPr id="195" name="CustomShape 8"/>
+          <p:cNvPr id="137" name="CustomShape 8"/>
           <p:cNvSpPr/>
           <p:nvPr/>
         </p:nvSpPr>
         <p:spPr>
           <a:xfrm>
             <a:off x="6400800" y="5039640"/>
-            <a:ext cx="990360" cy="303480"/>
+            <a:ext cx="990000" cy="303120"/>
           </a:xfrm>
           <a:prstGeom prst="rect">
             <a:avLst/>
@@ -8366,14 +5910,14 @@
       </p:sp>
       <p:sp>
         <p:nvSpPr>
-          <p:cNvPr id="196" name="CustomShape 9"/>
+          <p:cNvPr id="138" name="CustomShape 9"/>
           <p:cNvSpPr/>
           <p:nvPr/>
         </p:nvSpPr>
         <p:spPr>
           <a:xfrm>
             <a:off x="4343400" y="3962520"/>
-            <a:ext cx="1218960" cy="516600"/>
+            <a:ext cx="1218600" cy="516240"/>
           </a:xfrm>
           <a:prstGeom prst="rect">
             <a:avLst/>
@@ -8405,40 +5949,40 @@
   <p:timing>
     <p:tnLst>
       <p:par>
-        <p:cTn dur="indefinite" id="243" nodeType="tmRoot" restart="never">
+        <p:cTn dur="indefinite" id="245" nodeType="tmRoot" restart="never">
           <p:childTnLst>
             <p:seq>
-              <p:cTn dur="indefinite" id="244" nodeType="mainSeq">
+              <p:cTn dur="indefinite" id="246" nodeType="mainSeq">
                 <p:childTnLst>
                   <p:par>
-                    <p:cTn fill="hold" id="245">
+                    <p:cTn fill="hold" id="247">
                       <p:stCondLst>
                         <p:cond delay="indefinite"/>
                       </p:stCondLst>
                       <p:childTnLst>
                         <p:par>
-                          <p:cTn fill="hold" id="246">
+                          <p:cTn fill="hold" id="248">
                             <p:stCondLst>
                               <p:cond delay="0"/>
                             </p:stCondLst>
                             <p:childTnLst>
                               <p:par>
-                                <p:cTn fill="hold" id="247" nodeType="clickEffect" presetClass="entr" presetID="1">
+                                <p:cTn fill="hold" id="249" nodeType="clickEffect" presetClass="entr" presetID="1">
                                   <p:stCondLst>
                                     <p:cond delay="0"/>
                                   </p:stCondLst>
                                   <p:childTnLst>
                                     <p:set>
                                       <p:cBhvr>
-                                        <p:cTn dur="1" fill="hold" id="248">
+                                        <p:cTn dur="1" fill="hold" id="250">
                                           <p:stCondLst>
                                             <p:cond delay="0"/>
                                           </p:stCondLst>
                                         </p:cTn>
                                         <p:tgtEl>
-                                          <p:spTgt spid="189">
+                                          <p:spTgt spid="131">
                                             <p:txEl>
-                                              <p:pRg end="101" st="35"/>
+                                              <p:pRg end="166" st="166"/>
                                             </p:txEl>
                                           </p:spTgt>
                                         </p:tgtEl>
@@ -8460,34 +6004,34 @@
                     </p:cTn>
                   </p:par>
                   <p:par>
-                    <p:cTn fill="hold" id="249">
+                    <p:cTn fill="hold" id="251">
                       <p:stCondLst>
                         <p:cond delay="indefinite"/>
                       </p:stCondLst>
                       <p:childTnLst>
                         <p:par>
-                          <p:cTn fill="hold" id="250">
+                          <p:cTn fill="hold" id="252">
                             <p:stCondLst>
                               <p:cond delay="0"/>
                             </p:stCondLst>
                             <p:childTnLst>
                               <p:par>
-                                <p:cTn fill="hold" id="251" nodeType="clickEffect" presetClass="entr" presetID="1">
+                                <p:cTn fill="hold" id="253" nodeType="clickEffect" presetClass="entr" presetID="1">
                                   <p:stCondLst>
                                     <p:cond delay="0"/>
                                   </p:stCondLst>
                                   <p:childTnLst>
                                     <p:set>
                                       <p:cBhvr>
-                                        <p:cTn dur="1" fill="hold" id="252">
+                                        <p:cTn dur="1" fill="hold" id="254">
                                           <p:stCondLst>
                                             <p:cond delay="0"/>
                                           </p:stCondLst>
                                         </p:cTn>
                                         <p:tgtEl>
-                                          <p:spTgt spid="189">
+                                          <p:spTgt spid="131">
                                             <p:txEl>
-                                              <p:pRg end="166" st="101"/>
+                                              <p:pRg end="166" st="166"/>
                                             </p:txEl>
                                           </p:spTgt>
                                         </p:tgtEl>
@@ -8509,46 +6053,19 @@
                     </p:cTn>
                   </p:par>
                   <p:par>
-                    <p:cTn fill="hold" id="253">
+                    <p:cTn fill="hold" id="255">
                       <p:stCondLst>
                         <p:cond delay="indefinite"/>
                       </p:stCondLst>
                       <p:childTnLst>
                         <p:par>
-                          <p:cTn fill="hold" id="254">
+                          <p:cTn fill="hold" id="256">
                             <p:stCondLst>
                               <p:cond delay="0"/>
                             </p:stCondLst>
                             <p:childTnLst>
                               <p:par>
-                                <p:cTn fill="hold" id="255" nodeType="clickEffect" presetClass="entr" presetID="1">
-                                  <p:stCondLst>
-                                    <p:cond delay="0"/>
-                                  </p:stCondLst>
-                                  <p:childTnLst>
-                                    <p:set>
-                                      <p:cBhvr>
-                                        <p:cTn dur="1" fill="hold" id="256">
-                                          <p:stCondLst>
-                                            <p:cond delay="0"/>
-                                          </p:stCondLst>
-                                        </p:cTn>
-                                        <p:tgtEl>
-                                          <p:spTgt spid="190"/>
-                                        </p:tgtEl>
-                                        <p:attrNameLst>
-                                          <p:attrName>style.visibility</p:attrName>
-                                        </p:attrNameLst>
-                                      </p:cBhvr>
-                                      <p:to>
-                                        <p:strVal val="visible"/>
-                                      </p:to>
-                                    </p:set>
-                                  </p:childTnLst>
-                                </p:cTn>
-                              </p:par>
-                              <p:par>
-                                <p:cTn fill="hold" id="257" nodeType="withEffect" presetClass="entr" presetID="1">
+                                <p:cTn fill="hold" id="257" nodeType="clickEffect" presetClass="entr" presetID="1">
                                   <p:stCondLst>
                                     <p:cond delay="0"/>
                                   </p:stCondLst>
@@ -8561,7 +6078,7 @@
                                           </p:stCondLst>
                                         </p:cTn>
                                         <p:tgtEl>
-                                          <p:spTgt spid="191"/>
+                                          <p:spTgt spid="132"/>
                                         </p:tgtEl>
                                         <p:attrNameLst>
                                           <p:attrName>style.visibility</p:attrName>
@@ -8588,7 +6105,7 @@
                                           </p:stCondLst>
                                         </p:cTn>
                                         <p:tgtEl>
-                                          <p:spTgt spid="192"/>
+                                          <p:spTgt spid="133"/>
                                         </p:tgtEl>
                                         <p:attrNameLst>
                                           <p:attrName>style.visibility</p:attrName>
@@ -8615,7 +6132,7 @@
                                           </p:stCondLst>
                                         </p:cTn>
                                         <p:tgtEl>
-                                          <p:spTgt spid="193"/>
+                                          <p:spTgt spid="134"/>
                                         </p:tgtEl>
                                         <p:attrNameLst>
                                           <p:attrName>style.visibility</p:attrName>
@@ -8642,7 +6159,7 @@
                                           </p:stCondLst>
                                         </p:cTn>
                                         <p:tgtEl>
-                                          <p:spTgt spid="194"/>
+                                          <p:spTgt spid="135"/>
                                         </p:tgtEl>
                                         <p:attrNameLst>
                                           <p:attrName>style.visibility</p:attrName>
@@ -8669,7 +6186,7 @@
                                           </p:stCondLst>
                                         </p:cTn>
                                         <p:tgtEl>
-                                          <p:spTgt spid="196"/>
+                                          <p:spTgt spid="136"/>
                                         </p:tgtEl>
                                         <p:attrNameLst>
                                           <p:attrName>style.visibility</p:attrName>
@@ -8696,7 +6213,34 @@
                                           </p:stCondLst>
                                         </p:cTn>
                                         <p:tgtEl>
-                                          <p:spTgt spid="195"/>
+                                          <p:spTgt spid="138"/>
+                                        </p:tgtEl>
+                                        <p:attrNameLst>
+                                          <p:attrName>style.visibility</p:attrName>
+                                        </p:attrNameLst>
+                                      </p:cBhvr>
+                                      <p:to>
+                                        <p:strVal val="visible"/>
+                                      </p:to>
+                                    </p:set>
+                                  </p:childTnLst>
+                                </p:cTn>
+                              </p:par>
+                              <p:par>
+                                <p:cTn fill="hold" id="269" nodeType="withEffect" presetClass="entr" presetID="1">
+                                  <p:stCondLst>
+                                    <p:cond delay="0"/>
+                                  </p:stCondLst>
+                                  <p:childTnLst>
+                                    <p:set>
+                                      <p:cBhvr>
+                                        <p:cTn dur="1" fill="hold" id="270">
+                                          <p:stCondLst>
+                                            <p:cond delay="0"/>
+                                          </p:stCondLst>
+                                        </p:cTn>
+                                        <p:tgtEl>
+                                          <p:spTgt spid="137"/>
                                         </p:tgtEl>
                                         <p:attrNameLst>
                                           <p:attrName>style.visibility</p:attrName>
@@ -8759,14 +6303,14 @@
       </p:grpSpPr>
       <p:sp>
         <p:nvSpPr>
-          <p:cNvPr id="197" name="TextShape 1"/>
-          <p:cNvSpPr txBox="1"/>
+          <p:cNvPr id="139" name="CustomShape 1"/>
+          <p:cNvSpPr/>
           <p:nvPr/>
         </p:nvSpPr>
         <p:spPr>
           <a:xfrm>
             <a:off x="457200" y="704160"/>
-            <a:ext cx="8229240" cy="743400"/>
+            <a:ext cx="8228880" cy="743040"/>
           </a:xfrm>
           <a:prstGeom prst="rect">
             <a:avLst/>
@@ -8795,14 +6339,14 @@
       </p:sp>
       <p:sp>
         <p:nvSpPr>
-          <p:cNvPr id="198" name="TextShape 2"/>
-          <p:cNvSpPr txBox="1"/>
+          <p:cNvPr id="140" name="CustomShape 2"/>
+          <p:cNvSpPr/>
           <p:nvPr/>
         </p:nvSpPr>
         <p:spPr>
           <a:xfrm>
             <a:off x="457200" y="1523880"/>
-            <a:ext cx="8229240" cy="4800240"/>
+            <a:ext cx="8228880" cy="4799880"/>
           </a:xfrm>
           <a:prstGeom prst="rect">
             <a:avLst/>
@@ -8859,7 +6403,7 @@
               </a:lnSpc>
               <a:buSzPct val="25000"/>
               <a:buFont typeface="StarSymbol"/>
-              <a:buChar char=""/>
+              <a:buChar char="l"/>
             </a:pPr>
             <a:r>
               <a:rPr lang="en-US" sz="2400">
@@ -8879,7 +6423,7 @@
               </a:lnSpc>
               <a:buSzPct val="25000"/>
               <a:buFont typeface="StarSymbol"/>
-              <a:buChar char=""/>
+              <a:buChar char="l"/>
             </a:pPr>
             <a:r>
               <a:rPr lang="en-US" sz="2400">
@@ -8973,40 +6517,40 @@
   <p:timing>
     <p:tnLst>
       <p:par>
-        <p:cTn dur="indefinite" id="269" nodeType="tmRoot" restart="never">
+        <p:cTn dur="indefinite" id="271" nodeType="tmRoot" restart="never">
           <p:childTnLst>
             <p:seq>
-              <p:cTn dur="indefinite" id="270" nodeType="mainSeq">
+              <p:cTn dur="indefinite" id="272" nodeType="mainSeq">
                 <p:childTnLst>
                   <p:par>
-                    <p:cTn fill="hold" id="271">
+                    <p:cTn fill="hold" id="273">
                       <p:stCondLst>
                         <p:cond delay="indefinite"/>
                       </p:stCondLst>
                       <p:childTnLst>
                         <p:par>
-                          <p:cTn fill="hold" id="272">
+                          <p:cTn fill="hold" id="274">
                             <p:stCondLst>
                               <p:cond delay="0"/>
                             </p:stCondLst>
                             <p:childTnLst>
                               <p:par>
-                                <p:cTn fill="hold" id="273" nodeType="clickEffect" presetClass="entr" presetID="1">
+                                <p:cTn fill="hold" id="275" nodeType="clickEffect" presetClass="entr" presetID="1">
                                   <p:stCondLst>
                                     <p:cond delay="0"/>
                                   </p:stCondLst>
                                   <p:childTnLst>
                                     <p:set>
                                       <p:cBhvr>
-                                        <p:cTn dur="1" fill="hold" id="274">
+                                        <p:cTn dur="1" fill="hold" id="276">
                                           <p:stCondLst>
                                             <p:cond delay="0"/>
                                           </p:stCondLst>
                                         </p:cTn>
                                         <p:tgtEl>
-                                          <p:spTgt spid="198">
+                                          <p:spTgt spid="140">
                                             <p:txEl>
-                                              <p:pRg end="92" st="30"/>
+                                              <p:pRg end="501" st="501"/>
                                             </p:txEl>
                                           </p:spTgt>
                                         </p:tgtEl>
@@ -9028,34 +6572,34 @@
                     </p:cTn>
                   </p:par>
                   <p:par>
-                    <p:cTn fill="hold" id="275">
+                    <p:cTn fill="hold" id="277">
                       <p:stCondLst>
                         <p:cond delay="indefinite"/>
                       </p:stCondLst>
                       <p:childTnLst>
                         <p:par>
-                          <p:cTn fill="hold" id="276">
+                          <p:cTn fill="hold" id="278">
                             <p:stCondLst>
                               <p:cond delay="0"/>
                             </p:stCondLst>
                             <p:childTnLst>
                               <p:par>
-                                <p:cTn fill="hold" id="277" nodeType="clickEffect" presetClass="entr" presetID="1">
+                                <p:cTn fill="hold" id="279" nodeType="clickEffect" presetClass="entr" presetID="1">
                                   <p:stCondLst>
                                     <p:cond delay="0"/>
                                   </p:stCondLst>
                                   <p:childTnLst>
                                     <p:set>
                                       <p:cBhvr>
-                                        <p:cTn dur="1" fill="hold" id="278">
+                                        <p:cTn dur="1" fill="hold" id="280">
                                           <p:stCondLst>
                                             <p:cond delay="0"/>
                                           </p:stCondLst>
                                         </p:cTn>
                                         <p:tgtEl>
-                                          <p:spTgt spid="198">
+                                          <p:spTgt spid="140">
                                             <p:txEl>
-                                              <p:pRg end="206" st="92"/>
+                                              <p:pRg end="501" st="501"/>
                                             </p:txEl>
                                           </p:spTgt>
                                         </p:tgtEl>
@@ -9077,34 +6621,34 @@
                     </p:cTn>
                   </p:par>
                   <p:par>
-                    <p:cTn fill="hold" id="279">
+                    <p:cTn fill="hold" id="281">
                       <p:stCondLst>
                         <p:cond delay="indefinite"/>
                       </p:stCondLst>
                       <p:childTnLst>
                         <p:par>
-                          <p:cTn fill="hold" id="280">
+                          <p:cTn fill="hold" id="282">
                             <p:stCondLst>
                               <p:cond delay="0"/>
                             </p:stCondLst>
                             <p:childTnLst>
                               <p:par>
-                                <p:cTn fill="hold" id="281" nodeType="clickEffect" presetClass="entr" presetID="1">
+                                <p:cTn fill="hold" id="283" nodeType="clickEffect" presetClass="entr" presetID="1">
                                   <p:stCondLst>
                                     <p:cond delay="0"/>
                                   </p:stCondLst>
                                   <p:childTnLst>
                                     <p:set>
                                       <p:cBhvr>
-                                        <p:cTn dur="1" fill="hold" id="282">
+                                        <p:cTn dur="1" fill="hold" id="284">
                                           <p:stCondLst>
                                             <p:cond delay="0"/>
                                           </p:stCondLst>
                                         </p:cTn>
                                         <p:tgtEl>
-                                          <p:spTgt spid="198">
+                                          <p:spTgt spid="140">
                                             <p:txEl>
-                                              <p:pRg end="291" st="206"/>
+                                              <p:pRg end="501" st="501"/>
                                             </p:txEl>
                                           </p:spTgt>
                                         </p:tgtEl>
@@ -9126,34 +6670,34 @@
                     </p:cTn>
                   </p:par>
                   <p:par>
-                    <p:cTn fill="hold" id="283">
+                    <p:cTn fill="hold" id="285">
                       <p:stCondLst>
                         <p:cond delay="indefinite"/>
                       </p:stCondLst>
                       <p:childTnLst>
                         <p:par>
-                          <p:cTn fill="hold" id="284">
+                          <p:cTn fill="hold" id="286">
                             <p:stCondLst>
                               <p:cond delay="0"/>
                             </p:stCondLst>
                             <p:childTnLst>
                               <p:par>
-                                <p:cTn fill="hold" id="285" nodeType="clickEffect" presetClass="entr" presetID="1">
+                                <p:cTn fill="hold" id="287" nodeType="clickEffect" presetClass="entr" presetID="1">
                                   <p:stCondLst>
                                     <p:cond delay="0"/>
                                   </p:stCondLst>
                                   <p:childTnLst>
                                     <p:set>
                                       <p:cBhvr>
-                                        <p:cTn dur="1" fill="hold" id="286">
+                                        <p:cTn dur="1" fill="hold" id="288">
                                           <p:stCondLst>
                                             <p:cond delay="0"/>
                                           </p:stCondLst>
                                         </p:cTn>
                                         <p:tgtEl>
-                                          <p:spTgt spid="198">
+                                          <p:spTgt spid="140">
                                             <p:txEl>
-                                              <p:pRg end="377" st="292"/>
+                                              <p:pRg end="501" st="501"/>
                                             </p:txEl>
                                           </p:spTgt>
                                         </p:tgtEl>
@@ -9175,34 +6719,34 @@
                     </p:cTn>
                   </p:par>
                   <p:par>
-                    <p:cTn fill="hold" id="287">
+                    <p:cTn fill="hold" id="289">
                       <p:stCondLst>
                         <p:cond delay="indefinite"/>
                       </p:stCondLst>
                       <p:childTnLst>
                         <p:par>
-                          <p:cTn fill="hold" id="288">
+                          <p:cTn fill="hold" id="290">
                             <p:stCondLst>
                               <p:cond delay="0"/>
                             </p:stCondLst>
                             <p:childTnLst>
                               <p:par>
-                                <p:cTn fill="hold" id="289" nodeType="clickEffect" presetClass="entr" presetID="1">
+                                <p:cTn fill="hold" id="291" nodeType="clickEffect" presetClass="entr" presetID="1">
                                   <p:stCondLst>
                                     <p:cond delay="0"/>
                                   </p:stCondLst>
                                   <p:childTnLst>
                                     <p:set>
                                       <p:cBhvr>
-                                        <p:cTn dur="1" fill="hold" id="290">
+                                        <p:cTn dur="1" fill="hold" id="292">
                                           <p:stCondLst>
                                             <p:cond delay="0"/>
                                           </p:stCondLst>
                                         </p:cTn>
                                         <p:tgtEl>
-                                          <p:spTgt spid="198">
+                                          <p:spTgt spid="140">
                                             <p:txEl>
-                                              <p:pRg end="501" st="378"/>
+                                              <p:pRg end="501" st="501"/>
                                             </p:txEl>
                                           </p:spTgt>
                                         </p:tgtEl>
@@ -9267,14 +6811,14 @@
       </p:grpSpPr>
       <p:sp>
         <p:nvSpPr>
-          <p:cNvPr id="199" name="TextShape 1"/>
-          <p:cNvSpPr txBox="1"/>
+          <p:cNvPr id="141" name="CustomShape 1"/>
+          <p:cNvSpPr/>
           <p:nvPr/>
         </p:nvSpPr>
         <p:spPr>
           <a:xfrm>
             <a:off x="457200" y="704160"/>
-            <a:ext cx="8229240" cy="667080"/>
+            <a:ext cx="8228880" cy="666720"/>
           </a:xfrm>
           <a:prstGeom prst="rect">
             <a:avLst/>
@@ -9303,14 +6847,14 @@
       </p:sp>
       <p:sp>
         <p:nvSpPr>
-          <p:cNvPr id="200" name="TextShape 2"/>
-          <p:cNvSpPr txBox="1"/>
+          <p:cNvPr id="142" name="CustomShape 2"/>
+          <p:cNvSpPr/>
           <p:nvPr/>
         </p:nvSpPr>
         <p:spPr>
           <a:xfrm>
             <a:off x="457200" y="1523880"/>
-            <a:ext cx="8229240" cy="4769640"/>
+            <a:ext cx="8228880" cy="4769280"/>
           </a:xfrm>
           <a:prstGeom prst="rect">
             <a:avLst/>
@@ -9379,6 +6923,11 @@
             <a:endParaRPr/>
           </a:p>
           <a:p>
+            <a:pPr>
+              <a:lnSpc>
+                <a:spcPct val="100000"/>
+              </a:lnSpc>
+            </a:pPr>
             <a:r>
               <a:rPr lang="en-US" sz="2400">
                 <a:solidFill>
@@ -9388,6 +6937,14 @@
               </a:rPr>
               <a:t>small=16 oz</a:t>
             </a:r>
+            <a:endParaRPr/>
+          </a:p>
+          <a:p>
+            <a:pPr>
+              <a:lnSpc>
+                <a:spcPct val="100000"/>
+              </a:lnSpc>
+            </a:pPr>
             <a:r>
               <a:rPr lang="en-US" sz="2400">
                 <a:solidFill>
@@ -9395,9 +6952,16 @@
                 </a:solidFill>
                 <a:latin typeface="Constantia"/>
               </a:rPr>
-              <a:t>
-</a:t>
-            </a:r>
+              <a:t>medium=24 oz </a:t>
+            </a:r>
+            <a:endParaRPr/>
+          </a:p>
+          <a:p>
+            <a:pPr>
+              <a:lnSpc>
+                <a:spcPct val="100000"/>
+              </a:lnSpc>
+            </a:pPr>
             <a:r>
               <a:rPr lang="en-US" sz="2400">
                 <a:solidFill>
@@ -9405,23 +6969,16 @@
                 </a:solidFill>
                 <a:latin typeface="Constantia"/>
               </a:rPr>
-              <a:t>medium=24 oz </a:t>
-            </a:r>
-            <a:endParaRPr/>
-          </a:p>
-          <a:p>
-            <a:r>
-              <a:rPr lang="en-US" sz="2400">
-                <a:solidFill>
-                  <a:srgbClr val="000000"/>
-                </a:solidFill>
-                <a:latin typeface="Constantia"/>
-              </a:rPr>
               <a:t>Large=28 oz</a:t>
             </a:r>
             <a:endParaRPr/>
           </a:p>
           <a:p>
+            <a:pPr>
+              <a:lnSpc>
+                <a:spcPct val="100000"/>
+              </a:lnSpc>
+            </a:pPr>
             <a:endParaRPr/>
           </a:p>
           <a:p>
@@ -9465,6 +7022,11 @@
             <a:endParaRPr/>
           </a:p>
           <a:p>
+            <a:pPr>
+              <a:lnSpc>
+                <a:spcPct val="100000"/>
+              </a:lnSpc>
+            </a:pPr>
             <a:endParaRPr/>
           </a:p>
           <a:p>
@@ -9479,7 +7041,7 @@
       </p:sp>
       <p:pic>
         <p:nvPicPr>
-          <p:cNvPr descr="" id="201" name="Picture 2"/>
+          <p:cNvPr descr="" id="143" name="Picture 2"/>
           <p:cNvPicPr/>
           <p:nvPr/>
         </p:nvPicPr>
@@ -9492,7 +7054,7 @@
         <p:spPr>
           <a:xfrm>
             <a:off x="6019920" y="2133720"/>
-            <a:ext cx="2590560" cy="2573280"/>
+            <a:ext cx="2590200" cy="2572920"/>
           </a:xfrm>
           <a:prstGeom prst="rect">
             <a:avLst/>
@@ -9504,38 +7066,38 @@
   <p:timing>
     <p:tnLst>
       <p:par>
-        <p:cTn dur="indefinite" id="291" nodeType="tmRoot" restart="never">
+        <p:cTn dur="indefinite" id="293" nodeType="tmRoot" restart="never">
           <p:childTnLst>
             <p:seq>
-              <p:cTn dur="indefinite" id="292" nodeType="mainSeq">
+              <p:cTn dur="indefinite" id="294" nodeType="mainSeq">
                 <p:childTnLst>
                   <p:par>
-                    <p:cTn fill="hold" id="293">
+                    <p:cTn fill="hold" id="295">
                       <p:stCondLst>
                         <p:cond delay="indefinite"/>
                       </p:stCondLst>
                       <p:childTnLst>
                         <p:par>
-                          <p:cTn fill="hold" id="294">
+                          <p:cTn fill="hold" id="296">
                             <p:stCondLst>
                               <p:cond delay="0"/>
                             </p:stCondLst>
                             <p:childTnLst>
                               <p:par>
-                                <p:cTn fill="hold" id="295" nodeType="clickEffect" presetClass="entr" presetID="1">
+                                <p:cTn fill="hold" id="297" nodeType="clickEffect" presetClass="entr" presetID="1">
                                   <p:stCondLst>
                                     <p:cond delay="0"/>
                                   </p:stCondLst>
                                   <p:childTnLst>
                                     <p:set>
                                       <p:cBhvr>
-                                        <p:cTn dur="1" fill="hold" id="296">
+                                        <p:cTn dur="1" fill="hold" id="298">
                                           <p:stCondLst>
                                             <p:cond delay="0"/>
                                           </p:stCondLst>
                                         </p:cTn>
                                         <p:tgtEl>
-                                          <p:spTgt spid="200">
+                                          <p:spTgt spid="142">
                                             <p:txEl>
                                               <p:pRg end="95" st="0"/>
                                             </p:txEl>
@@ -9559,50 +7121,19 @@
                     </p:cTn>
                   </p:par>
                   <p:par>
-                    <p:cTn fill="hold" id="297">
+                    <p:cTn fill="hold" id="299">
                       <p:stCondLst>
                         <p:cond delay="indefinite"/>
                       </p:stCondLst>
                       <p:childTnLst>
                         <p:par>
-                          <p:cTn fill="hold" id="298">
+                          <p:cTn fill="hold" id="300">
                             <p:stCondLst>
                               <p:cond delay="0"/>
                             </p:stCondLst>
                             <p:childTnLst>
                               <p:par>
-                                <p:cTn fill="hold" id="299" nodeType="clickEffect" presetClass="entr" presetID="1">
-                                  <p:stCondLst>
-                                    <p:cond delay="0"/>
-                                  </p:stCondLst>
-                                  <p:childTnLst>
-                                    <p:set>
-                                      <p:cBhvr>
-                                        <p:cTn dur="1" fill="hold" id="300">
-                                          <p:stCondLst>
-                                            <p:cond delay="0"/>
-                                          </p:stCondLst>
-                                        </p:cTn>
-                                        <p:tgtEl>
-                                          <p:spTgt spid="200">
-                                            <p:txEl>
-                                              <p:pRg end="126" st="96"/>
-                                            </p:txEl>
-                                          </p:spTgt>
-                                        </p:tgtEl>
-                                        <p:attrNameLst>
-                                          <p:attrName>style.visibility</p:attrName>
-                                        </p:attrNameLst>
-                                      </p:cBhvr>
-                                      <p:to>
-                                        <p:strVal val="visible"/>
-                                      </p:to>
-                                    </p:set>
-                                  </p:childTnLst>
-                                </p:cTn>
-                              </p:par>
-                              <p:par>
-                                <p:cTn fill="hold" id="301" nodeType="withEffect" presetClass="entr" presetID="1">
+                                <p:cTn fill="hold" id="301" nodeType="clickEffect" presetClass="entr" presetID="1">
                                   <p:stCondLst>
                                     <p:cond delay="0"/>
                                   </p:stCondLst>
@@ -9615,9 +7146,9 @@
                                           </p:stCondLst>
                                         </p:cTn>
                                         <p:tgtEl>
-                                          <p:spTgt spid="200">
+                                          <p:spTgt spid="142">
                                             <p:txEl>
-                                              <p:pRg end="152" st="126"/>
+                                              <p:pRg end="326" st="326"/>
                                             </p:txEl>
                                           </p:spTgt>
                                         </p:tgtEl>
@@ -9646,9 +7177,40 @@
                                           </p:stCondLst>
                                         </p:cTn>
                                         <p:tgtEl>
-                                          <p:spTgt spid="200">
+                                          <p:spTgt spid="142">
                                             <p:txEl>
-                                              <p:pRg end="164" st="152"/>
+                                              <p:pRg end="326" st="326"/>
+                                            </p:txEl>
+                                          </p:spTgt>
+                                        </p:tgtEl>
+                                        <p:attrNameLst>
+                                          <p:attrName>style.visibility</p:attrName>
+                                        </p:attrNameLst>
+                                      </p:cBhvr>
+                                      <p:to>
+                                        <p:strVal val="visible"/>
+                                      </p:to>
+                                    </p:set>
+                                  </p:childTnLst>
+                                </p:cTn>
+                              </p:par>
+                              <p:par>
+                                <p:cTn fill="hold" id="305" nodeType="withEffect" presetClass="entr" presetID="1">
+                                  <p:stCondLst>
+                                    <p:cond delay="0"/>
+                                  </p:stCondLst>
+                                  <p:childTnLst>
+                                    <p:set>
+                                      <p:cBhvr>
+                                        <p:cTn dur="1" fill="hold" id="306">
+                                          <p:stCondLst>
+                                            <p:cond delay="0"/>
+                                          </p:stCondLst>
+                                        </p:cTn>
+                                        <p:tgtEl>
+                                          <p:spTgt spid="142">
+                                            <p:txEl>
+                                              <p:pRg end="326" st="326"/>
                                             </p:txEl>
                                           </p:spTgt>
                                         </p:tgtEl>
@@ -9670,34 +7232,34 @@
                     </p:cTn>
                   </p:par>
                   <p:par>
-                    <p:cTn fill="hold" id="305">
+                    <p:cTn fill="hold" id="307">
                       <p:stCondLst>
                         <p:cond delay="indefinite"/>
                       </p:stCondLst>
                       <p:childTnLst>
                         <p:par>
-                          <p:cTn fill="hold" id="306">
+                          <p:cTn fill="hold" id="308">
                             <p:stCondLst>
                               <p:cond delay="0"/>
                             </p:stCondLst>
                             <p:childTnLst>
                               <p:par>
-                                <p:cTn fill="hold" id="307" nodeType="clickEffect" presetClass="entr" presetID="1">
+                                <p:cTn fill="hold" id="309" nodeType="clickEffect" presetClass="entr" presetID="1">
                                   <p:stCondLst>
                                     <p:cond delay="0"/>
                                   </p:stCondLst>
                                   <p:childTnLst>
                                     <p:set>
                                       <p:cBhvr>
-                                        <p:cTn dur="1" fill="hold" id="308">
+                                        <p:cTn dur="1" fill="hold" id="310">
                                           <p:stCondLst>
                                             <p:cond delay="0"/>
                                           </p:stCondLst>
                                         </p:cTn>
                                         <p:tgtEl>
-                                          <p:spTgt spid="200">
+                                          <p:spTgt spid="142">
                                             <p:txEl>
-                                              <p:pRg end="219" st="165"/>
+                                              <p:pRg end="326" st="326"/>
                                             </p:txEl>
                                           </p:spTgt>
                                         </p:tgtEl>
@@ -9719,34 +7281,34 @@
                     </p:cTn>
                   </p:par>
                   <p:par>
-                    <p:cTn fill="hold" id="309">
+                    <p:cTn fill="hold" id="311">
                       <p:stCondLst>
                         <p:cond delay="indefinite"/>
                       </p:stCondLst>
                       <p:childTnLst>
                         <p:par>
-                          <p:cTn fill="hold" id="310">
+                          <p:cTn fill="hold" id="312">
                             <p:stCondLst>
                               <p:cond delay="0"/>
                             </p:stCondLst>
                             <p:childTnLst>
                               <p:par>
-                                <p:cTn fill="hold" id="311" nodeType="clickEffect" presetClass="entr" presetID="1">
+                                <p:cTn fill="hold" id="313" nodeType="clickEffect" presetClass="entr" presetID="1">
                                   <p:stCondLst>
                                     <p:cond delay="0"/>
                                   </p:stCondLst>
                                   <p:childTnLst>
                                     <p:set>
                                       <p:cBhvr>
-                                        <p:cTn dur="1" fill="hold" id="312">
+                                        <p:cTn dur="1" fill="hold" id="314">
                                           <p:stCondLst>
                                             <p:cond delay="0"/>
                                           </p:stCondLst>
                                         </p:cTn>
                                         <p:tgtEl>
-                                          <p:spTgt spid="200">
+                                          <p:spTgt spid="142">
                                             <p:txEl>
-                                              <p:pRg end="324" st="219"/>
+                                              <p:pRg end="326" st="326"/>
                                             </p:txEl>
                                           </p:spTgt>
                                         </p:tgtEl>
@@ -9811,14 +7373,14 @@
       </p:grpSpPr>
       <p:sp>
         <p:nvSpPr>
-          <p:cNvPr id="163" name="TextShape 1"/>
-          <p:cNvSpPr txBox="1"/>
+          <p:cNvPr id="105" name="CustomShape 1"/>
+          <p:cNvSpPr/>
           <p:nvPr/>
         </p:nvSpPr>
         <p:spPr>
           <a:xfrm>
             <a:off x="457200" y="704160"/>
-            <a:ext cx="8229240" cy="819720"/>
+            <a:ext cx="8228880" cy="819360"/>
           </a:xfrm>
           <a:prstGeom prst="rect">
             <a:avLst/>
@@ -9847,14 +7409,14 @@
       </p:sp>
       <p:sp>
         <p:nvSpPr>
-          <p:cNvPr id="164" name="TextShape 2"/>
-          <p:cNvSpPr txBox="1"/>
+          <p:cNvPr id="106" name="CustomShape 2"/>
+          <p:cNvSpPr/>
           <p:nvPr/>
         </p:nvSpPr>
         <p:spPr>
           <a:xfrm>
             <a:off x="457200" y="1828800"/>
-            <a:ext cx="8229240" cy="4495320"/>
+            <a:ext cx="8228880" cy="4494960"/>
           </a:xfrm>
           <a:prstGeom prst="rect">
             <a:avLst/>
@@ -10050,38 +7612,38 @@
   <p:timing>
     <p:tnLst>
       <p:par>
-        <p:cTn dur="indefinite" id="1" nodeType="tmRoot" restart="never">
+        <p:cTn dur="indefinite" id="3" nodeType="tmRoot" restart="never">
           <p:childTnLst>
             <p:seq>
-              <p:cTn dur="indefinite" id="2" nodeType="mainSeq">
+              <p:cTn dur="indefinite" id="4" nodeType="mainSeq">
                 <p:childTnLst>
                   <p:par>
-                    <p:cTn fill="hold" id="3">
+                    <p:cTn fill="hold" id="5">
                       <p:stCondLst>
                         <p:cond delay="indefinite"/>
                       </p:stCondLst>
                       <p:childTnLst>
                         <p:par>
-                          <p:cTn fill="hold" id="4">
+                          <p:cTn fill="hold" id="6">
                             <p:stCondLst>
                               <p:cond delay="0"/>
                             </p:stCondLst>
                             <p:childTnLst>
                               <p:par>
-                                <p:cTn fill="hold" id="5" nodeType="clickEffect" presetClass="entr" presetID="1">
+                                <p:cTn fill="hold" id="7" nodeType="clickEffect" presetClass="entr" presetID="1">
                                   <p:stCondLst>
                                     <p:cond delay="0"/>
                                   </p:stCondLst>
                                   <p:childTnLst>
                                     <p:set>
                                       <p:cBhvr>
-                                        <p:cTn dur="1" fill="hold" id="6">
+                                        <p:cTn dur="1" fill="hold" id="8">
                                           <p:stCondLst>
                                             <p:cond delay="0"/>
                                           </p:stCondLst>
                                         </p:cTn>
                                         <p:tgtEl>
-                                          <p:spTgt spid="164">
+                                          <p:spTgt spid="106">
                                             <p:txEl>
                                               <p:pRg end="19" st="0"/>
                                             </p:txEl>
@@ -10105,34 +7667,34 @@
                     </p:cTn>
                   </p:par>
                   <p:par>
-                    <p:cTn fill="hold" id="7">
+                    <p:cTn fill="hold" id="9">
                       <p:stCondLst>
                         <p:cond delay="indefinite"/>
                       </p:stCondLst>
                       <p:childTnLst>
                         <p:par>
-                          <p:cTn fill="hold" id="8">
+                          <p:cTn fill="hold" id="10">
                             <p:stCondLst>
                               <p:cond delay="0"/>
                             </p:stCondLst>
                             <p:childTnLst>
                               <p:par>
-                                <p:cTn fill="hold" id="9" nodeType="clickEffect" presetClass="entr" presetID="1">
+                                <p:cTn fill="hold" id="11" nodeType="clickEffect" presetClass="entr" presetID="1">
                                   <p:stCondLst>
                                     <p:cond delay="0"/>
                                   </p:stCondLst>
                                   <p:childTnLst>
                                     <p:set>
                                       <p:cBhvr>
-                                        <p:cTn dur="1" fill="hold" id="10">
+                                        <p:cTn dur="1" fill="hold" id="12">
                                           <p:stCondLst>
                                             <p:cond delay="0"/>
                                           </p:stCondLst>
                                         </p:cTn>
                                         <p:tgtEl>
-                                          <p:spTgt spid="164">
+                                          <p:spTgt spid="106">
                                             <p:txEl>
-                                              <p:pRg end="83" st="19"/>
+                                              <p:pRg end="243" st="243"/>
                                             </p:txEl>
                                           </p:spTgt>
                                         </p:tgtEl>
@@ -10154,34 +7716,34 @@
                     </p:cTn>
                   </p:par>
                   <p:par>
-                    <p:cTn fill="hold" id="11">
+                    <p:cTn fill="hold" id="13">
                       <p:stCondLst>
                         <p:cond delay="indefinite"/>
                       </p:stCondLst>
                       <p:childTnLst>
                         <p:par>
-                          <p:cTn fill="hold" id="12">
+                          <p:cTn fill="hold" id="14">
                             <p:stCondLst>
                               <p:cond delay="0"/>
                             </p:stCondLst>
                             <p:childTnLst>
                               <p:par>
-                                <p:cTn fill="hold" id="13" nodeType="clickEffect" presetClass="entr" presetID="1">
+                                <p:cTn fill="hold" id="15" nodeType="clickEffect" presetClass="entr" presetID="1">
                                   <p:stCondLst>
                                     <p:cond delay="0"/>
                                   </p:stCondLst>
                                   <p:childTnLst>
                                     <p:set>
                                       <p:cBhvr>
-                                        <p:cTn dur="1" fill="hold" id="14">
+                                        <p:cTn dur="1" fill="hold" id="16">
                                           <p:stCondLst>
                                             <p:cond delay="0"/>
                                           </p:stCondLst>
                                         </p:cTn>
                                         <p:tgtEl>
-                                          <p:spTgt spid="164">
+                                          <p:spTgt spid="106">
                                             <p:txEl>
-                                              <p:pRg end="135" st="83"/>
+                                              <p:pRg end="243" st="243"/>
                                             </p:txEl>
                                           </p:spTgt>
                                         </p:tgtEl>
@@ -10203,34 +7765,34 @@
                     </p:cTn>
                   </p:par>
                   <p:par>
-                    <p:cTn fill="hold" id="15">
+                    <p:cTn fill="hold" id="17">
                       <p:stCondLst>
                         <p:cond delay="indefinite"/>
                       </p:stCondLst>
                       <p:childTnLst>
                         <p:par>
-                          <p:cTn fill="hold" id="16">
+                          <p:cTn fill="hold" id="18">
                             <p:stCondLst>
                               <p:cond delay="0"/>
                             </p:stCondLst>
                             <p:childTnLst>
                               <p:par>
-                                <p:cTn fill="hold" id="17" nodeType="clickEffect" presetClass="entr" presetID="1">
+                                <p:cTn fill="hold" id="19" nodeType="clickEffect" presetClass="entr" presetID="1">
                                   <p:stCondLst>
                                     <p:cond delay="0"/>
                                   </p:stCondLst>
                                   <p:childTnLst>
                                     <p:set>
                                       <p:cBhvr>
-                                        <p:cTn dur="1" fill="hold" id="18">
+                                        <p:cTn dur="1" fill="hold" id="20">
                                           <p:stCondLst>
                                             <p:cond delay="0"/>
                                           </p:stCondLst>
                                         </p:cTn>
                                         <p:tgtEl>
-                                          <p:spTgt spid="164">
+                                          <p:spTgt spid="106">
                                             <p:txEl>
-                                              <p:pRg end="160" st="135"/>
+                                              <p:pRg end="243" st="243"/>
                                             </p:txEl>
                                           </p:spTgt>
                                         </p:tgtEl>
@@ -10252,34 +7814,34 @@
                     </p:cTn>
                   </p:par>
                   <p:par>
-                    <p:cTn fill="hold" id="19">
+                    <p:cTn fill="hold" id="21">
                       <p:stCondLst>
                         <p:cond delay="indefinite"/>
                       </p:stCondLst>
                       <p:childTnLst>
                         <p:par>
-                          <p:cTn fill="hold" id="20">
+                          <p:cTn fill="hold" id="22">
                             <p:stCondLst>
                               <p:cond delay="0"/>
                             </p:stCondLst>
                             <p:childTnLst>
                               <p:par>
-                                <p:cTn fill="hold" id="21" nodeType="clickEffect" presetClass="entr" presetID="1">
+                                <p:cTn fill="hold" id="23" nodeType="clickEffect" presetClass="entr" presetID="1">
                                   <p:stCondLst>
                                     <p:cond delay="0"/>
                                   </p:stCondLst>
                                   <p:childTnLst>
                                     <p:set>
                                       <p:cBhvr>
-                                        <p:cTn dur="1" fill="hold" id="22">
+                                        <p:cTn dur="1" fill="hold" id="24">
                                           <p:stCondLst>
                                             <p:cond delay="0"/>
                                           </p:stCondLst>
                                         </p:cTn>
                                         <p:tgtEl>
-                                          <p:spTgt spid="164">
+                                          <p:spTgt spid="106">
                                             <p:txEl>
-                                              <p:pRg end="220" st="160"/>
+                                              <p:pRg end="243" st="243"/>
                                             </p:txEl>
                                           </p:spTgt>
                                         </p:tgtEl>
@@ -10301,34 +7863,34 @@
                     </p:cTn>
                   </p:par>
                   <p:par>
-                    <p:cTn fill="hold" id="23">
+                    <p:cTn fill="hold" id="25">
                       <p:stCondLst>
                         <p:cond delay="indefinite"/>
                       </p:stCondLst>
                       <p:childTnLst>
                         <p:par>
-                          <p:cTn fill="hold" id="24">
+                          <p:cTn fill="hold" id="26">
                             <p:stCondLst>
                               <p:cond delay="0"/>
                             </p:stCondLst>
                             <p:childTnLst>
                               <p:par>
-                                <p:cTn fill="hold" id="25" nodeType="clickEffect" presetClass="entr" presetID="1">
+                                <p:cTn fill="hold" id="27" nodeType="clickEffect" presetClass="entr" presetID="1">
                                   <p:stCondLst>
                                     <p:cond delay="0"/>
                                   </p:stCondLst>
                                   <p:childTnLst>
                                     <p:set>
                                       <p:cBhvr>
-                                        <p:cTn dur="1" fill="hold" id="26">
+                                        <p:cTn dur="1" fill="hold" id="28">
                                           <p:stCondLst>
                                             <p:cond delay="0"/>
                                           </p:stCondLst>
                                         </p:cTn>
                                         <p:tgtEl>
-                                          <p:spTgt spid="164">
+                                          <p:spTgt spid="106">
                                             <p:txEl>
-                                              <p:pRg end="242" st="221"/>
+                                              <p:pRg end="243" st="243"/>
                                             </p:txEl>
                                           </p:spTgt>
                                         </p:tgtEl>
@@ -10393,14 +7955,14 @@
       </p:grpSpPr>
       <p:sp>
         <p:nvSpPr>
-          <p:cNvPr id="165" name="TextShape 1"/>
-          <p:cNvSpPr txBox="1"/>
+          <p:cNvPr id="107" name="CustomShape 1"/>
+          <p:cNvSpPr/>
           <p:nvPr/>
         </p:nvSpPr>
         <p:spPr>
           <a:xfrm>
             <a:off x="457200" y="704160"/>
-            <a:ext cx="8229240" cy="591120"/>
+            <a:ext cx="8228880" cy="590760"/>
           </a:xfrm>
           <a:prstGeom prst="rect">
             <a:avLst/>
@@ -10429,14 +7991,14 @@
       </p:sp>
       <p:sp>
         <p:nvSpPr>
-          <p:cNvPr id="166" name="TextShape 2"/>
-          <p:cNvSpPr txBox="1"/>
+          <p:cNvPr id="108" name="CustomShape 2"/>
+          <p:cNvSpPr/>
           <p:nvPr/>
         </p:nvSpPr>
         <p:spPr>
           <a:xfrm>
             <a:off x="457200" y="1523880"/>
-            <a:ext cx="8229240" cy="4800240"/>
+            <a:ext cx="8228880" cy="4799880"/>
           </a:xfrm>
           <a:prstGeom prst="rect">
             <a:avLst/>
@@ -10502,7 +8064,7 @@
               </a:lnSpc>
               <a:buSzPct val="25000"/>
               <a:buFont typeface="StarSymbol"/>
-              <a:buChar char=""/>
+              <a:buChar char="l"/>
             </a:pPr>
             <a:r>
               <a:rPr lang="en-US" sz="2400">
@@ -10522,7 +8084,7 @@
               </a:lnSpc>
               <a:buSzPct val="25000"/>
               <a:buFont typeface="StarSymbol"/>
-              <a:buChar char=""/>
+              <a:buChar char="l"/>
             </a:pPr>
             <a:r>
               <a:rPr lang="en-US" sz="2400">
@@ -10536,6 +8098,11 @@
             <a:endParaRPr/>
           </a:p>
           <a:p>
+            <a:pPr>
+              <a:lnSpc>
+                <a:spcPct val="100000"/>
+              </a:lnSpc>
+            </a:pPr>
             <a:endParaRPr/>
           </a:p>
           <a:p>
@@ -10578,40 +8145,40 @@
   <p:timing>
     <p:tnLst>
       <p:par>
-        <p:cTn dur="indefinite" id="27" nodeType="tmRoot" restart="never">
+        <p:cTn dur="indefinite" id="29" nodeType="tmRoot" restart="never">
           <p:childTnLst>
             <p:seq>
-              <p:cTn dur="indefinite" id="28" nodeType="mainSeq">
+              <p:cTn dur="indefinite" id="30" nodeType="mainSeq">
                 <p:childTnLst>
                   <p:par>
-                    <p:cTn fill="hold" id="29">
+                    <p:cTn fill="hold" id="31">
                       <p:stCondLst>
                         <p:cond delay="indefinite"/>
                       </p:stCondLst>
                       <p:childTnLst>
                         <p:par>
-                          <p:cTn fill="hold" id="30">
+                          <p:cTn fill="hold" id="32">
                             <p:stCondLst>
                               <p:cond delay="0"/>
                             </p:stCondLst>
                             <p:childTnLst>
                               <p:par>
-                                <p:cTn fill="hold" id="31" nodeType="clickEffect" presetClass="entr" presetID="1">
+                                <p:cTn fill="hold" id="33" nodeType="clickEffect" presetClass="entr" presetID="1">
                                   <p:stCondLst>
                                     <p:cond delay="0"/>
                                   </p:stCondLst>
                                   <p:childTnLst>
                                     <p:set>
                                       <p:cBhvr>
-                                        <p:cTn dur="1" fill="hold" id="32">
+                                        <p:cTn dur="1" fill="hold" id="34">
                                           <p:stCondLst>
                                             <p:cond delay="0"/>
                                           </p:stCondLst>
                                         </p:cTn>
                                         <p:tgtEl>
-                                          <p:spTgt spid="166">
+                                          <p:spTgt spid="108">
                                             <p:txEl>
-                                              <p:pRg end="177" st="151"/>
+                                              <p:pRg end="347" st="347"/>
                                             </p:txEl>
                                           </p:spTgt>
                                         </p:tgtEl>
@@ -10633,34 +8200,34 @@
                     </p:cTn>
                   </p:par>
                   <p:par>
-                    <p:cTn fill="hold" id="33">
+                    <p:cTn fill="hold" id="35">
                       <p:stCondLst>
                         <p:cond delay="indefinite"/>
                       </p:stCondLst>
                       <p:childTnLst>
                         <p:par>
-                          <p:cTn fill="hold" id="34">
+                          <p:cTn fill="hold" id="36">
                             <p:stCondLst>
                               <p:cond delay="0"/>
                             </p:stCondLst>
                             <p:childTnLst>
                               <p:par>
-                                <p:cTn fill="hold" id="35" nodeType="clickEffect" presetClass="entr" presetID="1">
+                                <p:cTn fill="hold" id="37" nodeType="clickEffect" presetClass="entr" presetID="1">
                                   <p:stCondLst>
                                     <p:cond delay="0"/>
                                   </p:stCondLst>
                                   <p:childTnLst>
                                     <p:set>
                                       <p:cBhvr>
-                                        <p:cTn dur="1" fill="hold" id="36">
+                                        <p:cTn dur="1" fill="hold" id="38">
                                           <p:stCondLst>
                                             <p:cond delay="0"/>
                                           </p:stCondLst>
                                         </p:cTn>
                                         <p:tgtEl>
-                                          <p:spTgt spid="166">
+                                          <p:spTgt spid="108">
                                             <p:txEl>
-                                              <p:pRg end="218" st="177"/>
+                                              <p:pRg end="347" st="347"/>
                                             </p:txEl>
                                           </p:spTgt>
                                         </p:tgtEl>
@@ -10682,34 +8249,34 @@
                     </p:cTn>
                   </p:par>
                   <p:par>
-                    <p:cTn fill="hold" id="37">
+                    <p:cTn fill="hold" id="39">
                       <p:stCondLst>
                         <p:cond delay="indefinite"/>
                       </p:stCondLst>
                       <p:childTnLst>
                         <p:par>
-                          <p:cTn fill="hold" id="38">
+                          <p:cTn fill="hold" id="40">
                             <p:stCondLst>
                               <p:cond delay="0"/>
                             </p:stCondLst>
                             <p:childTnLst>
                               <p:par>
-                                <p:cTn fill="hold" id="39" nodeType="clickEffect" presetClass="entr" presetID="1">
+                                <p:cTn fill="hold" id="41" nodeType="clickEffect" presetClass="entr" presetID="1">
                                   <p:stCondLst>
                                     <p:cond delay="0"/>
                                   </p:stCondLst>
                                   <p:childTnLst>
                                     <p:set>
                                       <p:cBhvr>
-                                        <p:cTn dur="1" fill="hold" id="40">
+                                        <p:cTn dur="1" fill="hold" id="42">
                                           <p:stCondLst>
                                             <p:cond delay="0"/>
                                           </p:stCondLst>
                                         </p:cTn>
                                         <p:tgtEl>
-                                          <p:spTgt spid="166">
+                                          <p:spTgt spid="108">
                                             <p:txEl>
-                                              <p:pRg end="316" st="218"/>
+                                              <p:pRg end="347" st="347"/>
                                             </p:txEl>
                                           </p:spTgt>
                                         </p:tgtEl>
@@ -10731,34 +8298,34 @@
                     </p:cTn>
                   </p:par>
                   <p:par>
-                    <p:cTn fill="hold" id="41">
+                    <p:cTn fill="hold" id="43">
                       <p:stCondLst>
                         <p:cond delay="indefinite"/>
                       </p:stCondLst>
                       <p:childTnLst>
                         <p:par>
-                          <p:cTn fill="hold" id="42">
+                          <p:cTn fill="hold" id="44">
                             <p:stCondLst>
                               <p:cond delay="0"/>
                             </p:stCondLst>
                             <p:childTnLst>
                               <p:par>
-                                <p:cTn fill="hold" id="43" nodeType="clickEffect" presetClass="entr" presetID="1">
+                                <p:cTn fill="hold" id="45" nodeType="clickEffect" presetClass="entr" presetID="1">
                                   <p:stCondLst>
                                     <p:cond delay="0"/>
                                   </p:stCondLst>
                                   <p:childTnLst>
                                     <p:set>
                                       <p:cBhvr>
-                                        <p:cTn dur="1" fill="hold" id="44">
+                                        <p:cTn dur="1" fill="hold" id="46">
                                           <p:stCondLst>
                                             <p:cond delay="0"/>
                                           </p:stCondLst>
                                         </p:cTn>
                                         <p:tgtEl>
-                                          <p:spTgt spid="166">
+                                          <p:spTgt spid="108">
                                             <p:txEl>
-                                              <p:pRg end="345" st="317"/>
+                                              <p:pRg end="347" st="347"/>
                                             </p:txEl>
                                           </p:spTgt>
                                         </p:tgtEl>
@@ -10823,14 +8390,14 @@
       </p:grpSpPr>
       <p:sp>
         <p:nvSpPr>
-          <p:cNvPr id="167" name="TextShape 1"/>
-          <p:cNvSpPr txBox="1"/>
+          <p:cNvPr id="109" name="CustomShape 1"/>
+          <p:cNvSpPr/>
           <p:nvPr/>
         </p:nvSpPr>
         <p:spPr>
           <a:xfrm>
             <a:off x="457200" y="704160"/>
-            <a:ext cx="8229240" cy="819720"/>
+            <a:ext cx="8228880" cy="819360"/>
           </a:xfrm>
           <a:prstGeom prst="rect">
             <a:avLst/>
@@ -10859,14 +8426,14 @@
       </p:sp>
       <p:sp>
         <p:nvSpPr>
-          <p:cNvPr id="168" name="TextShape 2"/>
-          <p:cNvSpPr txBox="1"/>
+          <p:cNvPr id="110" name="CustomShape 2"/>
+          <p:cNvSpPr/>
           <p:nvPr/>
         </p:nvSpPr>
         <p:spPr>
           <a:xfrm>
             <a:off x="457200" y="1752480"/>
-            <a:ext cx="8229240" cy="4571640"/>
+            <a:ext cx="8228880" cy="4571280"/>
           </a:xfrm>
           <a:prstGeom prst="rect">
             <a:avLst/>
@@ -11009,38 +8576,38 @@
   <p:timing>
     <p:tnLst>
       <p:par>
-        <p:cTn dur="indefinite" id="45" nodeType="tmRoot" restart="never">
+        <p:cTn dur="indefinite" id="47" nodeType="tmRoot" restart="never">
           <p:childTnLst>
             <p:seq>
-              <p:cTn dur="indefinite" id="46" nodeType="mainSeq">
+              <p:cTn dur="indefinite" id="48" nodeType="mainSeq">
                 <p:childTnLst>
                   <p:par>
-                    <p:cTn fill="hold" id="47">
+                    <p:cTn fill="hold" id="49">
                       <p:stCondLst>
                         <p:cond delay="indefinite"/>
                       </p:stCondLst>
                       <p:childTnLst>
                         <p:par>
-                          <p:cTn fill="hold" id="48">
+                          <p:cTn fill="hold" id="50">
                             <p:stCondLst>
                               <p:cond delay="0"/>
                             </p:stCondLst>
                             <p:childTnLst>
                               <p:par>
-                                <p:cTn fill="hold" id="49" nodeType="clickEffect" presetClass="entr" presetID="1">
+                                <p:cTn fill="hold" id="51" nodeType="clickEffect" presetClass="entr" presetID="1">
                                   <p:stCondLst>
                                     <p:cond delay="0"/>
                                   </p:stCondLst>
                                   <p:childTnLst>
                                     <p:set>
                                       <p:cBhvr>
-                                        <p:cTn dur="1" fill="hold" id="50">
+                                        <p:cTn dur="1" fill="hold" id="52">
                                           <p:stCondLst>
                                             <p:cond delay="0"/>
                                           </p:stCondLst>
                                         </p:cTn>
                                         <p:tgtEl>
-                                          <p:spTgt spid="168">
+                                          <p:spTgt spid="110">
                                             <p:txEl>
                                               <p:pRg end="57" st="0"/>
                                             </p:txEl>
@@ -11064,34 +8631,34 @@
                     </p:cTn>
                   </p:par>
                   <p:par>
-                    <p:cTn fill="hold" id="51">
+                    <p:cTn fill="hold" id="53">
                       <p:stCondLst>
                         <p:cond delay="indefinite"/>
                       </p:stCondLst>
                       <p:childTnLst>
                         <p:par>
-                          <p:cTn fill="hold" id="52">
+                          <p:cTn fill="hold" id="54">
                             <p:stCondLst>
                               <p:cond delay="0"/>
                             </p:stCondLst>
                             <p:childTnLst>
                               <p:par>
-                                <p:cTn fill="hold" id="53" nodeType="clickEffect" presetClass="entr" presetID="1">
+                                <p:cTn fill="hold" id="55" nodeType="clickEffect" presetClass="entr" presetID="1">
                                   <p:stCondLst>
                                     <p:cond delay="0"/>
                                   </p:stCondLst>
                                   <p:childTnLst>
                                     <p:set>
                                       <p:cBhvr>
-                                        <p:cTn dur="1" fill="hold" id="54">
+                                        <p:cTn dur="1" fill="hold" id="56">
                                           <p:stCondLst>
                                             <p:cond delay="0"/>
                                           </p:stCondLst>
                                         </p:cTn>
                                         <p:tgtEl>
-                                          <p:spTgt spid="168">
+                                          <p:spTgt spid="110">
                                             <p:txEl>
-                                              <p:pRg end="132" st="58"/>
+                                              <p:pRg end="337" st="337"/>
                                             </p:txEl>
                                           </p:spTgt>
                                         </p:tgtEl>
@@ -11113,34 +8680,34 @@
                     </p:cTn>
                   </p:par>
                   <p:par>
-                    <p:cTn fill="hold" id="55">
+                    <p:cTn fill="hold" id="57">
                       <p:stCondLst>
                         <p:cond delay="indefinite"/>
                       </p:stCondLst>
                       <p:childTnLst>
                         <p:par>
-                          <p:cTn fill="hold" id="56">
+                          <p:cTn fill="hold" id="58">
                             <p:stCondLst>
                               <p:cond delay="0"/>
                             </p:stCondLst>
                             <p:childTnLst>
                               <p:par>
-                                <p:cTn fill="hold" id="57" nodeType="clickEffect" presetClass="entr" presetID="1">
+                                <p:cTn fill="hold" id="59" nodeType="clickEffect" presetClass="entr" presetID="1">
                                   <p:stCondLst>
                                     <p:cond delay="0"/>
                                   </p:stCondLst>
                                   <p:childTnLst>
                                     <p:set>
                                       <p:cBhvr>
-                                        <p:cTn dur="1" fill="hold" id="58">
+                                        <p:cTn dur="1" fill="hold" id="60">
                                           <p:stCondLst>
                                             <p:cond delay="0"/>
                                           </p:stCondLst>
                                         </p:cTn>
                                         <p:tgtEl>
-                                          <p:spTgt spid="168">
+                                          <p:spTgt spid="110">
                                             <p:txEl>
-                                              <p:pRg end="240" st="132"/>
+                                              <p:pRg end="337" st="337"/>
                                             </p:txEl>
                                           </p:spTgt>
                                         </p:tgtEl>
@@ -11162,34 +8729,34 @@
                     </p:cTn>
                   </p:par>
                   <p:par>
-                    <p:cTn fill="hold" id="59">
+                    <p:cTn fill="hold" id="61">
                       <p:stCondLst>
                         <p:cond delay="indefinite"/>
                       </p:stCondLst>
                       <p:childTnLst>
                         <p:par>
-                          <p:cTn fill="hold" id="60">
+                          <p:cTn fill="hold" id="62">
                             <p:stCondLst>
                               <p:cond delay="0"/>
                             </p:stCondLst>
                             <p:childTnLst>
                               <p:par>
-                                <p:cTn fill="hold" id="61" nodeType="clickEffect" presetClass="entr" presetID="1">
+                                <p:cTn fill="hold" id="63" nodeType="clickEffect" presetClass="entr" presetID="1">
                                   <p:stCondLst>
                                     <p:cond delay="0"/>
                                   </p:stCondLst>
                                   <p:childTnLst>
                                     <p:set>
                                       <p:cBhvr>
-                                        <p:cTn dur="1" fill="hold" id="62">
+                                        <p:cTn dur="1" fill="hold" id="64">
                                           <p:stCondLst>
                                             <p:cond delay="0"/>
                                           </p:stCondLst>
                                         </p:cTn>
                                         <p:tgtEl>
-                                          <p:spTgt spid="168">
+                                          <p:spTgt spid="110">
                                             <p:txEl>
-                                              <p:pRg end="335" st="240"/>
+                                              <p:pRg end="337" st="337"/>
                                             </p:txEl>
                                           </p:spTgt>
                                         </p:tgtEl>
@@ -11254,14 +8821,14 @@
       </p:grpSpPr>
       <p:sp>
         <p:nvSpPr>
-          <p:cNvPr id="169" name="TextShape 1"/>
-          <p:cNvSpPr txBox="1"/>
+          <p:cNvPr id="111" name="CustomShape 1"/>
+          <p:cNvSpPr/>
           <p:nvPr/>
         </p:nvSpPr>
         <p:spPr>
           <a:xfrm>
             <a:off x="457200" y="1219320"/>
-            <a:ext cx="8229240" cy="5105160"/>
+            <a:ext cx="8228880" cy="5104800"/>
           </a:xfrm>
           <a:prstGeom prst="rect">
             <a:avLst/>
@@ -11363,7 +8930,7 @@
               </a:lnSpc>
               <a:buSzPct val="25000"/>
               <a:buFont typeface="StarSymbol"/>
-              <a:buChar char=""/>
+              <a:buChar char="l"/>
             </a:pPr>
             <a:r>
               <a:rPr lang="en-US" sz="2400">
@@ -11383,7 +8950,7 @@
               </a:lnSpc>
               <a:buSzPct val="25000"/>
               <a:buFont typeface="StarSymbol"/>
-              <a:buChar char=""/>
+              <a:buChar char="l"/>
             </a:pPr>
             <a:r>
               <a:rPr lang="en-US" sz="2400">
@@ -11397,6 +8964,11 @@
             <a:endParaRPr/>
           </a:p>
           <a:p>
+            <a:pPr>
+              <a:lnSpc>
+                <a:spcPct val="100000"/>
+              </a:lnSpc>
+            </a:pPr>
             <a:endParaRPr/>
           </a:p>
           <a:p>
@@ -11432,7 +9004,7 @@
               </a:lnSpc>
               <a:buSzPct val="25000"/>
               <a:buFont typeface="StarSymbol"/>
-              <a:buChar char=""/>
+              <a:buChar char="l"/>
             </a:pPr>
             <a:r>
               <a:rPr lang="en-US" sz="2400">
@@ -11452,7 +9024,7 @@
               </a:lnSpc>
               <a:buSzPct val="25000"/>
               <a:buFont typeface="StarSymbol"/>
-              <a:buChar char=""/>
+              <a:buChar char="l"/>
             </a:pPr>
             <a:r>
               <a:rPr lang="en-US" sz="2400">
@@ -11466,9 +9038,6 @@
             <a:endParaRPr/>
           </a:p>
           <a:p>
-            <a:endParaRPr/>
-          </a:p>
-          <a:p>
             <a:pPr>
               <a:lnSpc>
                 <a:spcPct val="100000"/>
@@ -11516,18 +9085,26 @@
             </a:pPr>
             <a:endParaRPr/>
           </a:p>
-        </p:txBody>
-      </p:sp>
-      <p:sp>
-        <p:nvSpPr>
-          <p:cNvPr id="170" name="TextShape 2"/>
-          <p:cNvSpPr txBox="1"/>
+          <a:p>
+            <a:pPr>
+              <a:lnSpc>
+                <a:spcPct val="100000"/>
+              </a:lnSpc>
+            </a:pPr>
+            <a:endParaRPr/>
+          </a:p>
+        </p:txBody>
+      </p:sp>
+      <p:sp>
+        <p:nvSpPr>
+          <p:cNvPr id="112" name="CustomShape 2"/>
+          <p:cNvSpPr/>
           <p:nvPr/>
         </p:nvSpPr>
         <p:spPr>
           <a:xfrm>
             <a:off x="380880" y="609480"/>
-            <a:ext cx="8229240" cy="533160"/>
+            <a:ext cx="8228880" cy="532800"/>
           </a:xfrm>
           <a:prstGeom prst="rect">
             <a:avLst/>
@@ -11559,40 +9136,40 @@
   <p:timing>
     <p:tnLst>
       <p:par>
-        <p:cTn dur="indefinite" id="63" nodeType="tmRoot" restart="never">
+        <p:cTn dur="indefinite" id="65" nodeType="tmRoot" restart="never">
           <p:childTnLst>
             <p:seq>
-              <p:cTn dur="indefinite" id="64" nodeType="mainSeq">
+              <p:cTn dur="indefinite" id="66" nodeType="mainSeq">
                 <p:childTnLst>
                   <p:par>
-                    <p:cTn fill="hold" id="65">
+                    <p:cTn fill="hold" id="67">
                       <p:stCondLst>
                         <p:cond delay="indefinite"/>
                       </p:stCondLst>
                       <p:childTnLst>
                         <p:par>
-                          <p:cTn fill="hold" id="66">
+                          <p:cTn fill="hold" id="68">
                             <p:stCondLst>
                               <p:cond delay="0"/>
                             </p:stCondLst>
                             <p:childTnLst>
                               <p:par>
-                                <p:cTn fill="hold" id="67" nodeType="clickEffect" presetClass="entr" presetID="1">
+                                <p:cTn fill="hold" id="69" nodeType="clickEffect" presetClass="entr" presetID="1">
                                   <p:stCondLst>
                                     <p:cond delay="0"/>
                                   </p:stCondLst>
                                   <p:childTnLst>
                                     <p:set>
                                       <p:cBhvr>
-                                        <p:cTn dur="1" fill="hold" id="68">
+                                        <p:cTn dur="1" fill="hold" id="70">
                                           <p:stCondLst>
                                             <p:cond delay="0"/>
                                           </p:stCondLst>
                                         </p:cTn>
                                         <p:tgtEl>
-                                          <p:spTgt spid="169">
+                                          <p:spTgt spid="111">
                                             <p:txEl>
-                                              <p:pRg end="97" st="41"/>
+                                              <p:pRg end="596" st="596"/>
                                             </p:txEl>
                                           </p:spTgt>
                                         </p:tgtEl>
@@ -11614,34 +9191,34 @@
                     </p:cTn>
                   </p:par>
                   <p:par>
-                    <p:cTn fill="hold" id="69">
+                    <p:cTn fill="hold" id="71">
                       <p:stCondLst>
                         <p:cond delay="indefinite"/>
                       </p:stCondLst>
                       <p:childTnLst>
                         <p:par>
-                          <p:cTn fill="hold" id="70">
+                          <p:cTn fill="hold" id="72">
                             <p:stCondLst>
                               <p:cond delay="0"/>
                             </p:stCondLst>
                             <p:childTnLst>
                               <p:par>
-                                <p:cTn fill="hold" id="71" nodeType="clickEffect" presetClass="entr" presetID="1">
+                                <p:cTn fill="hold" id="73" nodeType="clickEffect" presetClass="entr" presetID="1">
                                   <p:stCondLst>
                                     <p:cond delay="0"/>
                                   </p:stCondLst>
                                   <p:childTnLst>
                                     <p:set>
                                       <p:cBhvr>
-                                        <p:cTn dur="1" fill="hold" id="72">
+                                        <p:cTn dur="1" fill="hold" id="74">
                                           <p:stCondLst>
                                             <p:cond delay="0"/>
                                           </p:stCondLst>
                                         </p:cTn>
                                         <p:tgtEl>
-                                          <p:spTgt spid="169">
+                                          <p:spTgt spid="111">
                                             <p:txEl>
-                                              <p:pRg end="188" st="98"/>
+                                              <p:pRg end="596" st="596"/>
                                             </p:txEl>
                                           </p:spTgt>
                                         </p:tgtEl>
@@ -11663,34 +9240,34 @@
                     </p:cTn>
                   </p:par>
                   <p:par>
-                    <p:cTn fill="hold" id="73">
+                    <p:cTn fill="hold" id="75">
                       <p:stCondLst>
                         <p:cond delay="indefinite"/>
                       </p:stCondLst>
                       <p:childTnLst>
                         <p:par>
-                          <p:cTn fill="hold" id="74">
+                          <p:cTn fill="hold" id="76">
                             <p:stCondLst>
                               <p:cond delay="0"/>
                             </p:stCondLst>
                             <p:childTnLst>
                               <p:par>
-                                <p:cTn fill="hold" id="75" nodeType="clickEffect" presetClass="entr" presetID="1">
+                                <p:cTn fill="hold" id="77" nodeType="clickEffect" presetClass="entr" presetID="1">
                                   <p:stCondLst>
                                     <p:cond delay="0"/>
                                   </p:stCondLst>
                                   <p:childTnLst>
                                     <p:set>
                                       <p:cBhvr>
-                                        <p:cTn dur="1" fill="hold" id="76">
+                                        <p:cTn dur="1" fill="hold" id="78">
                                           <p:stCondLst>
                                             <p:cond delay="0"/>
                                           </p:stCondLst>
                                         </p:cTn>
                                         <p:tgtEl>
-                                          <p:spTgt spid="169">
+                                          <p:spTgt spid="111">
                                             <p:txEl>
-                                              <p:pRg end="200" st="189"/>
+                                              <p:pRg end="596" st="596"/>
                                             </p:txEl>
                                           </p:spTgt>
                                         </p:tgtEl>
@@ -11712,34 +9289,34 @@
                     </p:cTn>
                   </p:par>
                   <p:par>
-                    <p:cTn fill="hold" id="77">
+                    <p:cTn fill="hold" id="79">
                       <p:stCondLst>
                         <p:cond delay="indefinite"/>
                       </p:stCondLst>
                       <p:childTnLst>
                         <p:par>
-                          <p:cTn fill="hold" id="78">
+                          <p:cTn fill="hold" id="80">
                             <p:stCondLst>
                               <p:cond delay="0"/>
                             </p:stCondLst>
                             <p:childTnLst>
                               <p:par>
-                                <p:cTn fill="hold" id="79" nodeType="clickEffect" presetClass="entr" presetID="1">
+                                <p:cTn fill="hold" id="81" nodeType="clickEffect" presetClass="entr" presetID="1">
                                   <p:stCondLst>
                                     <p:cond delay="0"/>
                                   </p:stCondLst>
                                   <p:childTnLst>
                                     <p:set>
                                       <p:cBhvr>
-                                        <p:cTn dur="1" fill="hold" id="80">
+                                        <p:cTn dur="1" fill="hold" id="82">
                                           <p:stCondLst>
                                             <p:cond delay="0"/>
                                           </p:stCondLst>
                                         </p:cTn>
                                         <p:tgtEl>
-                                          <p:spTgt spid="169">
+                                          <p:spTgt spid="111">
                                             <p:txEl>
-                                              <p:pRg end="299" st="200"/>
+                                              <p:pRg end="596" st="596"/>
                                             </p:txEl>
                                           </p:spTgt>
                                         </p:tgtEl>
@@ -11761,34 +9338,34 @@
                     </p:cTn>
                   </p:par>
                   <p:par>
-                    <p:cTn fill="hold" id="81">
+                    <p:cTn fill="hold" id="83">
                       <p:stCondLst>
                         <p:cond delay="indefinite"/>
                       </p:stCondLst>
                       <p:childTnLst>
                         <p:par>
-                          <p:cTn fill="hold" id="82">
+                          <p:cTn fill="hold" id="84">
                             <p:stCondLst>
                               <p:cond delay="0"/>
                             </p:stCondLst>
                             <p:childTnLst>
                               <p:par>
-                                <p:cTn fill="hold" id="83" nodeType="clickEffect" presetClass="entr" presetID="1">
+                                <p:cTn fill="hold" id="85" nodeType="clickEffect" presetClass="entr" presetID="1">
                                   <p:stCondLst>
                                     <p:cond delay="0"/>
                                   </p:stCondLst>
                                   <p:childTnLst>
                                     <p:set>
                                       <p:cBhvr>
-                                        <p:cTn dur="1" fill="hold" id="84">
+                                        <p:cTn dur="1" fill="hold" id="86">
                                           <p:stCondLst>
                                             <p:cond delay="0"/>
                                           </p:stCondLst>
                                         </p:cTn>
                                         <p:tgtEl>
-                                          <p:spTgt spid="169">
+                                          <p:spTgt spid="111">
                                             <p:txEl>
-                                              <p:pRg end="437" st="299"/>
+                                              <p:pRg end="596" st="596"/>
                                             </p:txEl>
                                           </p:spTgt>
                                         </p:tgtEl>
@@ -11810,34 +9387,34 @@
                     </p:cTn>
                   </p:par>
                   <p:par>
-                    <p:cTn fill="hold" id="85">
+                    <p:cTn fill="hold" id="87">
                       <p:stCondLst>
                         <p:cond delay="indefinite"/>
                       </p:stCondLst>
                       <p:childTnLst>
                         <p:par>
-                          <p:cTn fill="hold" id="86">
+                          <p:cTn fill="hold" id="88">
                             <p:stCondLst>
                               <p:cond delay="0"/>
                             </p:stCondLst>
                             <p:childTnLst>
                               <p:par>
-                                <p:cTn fill="hold" id="87" nodeType="clickEffect" presetClass="entr" presetID="1">
+                                <p:cTn fill="hold" id="89" nodeType="clickEffect" presetClass="entr" presetID="1">
                                   <p:stCondLst>
                                     <p:cond delay="0"/>
                                   </p:stCondLst>
                                   <p:childTnLst>
                                     <p:set>
                                       <p:cBhvr>
-                                        <p:cTn dur="1" fill="hold" id="88">
+                                        <p:cTn dur="1" fill="hold" id="90">
                                           <p:stCondLst>
                                             <p:cond delay="0"/>
                                           </p:stCondLst>
                                         </p:cTn>
                                         <p:tgtEl>
-                                          <p:spTgt spid="169">
+                                          <p:spTgt spid="111">
                                             <p:txEl>
-                                              <p:pRg end="492" st="438"/>
+                                              <p:pRg end="596" st="596"/>
                                             </p:txEl>
                                           </p:spTgt>
                                         </p:tgtEl>
@@ -11859,34 +9436,34 @@
                     </p:cTn>
                   </p:par>
                   <p:par>
-                    <p:cTn fill="hold" id="89">
+                    <p:cTn fill="hold" id="91">
                       <p:stCondLst>
                         <p:cond delay="indefinite"/>
                       </p:stCondLst>
                       <p:childTnLst>
                         <p:par>
-                          <p:cTn fill="hold" id="90">
+                          <p:cTn fill="hold" id="92">
                             <p:stCondLst>
                               <p:cond delay="0"/>
                             </p:stCondLst>
                             <p:childTnLst>
                               <p:par>
-                                <p:cTn fill="hold" id="91" nodeType="clickEffect" presetClass="entr" presetID="1">
+                                <p:cTn fill="hold" id="93" nodeType="clickEffect" presetClass="entr" presetID="1">
                                   <p:stCondLst>
                                     <p:cond delay="0"/>
                                   </p:stCondLst>
                                   <p:childTnLst>
                                     <p:set>
                                       <p:cBhvr>
-                                        <p:cTn dur="1" fill="hold" id="92">
+                                        <p:cTn dur="1" fill="hold" id="94">
                                           <p:stCondLst>
                                             <p:cond delay="0"/>
                                           </p:stCondLst>
                                         </p:cTn>
                                         <p:tgtEl>
-                                          <p:spTgt spid="169">
+                                          <p:spTgt spid="111">
                                             <p:txEl>
-                                              <p:pRg end="550" st="492"/>
+                                              <p:pRg end="596" st="596"/>
                                             </p:txEl>
                                           </p:spTgt>
                                         </p:tgtEl>
@@ -11908,34 +9485,34 @@
                     </p:cTn>
                   </p:par>
                   <p:par>
-                    <p:cTn fill="hold" id="93">
+                    <p:cTn fill="hold" id="95">
                       <p:stCondLst>
                         <p:cond delay="indefinite"/>
                       </p:stCondLst>
                       <p:childTnLst>
                         <p:par>
-                          <p:cTn fill="hold" id="94">
+                          <p:cTn fill="hold" id="96">
                             <p:stCondLst>
                               <p:cond delay="0"/>
                             </p:stCondLst>
                             <p:childTnLst>
                               <p:par>
-                                <p:cTn fill="hold" id="95" nodeType="clickEffect" presetClass="entr" presetID="1">
+                                <p:cTn fill="hold" id="97" nodeType="clickEffect" presetClass="entr" presetID="1">
                                   <p:stCondLst>
                                     <p:cond delay="0"/>
                                   </p:stCondLst>
                                   <p:childTnLst>
                                     <p:set>
                                       <p:cBhvr>
-                                        <p:cTn dur="1" fill="hold" id="96">
+                                        <p:cTn dur="1" fill="hold" id="98">
                                           <p:stCondLst>
                                             <p:cond delay="0"/>
                                           </p:stCondLst>
                                         </p:cTn>
                                         <p:tgtEl>
-                                          <p:spTgt spid="169">
+                                          <p:spTgt spid="111">
                                             <p:txEl>
-                                              <p:pRg end="589" st="550"/>
+                                              <p:pRg end="596" st="596"/>
                                             </p:txEl>
                                           </p:spTgt>
                                         </p:tgtEl>
@@ -12000,14 +9577,14 @@
       </p:grpSpPr>
       <p:sp>
         <p:nvSpPr>
-          <p:cNvPr id="171" name="TextShape 1"/>
-          <p:cNvSpPr txBox="1"/>
+          <p:cNvPr id="113" name="CustomShape 1"/>
+          <p:cNvSpPr/>
           <p:nvPr/>
         </p:nvSpPr>
         <p:spPr>
           <a:xfrm>
             <a:off x="457200" y="704160"/>
-            <a:ext cx="8229240" cy="667080"/>
+            <a:ext cx="8228880" cy="666720"/>
           </a:xfrm>
           <a:prstGeom prst="rect">
             <a:avLst/>
@@ -12036,14 +9613,14 @@
       </p:sp>
       <p:sp>
         <p:nvSpPr>
-          <p:cNvPr id="172" name="TextShape 2"/>
-          <p:cNvSpPr txBox="1"/>
+          <p:cNvPr id="114" name="CustomShape 2"/>
+          <p:cNvSpPr/>
           <p:nvPr/>
         </p:nvSpPr>
         <p:spPr>
           <a:xfrm>
             <a:off x="457200" y="1447920"/>
-            <a:ext cx="4419360" cy="4906800"/>
+            <a:ext cx="4419000" cy="4906440"/>
           </a:xfrm>
           <a:prstGeom prst="rect">
             <a:avLst/>
@@ -12093,7 +9670,7 @@
               </a:lnSpc>
               <a:buSzPct val="25000"/>
               <a:buFont typeface="StarSymbol"/>
-              <a:buChar char=""/>
+              <a:buChar char="l"/>
             </a:pPr>
             <a:r>
               <a:rPr lang="en-US" sz="2400">
@@ -12113,7 +9690,7 @@
               </a:lnSpc>
               <a:buSzPct val="25000"/>
               <a:buFont typeface="StarSymbol"/>
-              <a:buChar char=""/>
+              <a:buChar char="l"/>
             </a:pPr>
             <a:r>
               <a:rPr lang="en-US" sz="2400">
@@ -12127,9 +9704,19 @@
             <a:endParaRPr/>
           </a:p>
           <a:p>
-            <a:endParaRPr/>
-          </a:p>
-          <a:p>
+            <a:pPr>
+              <a:lnSpc>
+                <a:spcPct val="100000"/>
+              </a:lnSpc>
+            </a:pPr>
+            <a:endParaRPr/>
+          </a:p>
+          <a:p>
+            <a:pPr>
+              <a:lnSpc>
+                <a:spcPct val="100000"/>
+              </a:lnSpc>
+            </a:pPr>
             <a:endParaRPr/>
           </a:p>
           <a:p>
@@ -12156,7 +9743,7 @@
       </p:sp>
       <p:pic>
         <p:nvPicPr>
-          <p:cNvPr descr="" id="173" name="Picture 2"/>
+          <p:cNvPr descr="" id="115" name="Picture 2"/>
           <p:cNvPicPr/>
           <p:nvPr/>
         </p:nvPicPr>
@@ -12169,7 +9756,7 @@
         <p:spPr>
           <a:xfrm>
             <a:off x="4876920" y="838080"/>
-            <a:ext cx="4123800" cy="5590800"/>
+            <a:ext cx="4123440" cy="5590440"/>
           </a:xfrm>
           <a:prstGeom prst="rect">
             <a:avLst/>
@@ -12181,40 +9768,40 @@
   <p:timing>
     <p:tnLst>
       <p:par>
-        <p:cTn dur="indefinite" id="97" nodeType="tmRoot" restart="never">
+        <p:cTn dur="indefinite" id="99" nodeType="tmRoot" restart="never">
           <p:childTnLst>
             <p:seq>
-              <p:cTn dur="indefinite" id="98" nodeType="mainSeq">
+              <p:cTn dur="indefinite" id="100" nodeType="mainSeq">
                 <p:childTnLst>
                   <p:par>
-                    <p:cTn fill="hold" id="99">
+                    <p:cTn fill="hold" id="101">
                       <p:stCondLst>
                         <p:cond delay="indefinite"/>
                       </p:stCondLst>
                       <p:childTnLst>
                         <p:par>
-                          <p:cTn fill="hold" id="100">
+                          <p:cTn fill="hold" id="102">
                             <p:stCondLst>
                               <p:cond delay="0"/>
                             </p:stCondLst>
                             <p:childTnLst>
                               <p:par>
-                                <p:cTn fill="hold" id="101" nodeType="clickEffect" presetClass="entr" presetID="1">
+                                <p:cTn fill="hold" id="103" nodeType="clickEffect" presetClass="entr" presetID="1">
                                   <p:stCondLst>
                                     <p:cond delay="0"/>
                                   </p:stCondLst>
                                   <p:childTnLst>
                                     <p:set>
                                       <p:cBhvr>
-                                        <p:cTn dur="1" fill="hold" id="102">
+                                        <p:cTn dur="1" fill="hold" id="104">
                                           <p:stCondLst>
                                             <p:cond delay="0"/>
                                           </p:stCondLst>
                                         </p:cTn>
                                         <p:tgtEl>
-                                          <p:spTgt spid="172">
+                                          <p:spTgt spid="114">
                                             <p:txEl>
-                                              <p:pRg end="131" st="50"/>
+                                              <p:pRg end="248" st="248"/>
                                             </p:txEl>
                                           </p:spTgt>
                                         </p:tgtEl>
@@ -12236,34 +9823,34 @@
                     </p:cTn>
                   </p:par>
                   <p:par>
-                    <p:cTn fill="hold" id="103">
+                    <p:cTn fill="hold" id="105">
                       <p:stCondLst>
                         <p:cond delay="indefinite"/>
                       </p:stCondLst>
                       <p:childTnLst>
                         <p:par>
-                          <p:cTn fill="hold" id="104">
+                          <p:cTn fill="hold" id="106">
                             <p:stCondLst>
                               <p:cond delay="0"/>
                             </p:stCondLst>
                             <p:childTnLst>
                               <p:par>
-                                <p:cTn fill="hold" id="105" nodeType="clickEffect" presetClass="entr" presetID="1">
+                                <p:cTn fill="hold" id="107" nodeType="clickEffect" presetClass="entr" presetID="1">
                                   <p:stCondLst>
                                     <p:cond delay="0"/>
                                   </p:stCondLst>
                                   <p:childTnLst>
                                     <p:set>
                                       <p:cBhvr>
-                                        <p:cTn dur="1" fill="hold" id="106">
+                                        <p:cTn dur="1" fill="hold" id="108">
                                           <p:stCondLst>
                                             <p:cond delay="0"/>
                                           </p:stCondLst>
                                         </p:cTn>
                                         <p:tgtEl>
-                                          <p:spTgt spid="172">
+                                          <p:spTgt spid="114">
                                             <p:txEl>
-                                              <p:pRg end="179" st="131"/>
+                                              <p:pRg end="248" st="248"/>
                                             </p:txEl>
                                           </p:spTgt>
                                         </p:tgtEl>
@@ -12285,34 +9872,34 @@
                     </p:cTn>
                   </p:par>
                   <p:par>
-                    <p:cTn fill="hold" id="107">
+                    <p:cTn fill="hold" id="109">
                       <p:stCondLst>
                         <p:cond delay="indefinite"/>
                       </p:stCondLst>
                       <p:childTnLst>
                         <p:par>
-                          <p:cTn fill="hold" id="108">
+                          <p:cTn fill="hold" id="110">
                             <p:stCondLst>
                               <p:cond delay="0"/>
                             </p:stCondLst>
                             <p:childTnLst>
                               <p:par>
-                                <p:cTn fill="hold" id="109" nodeType="clickEffect" presetClass="entr" presetID="1">
+                                <p:cTn fill="hold" id="111" nodeType="clickEffect" presetClass="entr" presetID="1">
                                   <p:stCondLst>
                                     <p:cond delay="0"/>
                                   </p:stCondLst>
                                   <p:childTnLst>
                                     <p:set>
                                       <p:cBhvr>
-                                        <p:cTn dur="1" fill="hold" id="110">
+                                        <p:cTn dur="1" fill="hold" id="112">
                                           <p:stCondLst>
                                             <p:cond delay="0"/>
                                           </p:stCondLst>
                                         </p:cTn>
                                         <p:tgtEl>
-                                          <p:spTgt spid="172">
+                                          <p:spTgt spid="114">
                                             <p:txEl>
-                                              <p:pRg end="248" st="181"/>
+                                              <p:pRg end="248" st="248"/>
                                             </p:txEl>
                                           </p:spTgt>
                                         </p:tgtEl>
@@ -12377,14 +9964,14 @@
       </p:grpSpPr>
       <p:sp>
         <p:nvSpPr>
-          <p:cNvPr id="174" name="TextShape 1"/>
-          <p:cNvSpPr txBox="1"/>
+          <p:cNvPr id="116" name="CustomShape 1"/>
+          <p:cNvSpPr/>
           <p:nvPr/>
         </p:nvSpPr>
         <p:spPr>
           <a:xfrm>
             <a:off x="457200" y="704160"/>
-            <a:ext cx="8229240" cy="667080"/>
+            <a:ext cx="8228880" cy="666720"/>
           </a:xfrm>
           <a:prstGeom prst="rect">
             <a:avLst/>
@@ -12413,14 +10000,14 @@
       </p:sp>
       <p:sp>
         <p:nvSpPr>
-          <p:cNvPr id="175" name="TextShape 2"/>
-          <p:cNvSpPr txBox="1"/>
+          <p:cNvPr id="117" name="CustomShape 2"/>
+          <p:cNvSpPr/>
           <p:nvPr/>
         </p:nvSpPr>
         <p:spPr>
           <a:xfrm>
             <a:off x="228600" y="1466640"/>
-            <a:ext cx="3123720" cy="4906800"/>
+            <a:ext cx="3123360" cy="4906440"/>
           </a:xfrm>
           <a:prstGeom prst="rect">
             <a:avLst/>
@@ -12514,7 +10101,7 @@
       </p:sp>
       <p:pic>
         <p:nvPicPr>
-          <p:cNvPr descr="" id="176" name="Picture 2"/>
+          <p:cNvPr descr="" id="118" name="Picture 2"/>
           <p:cNvPicPr/>
           <p:nvPr/>
         </p:nvPicPr>
@@ -12527,7 +10114,7 @@
         <p:spPr>
           <a:xfrm>
             <a:off x="3429000" y="1563480"/>
-            <a:ext cx="5484600" cy="4295160"/>
+            <a:ext cx="5484240" cy="4294800"/>
           </a:xfrm>
           <a:prstGeom prst="rect">
             <a:avLst/>
@@ -12539,40 +10126,40 @@
   <p:timing>
     <p:tnLst>
       <p:par>
-        <p:cTn dur="indefinite" id="111" nodeType="tmRoot" restart="never">
+        <p:cTn dur="indefinite" id="113" nodeType="tmRoot" restart="never">
           <p:childTnLst>
             <p:seq>
-              <p:cTn dur="indefinite" id="112" nodeType="mainSeq">
+              <p:cTn dur="indefinite" id="114" nodeType="mainSeq">
                 <p:childTnLst>
                   <p:par>
-                    <p:cTn fill="hold" id="113">
+                    <p:cTn fill="hold" id="115">
                       <p:stCondLst>
                         <p:cond delay="indefinite"/>
                       </p:stCondLst>
                       <p:childTnLst>
                         <p:par>
-                          <p:cTn fill="hold" id="114">
+                          <p:cTn fill="hold" id="116">
                             <p:stCondLst>
                               <p:cond delay="0"/>
                             </p:stCondLst>
                             <p:childTnLst>
                               <p:par>
-                                <p:cTn fill="hold" id="115" nodeType="clickEffect" presetClass="entr" presetID="1">
+                                <p:cTn fill="hold" id="117" nodeType="clickEffect" presetClass="entr" presetID="1">
                                   <p:stCondLst>
                                     <p:cond delay="0"/>
                                   </p:stCondLst>
                                   <p:childTnLst>
                                     <p:set>
                                       <p:cBhvr>
-                                        <p:cTn dur="1" fill="hold" id="116">
+                                        <p:cTn dur="1" fill="hold" id="118">
                                           <p:stCondLst>
                                             <p:cond delay="0"/>
                                           </p:stCondLst>
                                         </p:cTn>
                                         <p:tgtEl>
-                                          <p:spTgt spid="175">
+                                          <p:spTgt spid="117">
                                             <p:txEl>
-                                              <p:pRg end="91" st="21"/>
+                                              <p:pRg end="187" st="187"/>
                                             </p:txEl>
                                           </p:spTgt>
                                         </p:tgtEl>
@@ -12594,34 +10181,34 @@
                     </p:cTn>
                   </p:par>
                   <p:par>
-                    <p:cTn fill="hold" id="117">
+                    <p:cTn fill="hold" id="119">
                       <p:stCondLst>
                         <p:cond delay="indefinite"/>
                       </p:stCondLst>
                       <p:childTnLst>
                         <p:par>
-                          <p:cTn fill="hold" id="118">
+                          <p:cTn fill="hold" id="120">
                             <p:stCondLst>
                               <p:cond delay="0"/>
                             </p:stCondLst>
                             <p:childTnLst>
                               <p:par>
-                                <p:cTn fill="hold" id="119" nodeType="clickEffect" presetClass="entr" presetID="1">
+                                <p:cTn fill="hold" id="121" nodeType="clickEffect" presetClass="entr" presetID="1">
                                   <p:stCondLst>
                                     <p:cond delay="0"/>
                                   </p:stCondLst>
                                   <p:childTnLst>
                                     <p:set>
                                       <p:cBhvr>
-                                        <p:cTn dur="1" fill="hold" id="120">
+                                        <p:cTn dur="1" fill="hold" id="122">
                                           <p:stCondLst>
                                             <p:cond delay="0"/>
                                           </p:stCondLst>
                                         </p:cTn>
                                         <p:tgtEl>
-                                          <p:spTgt spid="175">
+                                          <p:spTgt spid="117">
                                             <p:txEl>
-                                              <p:pRg end="186" st="92"/>
+                                              <p:pRg end="187" st="187"/>
                                             </p:txEl>
                                           </p:spTgt>
                                         </p:tgtEl>
@@ -12686,14 +10273,14 @@
       </p:grpSpPr>
       <p:sp>
         <p:nvSpPr>
-          <p:cNvPr id="177" name="TextShape 1"/>
-          <p:cNvSpPr txBox="1"/>
+          <p:cNvPr id="119" name="CustomShape 1"/>
+          <p:cNvSpPr/>
           <p:nvPr/>
         </p:nvSpPr>
         <p:spPr>
           <a:xfrm>
             <a:off x="457200" y="704160"/>
-            <a:ext cx="8229240" cy="591120"/>
+            <a:ext cx="8228880" cy="590760"/>
           </a:xfrm>
           <a:prstGeom prst="rect">
             <a:avLst/>
@@ -12722,14 +10309,14 @@
       </p:sp>
       <p:sp>
         <p:nvSpPr>
-          <p:cNvPr id="178" name="TextShape 2"/>
-          <p:cNvSpPr txBox="1"/>
+          <p:cNvPr id="120" name="CustomShape 2"/>
+          <p:cNvSpPr/>
           <p:nvPr/>
         </p:nvSpPr>
         <p:spPr>
           <a:xfrm>
             <a:off x="457200" y="1447920"/>
-            <a:ext cx="8229240" cy="4876560"/>
+            <a:ext cx="8228880" cy="4876200"/>
           </a:xfrm>
           <a:prstGeom prst="rect">
             <a:avLst/>
@@ -12855,11 +10442,11 @@
             <a:endParaRPr/>
           </a:p>
           <a:p>
-            <a:pPr lvl="2">
-              <a:lnSpc>
-                <a:spcPct val="100000"/>
-              </a:lnSpc>
-              <a:buSzPct val="25000"/>
+            <a:pPr lvl="1">
+              <a:lnSpc>
+                <a:spcPct val="100000"/>
+              </a:lnSpc>
+              <a:buSzPct val="45000"/>
               <a:buFont typeface="StarSymbol"/>
               <a:buChar char=""/>
             </a:pPr>
@@ -12875,11 +10462,11 @@
             <a:endParaRPr/>
           </a:p>
           <a:p>
-            <a:pPr lvl="2">
-              <a:lnSpc>
-                <a:spcPct val="100000"/>
-              </a:lnSpc>
-              <a:buSzPct val="25000"/>
+            <a:pPr lvl="1">
+              <a:lnSpc>
+                <a:spcPct val="100000"/>
+              </a:lnSpc>
+              <a:buSzPct val="45000"/>
               <a:buFont typeface="StarSymbol"/>
               <a:buChar char=""/>
             </a:pPr>
@@ -12915,11 +10502,11 @@
             <a:endParaRPr/>
           </a:p>
           <a:p>
-            <a:pPr lvl="2">
-              <a:lnSpc>
-                <a:spcPct val="100000"/>
-              </a:lnSpc>
-              <a:buSzPct val="25000"/>
+            <a:pPr lvl="1">
+              <a:lnSpc>
+                <a:spcPct val="100000"/>
+              </a:lnSpc>
+              <a:buSzPct val="45000"/>
               <a:buFont typeface="StarSymbol"/>
               <a:buChar char=""/>
             </a:pPr>
@@ -12935,11 +10522,11 @@
             <a:endParaRPr/>
           </a:p>
           <a:p>
-            <a:pPr lvl="2">
-              <a:lnSpc>
-                <a:spcPct val="100000"/>
-              </a:lnSpc>
-              <a:buSzPct val="25000"/>
+            <a:pPr lvl="1">
+              <a:lnSpc>
+                <a:spcPct val="100000"/>
+              </a:lnSpc>
+              <a:buSzPct val="45000"/>
               <a:buFont typeface="StarSymbol"/>
               <a:buChar char=""/>
             </a:pPr>
@@ -13004,11 +10591,11 @@
             <a:endParaRPr/>
           </a:p>
           <a:p>
-            <a:pPr lvl="2">
-              <a:lnSpc>
-                <a:spcPct val="100000"/>
-              </a:lnSpc>
-              <a:buSzPct val="25000"/>
+            <a:pPr lvl="1">
+              <a:lnSpc>
+                <a:spcPct val="100000"/>
+              </a:lnSpc>
+              <a:buSzPct val="45000"/>
               <a:buFont typeface="StarSymbol"/>
               <a:buChar char=""/>
             </a:pPr>
@@ -13113,38 +10700,38 @@
   <p:timing>
     <p:tnLst>
       <p:par>
-        <p:cTn dur="indefinite" id="121" nodeType="tmRoot" restart="never">
+        <p:cTn dur="indefinite" id="123" nodeType="tmRoot" restart="never">
           <p:childTnLst>
             <p:seq>
-              <p:cTn dur="indefinite" id="122" nodeType="mainSeq">
+              <p:cTn dur="indefinite" id="124" nodeType="mainSeq">
                 <p:childTnLst>
                   <p:par>
-                    <p:cTn fill="hold" id="123">
+                    <p:cTn fill="hold" id="125">
                       <p:stCondLst>
                         <p:cond delay="indefinite"/>
                       </p:stCondLst>
                       <p:childTnLst>
                         <p:par>
-                          <p:cTn fill="hold" id="124">
+                          <p:cTn fill="hold" id="126">
                             <p:stCondLst>
                               <p:cond delay="0"/>
                             </p:stCondLst>
                             <p:childTnLst>
                               <p:par>
-                                <p:cTn fill="hold" id="125" nodeType="clickEffect" presetClass="entr" presetID="1">
+                                <p:cTn fill="hold" id="127" nodeType="clickEffect" presetClass="entr" presetID="1">
                                   <p:stCondLst>
                                     <p:cond delay="0"/>
                                   </p:stCondLst>
                                   <p:childTnLst>
                                     <p:set>
                                       <p:cBhvr>
-                                        <p:cTn dur="1" fill="hold" id="126">
+                                        <p:cTn dur="1" fill="hold" id="128">
                                           <p:stCondLst>
                                             <p:cond delay="0"/>
                                           </p:stCondLst>
                                         </p:cTn>
                                         <p:tgtEl>
-                                          <p:spTgt spid="178">
+                                          <p:spTgt spid="120">
                                             <p:txEl>
                                               <p:pRg end="111" st="0"/>
                                             </p:txEl>
@@ -13168,34 +10755,34 @@
                     </p:cTn>
                   </p:par>
                   <p:par>
-                    <p:cTn fill="hold" id="127">
+                    <p:cTn fill="hold" id="129">
                       <p:stCondLst>
                         <p:cond delay="indefinite"/>
                       </p:stCondLst>
                       <p:childTnLst>
                         <p:par>
-                          <p:cTn fill="hold" id="128">
+                          <p:cTn fill="hold" id="130">
                             <p:stCondLst>
                               <p:cond delay="0"/>
                             </p:stCondLst>
                             <p:childTnLst>
                               <p:par>
-                                <p:cTn fill="hold" id="129" nodeType="clickEffect" presetClass="entr" presetID="1">
+                                <p:cTn fill="hold" id="131" nodeType="clickEffect" presetClass="entr" presetID="1">
                                   <p:stCondLst>
                                     <p:cond delay="0"/>
                                   </p:stCondLst>
                                   <p:childTnLst>
                                     <p:set>
                                       <p:cBhvr>
-                                        <p:cTn dur="1" fill="hold" id="130">
+                                        <p:cTn dur="1" fill="hold" id="132">
                                           <p:stCondLst>
                                             <p:cond delay="0"/>
                                           </p:stCondLst>
                                         </p:cTn>
                                         <p:tgtEl>
-                                          <p:spTgt spid="178">
+                                          <p:spTgt spid="120">
                                             <p:txEl>
-                                              <p:pRg end="149" st="112"/>
+                                              <p:pRg end="805" st="805"/>
                                             </p:txEl>
                                           </p:spTgt>
                                         </p:tgtEl>
@@ -13217,34 +10804,34 @@
                     </p:cTn>
                   </p:par>
                   <p:par>
-                    <p:cTn fill="hold" id="131">
+                    <p:cTn fill="hold" id="133">
                       <p:stCondLst>
                         <p:cond delay="indefinite"/>
                       </p:stCondLst>
                       <p:childTnLst>
                         <p:par>
-                          <p:cTn fill="hold" id="132">
+                          <p:cTn fill="hold" id="134">
                             <p:stCondLst>
                               <p:cond delay="0"/>
                             </p:stCondLst>
                             <p:childTnLst>
                               <p:par>
-                                <p:cTn fill="hold" id="133" nodeType="clickEffect" presetClass="entr" presetID="1">
+                                <p:cTn fill="hold" id="135" nodeType="clickEffect" presetClass="entr" presetID="1">
                                   <p:stCondLst>
                                     <p:cond delay="0"/>
                                   </p:stCondLst>
                                   <p:childTnLst>
                                     <p:set>
                                       <p:cBhvr>
-                                        <p:cTn dur="1" fill="hold" id="134">
+                                        <p:cTn dur="1" fill="hold" id="136">
                                           <p:stCondLst>
                                             <p:cond delay="0"/>
                                           </p:stCondLst>
                                         </p:cTn>
                                         <p:tgtEl>
-                                          <p:spTgt spid="178">
+                                          <p:spTgt spid="120">
                                             <p:txEl>
-                                              <p:pRg end="188" st="150"/>
+                                              <p:pRg end="805" st="805"/>
                                             </p:txEl>
                                           </p:spTgt>
                                         </p:tgtEl>
@@ -13266,50 +10853,19 @@
                     </p:cTn>
                   </p:par>
                   <p:par>
-                    <p:cTn fill="hold" id="135">
+                    <p:cTn fill="hold" id="137">
                       <p:stCondLst>
                         <p:cond delay="indefinite"/>
                       </p:stCondLst>
                       <p:childTnLst>
                         <p:par>
-                          <p:cTn fill="hold" id="136">
+                          <p:cTn fill="hold" id="138">
                             <p:stCondLst>
                               <p:cond delay="0"/>
                             </p:stCondLst>
                             <p:childTnLst>
                               <p:par>
-                                <p:cTn fill="hold" id="137" nodeType="clickEffect" presetClass="entr" presetID="1">
-                                  <p:stCondLst>
-                                    <p:cond delay="0"/>
-                                  </p:stCondLst>
-                                  <p:childTnLst>
-                                    <p:set>
-                                      <p:cBhvr>
-                                        <p:cTn dur="1" fill="hold" id="138">
-                                          <p:stCondLst>
-                                            <p:cond delay="0"/>
-                                          </p:stCondLst>
-                                        </p:cTn>
-                                        <p:tgtEl>
-                                          <p:spTgt spid="178">
-                                            <p:txEl>
-                                              <p:pRg end="249" st="188"/>
-                                            </p:txEl>
-                                          </p:spTgt>
-                                        </p:tgtEl>
-                                        <p:attrNameLst>
-                                          <p:attrName>style.visibility</p:attrName>
-                                        </p:attrNameLst>
-                                      </p:cBhvr>
-                                      <p:to>
-                                        <p:strVal val="visible"/>
-                                      </p:to>
-                                    </p:set>
-                                  </p:childTnLst>
-                                </p:cTn>
-                              </p:par>
-                              <p:par>
-                                <p:cTn fill="hold" id="139" nodeType="withEffect" presetClass="entr" presetID="1">
+                                <p:cTn fill="hold" id="139" nodeType="clickEffect" presetClass="entr" presetID="1">
                                   <p:stCondLst>
                                     <p:cond delay="0"/>
                                   </p:stCondLst>
@@ -13322,9 +10878,9 @@
                                           </p:stCondLst>
                                         </p:cTn>
                                         <p:tgtEl>
-                                          <p:spTgt spid="178">
+                                          <p:spTgt spid="120">
                                             <p:txEl>
-                                              <p:pRg end="298" st="249"/>
+                                              <p:pRg end="805" st="805"/>
                                             </p:txEl>
                                           </p:spTgt>
                                         </p:tgtEl>
@@ -13353,9 +10909,40 @@
                                           </p:stCondLst>
                                         </p:cTn>
                                         <p:tgtEl>
-                                          <p:spTgt spid="178">
+                                          <p:spTgt spid="120">
                                             <p:txEl>
-                                              <p:pRg end="365" st="298"/>
+                                              <p:pRg end="805" st="805"/>
+                                            </p:txEl>
+                                          </p:spTgt>
+                                        </p:tgtEl>
+                                        <p:attrNameLst>
+                                          <p:attrName>style.visibility</p:attrName>
+                                        </p:attrNameLst>
+                                      </p:cBhvr>
+                                      <p:to>
+                                        <p:strVal val="visible"/>
+                                      </p:to>
+                                    </p:set>
+                                  </p:childTnLst>
+                                </p:cTn>
+                              </p:par>
+                              <p:par>
+                                <p:cTn fill="hold" id="143" nodeType="withEffect" presetClass="entr" presetID="1">
+                                  <p:stCondLst>
+                                    <p:cond delay="0"/>
+                                  </p:stCondLst>
+                                  <p:childTnLst>
+                                    <p:set>
+                                      <p:cBhvr>
+                                        <p:cTn dur="1" fill="hold" id="144">
+                                          <p:stCondLst>
+                                            <p:cond delay="0"/>
+                                          </p:stCondLst>
+                                        </p:cTn>
+                                        <p:tgtEl>
+                                          <p:spTgt spid="120">
+                                            <p:txEl>
+                                              <p:pRg end="805" st="805"/>
                                             </p:txEl>
                                           </p:spTgt>
                                         </p:tgtEl>
@@ -13377,50 +10964,19 @@
                     </p:cTn>
                   </p:par>
                   <p:par>
-                    <p:cTn fill="hold" id="143">
+                    <p:cTn fill="hold" id="145">
                       <p:stCondLst>
                         <p:cond delay="indefinite"/>
                       </p:stCondLst>
                       <p:childTnLst>
                         <p:par>
-                          <p:cTn fill="hold" id="144">
+                          <p:cTn fill="hold" id="146">
                             <p:stCondLst>
                               <p:cond delay="0"/>
                             </p:stCondLst>
                             <p:childTnLst>
                               <p:par>
-                                <p:cTn fill="hold" id="145" nodeType="clickEffect" presetClass="entr" presetID="1">
-                                  <p:stCondLst>
-                                    <p:cond delay="0"/>
-                                  </p:stCondLst>
-                                  <p:childTnLst>
-                                    <p:set>
-                                      <p:cBhvr>
-                                        <p:cTn dur="1" fill="hold" id="146">
-                                          <p:stCondLst>
-                                            <p:cond delay="0"/>
-                                          </p:stCondLst>
-                                        </p:cTn>
-                                        <p:tgtEl>
-                                          <p:spTgt spid="178">
-                                            <p:txEl>
-                                              <p:pRg end="398" st="365"/>
-                                            </p:txEl>
-                                          </p:spTgt>
-                                        </p:tgtEl>
-                                        <p:attrNameLst>
-                                          <p:attrName>style.visibility</p:attrName>
-                                        </p:attrNameLst>
-                                      </p:cBhvr>
-                                      <p:to>
-                                        <p:strVal val="visible"/>
-                                      </p:to>
-                                    </p:set>
-                                  </p:childTnLst>
-                                </p:cTn>
-                              </p:par>
-                              <p:par>
-                                <p:cTn fill="hold" id="147" nodeType="withEffect" presetClass="entr" presetID="1">
+                                <p:cTn fill="hold" id="147" nodeType="clickEffect" presetClass="entr" presetID="1">
                                   <p:stCondLst>
                                     <p:cond delay="0"/>
                                   </p:stCondLst>
@@ -13433,9 +10989,9 @@
                                           </p:stCondLst>
                                         </p:cTn>
                                         <p:tgtEl>
-                                          <p:spTgt spid="178">
+                                          <p:spTgt spid="120">
                                             <p:txEl>
-                                              <p:pRg end="466" st="398"/>
+                                              <p:pRg end="805" st="805"/>
                                             </p:txEl>
                                           </p:spTgt>
                                         </p:tgtEl>
@@ -13464,9 +11020,40 @@
                                           </p:stCondLst>
                                         </p:cTn>
                                         <p:tgtEl>
-                                          <p:spTgt spid="178">
+                                          <p:spTgt spid="120">
                                             <p:txEl>
-                                              <p:pRg end="515" st="466"/>
+                                              <p:pRg end="805" st="805"/>
+                                            </p:txEl>
+                                          </p:spTgt>
+                                        </p:tgtEl>
+                                        <p:attrNameLst>
+                                          <p:attrName>style.visibility</p:attrName>
+                                        </p:attrNameLst>
+                                      </p:cBhvr>
+                                      <p:to>
+                                        <p:strVal val="visible"/>
+                                      </p:to>
+                                    </p:set>
+                                  </p:childTnLst>
+                                </p:cTn>
+                              </p:par>
+                              <p:par>
+                                <p:cTn fill="hold" id="151" nodeType="withEffect" presetClass="entr" presetID="1">
+                                  <p:stCondLst>
+                                    <p:cond delay="0"/>
+                                  </p:stCondLst>
+                                  <p:childTnLst>
+                                    <p:set>
+                                      <p:cBhvr>
+                                        <p:cTn dur="1" fill="hold" id="152">
+                                          <p:stCondLst>
+                                            <p:cond delay="0"/>
+                                          </p:stCondLst>
+                                        </p:cTn>
+                                        <p:tgtEl>
+                                          <p:spTgt spid="120">
+                                            <p:txEl>
+                                              <p:pRg end="805" st="805"/>
                                             </p:txEl>
                                           </p:spTgt>
                                         </p:tgtEl>
@@ -13488,34 +11075,34 @@
                     </p:cTn>
                   </p:par>
                   <p:par>
-                    <p:cTn fill="hold" id="151">
+                    <p:cTn fill="hold" id="153">
                       <p:stCondLst>
                         <p:cond delay="indefinite"/>
                       </p:stCondLst>
                       <p:childTnLst>
                         <p:par>
-                          <p:cTn fill="hold" id="152">
+                          <p:cTn fill="hold" id="154">
                             <p:stCondLst>
                               <p:cond delay="0"/>
                             </p:stCondLst>
                             <p:childTnLst>
                               <p:par>
-                                <p:cTn fill="hold" id="153" nodeType="clickEffect" presetClass="entr" presetID="1">
+                                <p:cTn fill="hold" id="155" nodeType="clickEffect" presetClass="entr" presetID="1">
                                   <p:stCondLst>
                                     <p:cond delay="0"/>
                                   </p:stCondLst>
                                   <p:childTnLst>
                                     <p:set>
                                       <p:cBhvr>
-                                        <p:cTn dur="1" fill="hold" id="154">
+                                        <p:cTn dur="1" fill="hold" id="156">
                                           <p:stCondLst>
                                             <p:cond delay="0"/>
                                           </p:stCondLst>
                                         </p:cTn>
                                         <p:tgtEl>
-                                          <p:spTgt spid="178">
+                                          <p:spTgt spid="120">
                                             <p:txEl>
-                                              <p:pRg end="598" st="515"/>
+                                              <p:pRg end="805" st="805"/>
                                             </p:txEl>
                                           </p:spTgt>
                                         </p:tgtEl>
@@ -13537,34 +11124,34 @@
                     </p:cTn>
                   </p:par>
                   <p:par>
-                    <p:cTn fill="hold" id="155">
+                    <p:cTn fill="hold" id="157">
                       <p:stCondLst>
                         <p:cond delay="indefinite"/>
                       </p:stCondLst>
                       <p:childTnLst>
                         <p:par>
-                          <p:cTn fill="hold" id="156">
+                          <p:cTn fill="hold" id="158">
                             <p:stCondLst>
                               <p:cond delay="0"/>
                             </p:stCondLst>
                             <p:childTnLst>
                               <p:par>
-                                <p:cTn fill="hold" id="157" nodeType="clickEffect" presetClass="entr" presetID="1">
+                                <p:cTn fill="hold" id="159" nodeType="clickEffect" presetClass="entr" presetID="1">
                                   <p:stCondLst>
                                     <p:cond delay="0"/>
                                   </p:stCondLst>
                                   <p:childTnLst>
                                     <p:set>
                                       <p:cBhvr>
-                                        <p:cTn dur="1" fill="hold" id="158">
+                                        <p:cTn dur="1" fill="hold" id="160">
                                           <p:stCondLst>
                                             <p:cond delay="0"/>
                                           </p:stCondLst>
                                         </p:cTn>
                                         <p:tgtEl>
-                                          <p:spTgt spid="178">
+                                          <p:spTgt spid="120">
                                             <p:txEl>
-                                              <p:pRg end="638" st="598"/>
+                                              <p:pRg end="805" st="805"/>
                                             </p:txEl>
                                           </p:spTgt>
                                         </p:tgtEl>
@@ -13580,22 +11167,22 @@
                                 </p:cTn>
                               </p:par>
                               <p:par>
-                                <p:cTn fill="hold" id="159" nodeType="withEffect" presetClass="entr" presetID="1">
+                                <p:cTn fill="hold" id="161" nodeType="withEffect" presetClass="entr" presetID="1">
                                   <p:stCondLst>
                                     <p:cond delay="0"/>
                                   </p:stCondLst>
                                   <p:childTnLst>
                                     <p:set>
                                       <p:cBhvr>
-                                        <p:cTn dur="1" fill="hold" id="160">
+                                        <p:cTn dur="1" fill="hold" id="162">
                                           <p:stCondLst>
                                             <p:cond delay="0"/>
                                           </p:stCondLst>
                                         </p:cTn>
                                         <p:tgtEl>
-                                          <p:spTgt spid="178">
+                                          <p:spTgt spid="120">
                                             <p:txEl>
-                                              <p:pRg end="668" st="638"/>
+                                              <p:pRg end="805" st="805"/>
                                             </p:txEl>
                                           </p:spTgt>
                                         </p:tgtEl>
@@ -13617,34 +11204,34 @@
                     </p:cTn>
                   </p:par>
                   <p:par>
-                    <p:cTn fill="hold" id="161">
+                    <p:cTn fill="hold" id="163">
                       <p:stCondLst>
                         <p:cond delay="indefinite"/>
                       </p:stCondLst>
                       <p:childTnLst>
                         <p:par>
-                          <p:cTn fill="hold" id="162">
+                          <p:cTn fill="hold" id="164">
                             <p:stCondLst>
                               <p:cond delay="0"/>
                             </p:stCondLst>
                             <p:childTnLst>
                               <p:par>
-                                <p:cTn fill="hold" id="163" nodeType="clickEffect" presetClass="entr" presetID="1">
+                                <p:cTn fill="hold" id="165" nodeType="clickEffect" presetClass="entr" presetID="1">
                                   <p:stCondLst>
                                     <p:cond delay="0"/>
                                   </p:stCondLst>
                                   <p:childTnLst>
                                     <p:set>
                                       <p:cBhvr>
-                                        <p:cTn dur="1" fill="hold" id="164">
+                                        <p:cTn dur="1" fill="hold" id="166">
                                           <p:stCondLst>
                                             <p:cond delay="0"/>
                                           </p:stCondLst>
                                         </p:cTn>
                                         <p:tgtEl>
-                                          <p:spTgt spid="178">
+                                          <p:spTgt spid="120">
                                             <p:txEl>
-                                              <p:pRg end="741" st="668"/>
+                                              <p:pRg end="805" st="805"/>
                                             </p:txEl>
                                           </p:spTgt>
                                         </p:tgtEl>
@@ -13666,34 +11253,34 @@
                     </p:cTn>
                   </p:par>
                   <p:par>
-                    <p:cTn fill="hold" id="165">
+                    <p:cTn fill="hold" id="167">
                       <p:stCondLst>
                         <p:cond delay="indefinite"/>
                       </p:stCondLst>
                       <p:childTnLst>
                         <p:par>
-                          <p:cTn fill="hold" id="166">
+                          <p:cTn fill="hold" id="168">
                             <p:stCondLst>
                               <p:cond delay="0"/>
                             </p:stCondLst>
                             <p:childTnLst>
                               <p:par>
-                                <p:cTn fill="hold" id="167" nodeType="clickEffect" presetClass="entr" presetID="1">
+                                <p:cTn fill="hold" id="169" nodeType="clickEffect" presetClass="entr" presetID="1">
                                   <p:stCondLst>
                                     <p:cond delay="0"/>
                                   </p:stCondLst>
                                   <p:childTnLst>
                                     <p:set>
                                       <p:cBhvr>
-                                        <p:cTn dur="1" fill="hold" id="168">
+                                        <p:cTn dur="1" fill="hold" id="170">
                                           <p:stCondLst>
                                             <p:cond delay="0"/>
                                           </p:stCondLst>
                                         </p:cTn>
                                         <p:tgtEl>
-                                          <p:spTgt spid="178">
+                                          <p:spTgt spid="120">
                                             <p:txEl>
-                                              <p:pRg end="803" st="741"/>
+                                              <p:pRg end="805" st="805"/>
                                             </p:txEl>
                                           </p:spTgt>
                                         </p:tgtEl>
@@ -13758,14 +11345,14 @@
       </p:grpSpPr>
       <p:sp>
         <p:nvSpPr>
-          <p:cNvPr id="179" name="TextShape 1"/>
-          <p:cNvSpPr txBox="1"/>
+          <p:cNvPr id="121" name="CustomShape 1"/>
+          <p:cNvSpPr/>
           <p:nvPr/>
         </p:nvSpPr>
         <p:spPr>
           <a:xfrm>
             <a:off x="457200" y="704160"/>
-            <a:ext cx="8229240" cy="591120"/>
+            <a:ext cx="8228880" cy="590760"/>
           </a:xfrm>
           <a:prstGeom prst="rect">
             <a:avLst/>
@@ -13794,14 +11381,14 @@
       </p:sp>
       <p:sp>
         <p:nvSpPr>
-          <p:cNvPr id="180" name="TextShape 2"/>
-          <p:cNvSpPr txBox="1"/>
+          <p:cNvPr id="122" name="CustomShape 2"/>
+          <p:cNvSpPr/>
           <p:nvPr/>
         </p:nvSpPr>
         <p:spPr>
           <a:xfrm>
             <a:off x="457200" y="1523880"/>
-            <a:ext cx="8229240" cy="4800240"/>
+            <a:ext cx="8228880" cy="4799880"/>
           </a:xfrm>
           <a:prstGeom prst="rect">
             <a:avLst/>
@@ -13870,7 +11457,7 @@
               </a:lnSpc>
               <a:buSzPct val="25000"/>
               <a:buFont typeface="StarSymbol"/>
-              <a:buChar char=""/>
+              <a:buChar char="l"/>
             </a:pPr>
             <a:r>
               <a:rPr lang="en-US" sz="2400">
@@ -13918,40 +11505,40 @@
   <p:timing>
     <p:tnLst>
       <p:par>
-        <p:cTn dur="indefinite" id="169" nodeType="tmRoot" restart="never">
+        <p:cTn dur="indefinite" id="171" nodeType="tmRoot" restart="never">
           <p:childTnLst>
             <p:seq>
-              <p:cTn dur="indefinite" id="170" nodeType="mainSeq">
+              <p:cTn dur="indefinite" id="172" nodeType="mainSeq">
                 <p:childTnLst>
                   <p:par>
-                    <p:cTn fill="hold" id="171">
+                    <p:cTn fill="hold" id="173">
                       <p:stCondLst>
                         <p:cond delay="indefinite"/>
                       </p:stCondLst>
                       <p:childTnLst>
                         <p:par>
-                          <p:cTn fill="hold" id="172">
+                          <p:cTn fill="hold" id="174">
                             <p:stCondLst>
                               <p:cond delay="0"/>
                             </p:stCondLst>
                             <p:childTnLst>
                               <p:par>
-                                <p:cTn fill="hold" id="173" nodeType="clickEffect" presetClass="entr" presetID="1">
+                                <p:cTn fill="hold" id="175" nodeType="clickEffect" presetClass="entr" presetID="1">
                                   <p:stCondLst>
                                     <p:cond delay="0"/>
                                   </p:stCondLst>
                                   <p:childTnLst>
                                     <p:set>
                                       <p:cBhvr>
-                                        <p:cTn dur="1" fill="hold" id="174">
+                                        <p:cTn dur="1" fill="hold" id="176">
                                           <p:stCondLst>
                                             <p:cond delay="0"/>
                                           </p:stCondLst>
                                         </p:cTn>
                                         <p:tgtEl>
-                                          <p:spTgt spid="180">
+                                          <p:spTgt spid="122">
                                             <p:txEl>
-                                              <p:pRg end="274" st="219"/>
+                                              <p:pRg end="529" st="529"/>
                                             </p:txEl>
                                           </p:spTgt>
                                         </p:tgtEl>
@@ -13967,22 +11554,22 @@
                                 </p:cTn>
                               </p:par>
                               <p:par>
-                                <p:cTn fill="hold" id="175" nodeType="withEffect" presetClass="entr" presetID="1">
+                                <p:cTn fill="hold" id="177" nodeType="withEffect" presetClass="entr" presetID="1">
                                   <p:stCondLst>
                                     <p:cond delay="0"/>
                                   </p:stCondLst>
                                   <p:childTnLst>
                                     <p:set>
                                       <p:cBhvr>
-                                        <p:cTn dur="1" fill="hold" id="176">
+                                        <p:cTn dur="1" fill="hold" id="178">
                                           <p:stCondLst>
                                             <p:cond delay="0"/>
                                           </p:stCondLst>
                                         </p:cTn>
                                         <p:tgtEl>
-                                          <p:spTgt spid="180">
+                                          <p:spTgt spid="122">
                                             <p:txEl>
-                                              <p:pRg end="362" st="274"/>
+                                              <p:pRg end="529" st="529"/>
                                             </p:txEl>
                                           </p:spTgt>
                                         </p:tgtEl>
@@ -14004,34 +11591,34 @@
                     </p:cTn>
                   </p:par>
                   <p:par>
-                    <p:cTn fill="hold" id="177">
+                    <p:cTn fill="hold" id="179">
                       <p:stCondLst>
                         <p:cond delay="indefinite"/>
                       </p:stCondLst>
                       <p:childTnLst>
                         <p:par>
-                          <p:cTn fill="hold" id="178">
+                          <p:cTn fill="hold" id="180">
                             <p:stCondLst>
                               <p:cond delay="0"/>
                             </p:stCondLst>
                             <p:childTnLst>
                               <p:par>
-                                <p:cTn fill="hold" id="179" nodeType="clickEffect" presetClass="entr" presetID="1">
+                                <p:cTn fill="hold" id="181" nodeType="clickEffect" presetClass="entr" presetID="1">
                                   <p:stCondLst>
                                     <p:cond delay="0"/>
                                   </p:stCondLst>
                                   <p:childTnLst>
                                     <p:set>
                                       <p:cBhvr>
-                                        <p:cTn dur="1" fill="hold" id="180">
+                                        <p:cTn dur="1" fill="hold" id="182">
                                           <p:stCondLst>
                                             <p:cond delay="0"/>
                                           </p:stCondLst>
                                         </p:cTn>
                                         <p:tgtEl>
-                                          <p:spTgt spid="180">
+                                          <p:spTgt spid="122">
                                             <p:txEl>
-                                              <p:pRg end="528" st="362"/>
+                                              <p:pRg end="529" st="529"/>
                                             </p:txEl>
                                           </p:spTgt>
                                         </p:tgtEl>
@@ -14744,227 +12331,4 @@
     </a:fmtScheme>
   </a:themeElements>
 </a:theme>
-</file>
-
-<file path=ppt/theme/theme4.xml><?xml version="1.0" encoding="utf-8"?>
-<a:theme xmlns:a="http://schemas.openxmlformats.org/drawingml/2006/main" name="Office Theme">
-  <a:themeElements>
-    <a:clrScheme name="Office">
-      <a:dk1>
-        <a:sysClr val="windowText" lastClr="000000"/>
-      </a:dk1>
-      <a:lt1>
-        <a:sysClr val="window" lastClr="FFFFFF"/>
-      </a:lt1>
-      <a:dk2>
-        <a:srgbClr val="1F497D"/>
-      </a:dk2>
-      <a:lt2>
-        <a:srgbClr val="EEECE1"/>
-      </a:lt2>
-      <a:accent1>
-        <a:srgbClr val="4F81BD"/>
-      </a:accent1>
-      <a:accent2>
-        <a:srgbClr val="C0504D"/>
-      </a:accent2>
-      <a:accent3>
-        <a:srgbClr val="9BBB59"/>
-      </a:accent3>
-      <a:accent4>
-        <a:srgbClr val="8064A2"/>
-      </a:accent4>
-      <a:accent5>
-        <a:srgbClr val="4BACC6"/>
-      </a:accent5>
-      <a:accent6>
-        <a:srgbClr val="F79646"/>
-      </a:accent6>
-      <a:hlink>
-        <a:srgbClr val="0000FF"/>
-      </a:hlink>
-      <a:folHlink>
-        <a:srgbClr val="800080"/>
-      </a:folHlink>
-    </a:clrScheme>
-    <a:fontScheme name="Office">
-      <a:majorFont>
-        <a:latin typeface="Arial"/>
-        <a:ea typeface="DejaVu Sans"/>
-        <a:cs typeface="DejaVu Sans"/>
-      </a:majorFont>
-      <a:minorFont>
-        <a:latin typeface="Arial"/>
-        <a:ea typeface="DejaVu Sans"/>
-        <a:cs typeface="DejaVu Sans"/>
-      </a:minorFont>
-    </a:fontScheme>
-    <a:fmtScheme name="Office">
-      <a:fillStyleLst>
-        <a:solidFill>
-          <a:schemeClr val="phClr"/>
-        </a:solidFill>
-        <a:gradFill rotWithShape="1">
-          <a:gsLst>
-            <a:gs pos="0">
-              <a:schemeClr val="phClr">
-                <a:tint val="50000"/>
-                <a:satMod val="300000"/>
-              </a:schemeClr>
-            </a:gs>
-            <a:gs pos="35000">
-              <a:schemeClr val="phClr">
-                <a:tint val="37000"/>
-                <a:satMod val="300000"/>
-              </a:schemeClr>
-            </a:gs>
-            <a:gs pos="100000">
-              <a:schemeClr val="phClr">
-                <a:tint val="15000"/>
-                <a:satMod val="350000"/>
-              </a:schemeClr>
-            </a:gs>
-          </a:gsLst>
-          <a:lin ang="16200000" scaled="1"/>
-        </a:gradFill>
-        <a:gradFill rotWithShape="1">
-          <a:gsLst>
-            <a:gs pos="0">
-              <a:schemeClr val="phClr">
-                <a:shade val="51000"/>
-                <a:satMod val="130000"/>
-              </a:schemeClr>
-            </a:gs>
-            <a:gs pos="80000">
-              <a:schemeClr val="phClr">
-                <a:shade val="93000"/>
-                <a:satMod val="130000"/>
-              </a:schemeClr>
-            </a:gs>
-            <a:gs pos="100000">
-              <a:schemeClr val="phClr">
-                <a:shade val="94000"/>
-                <a:satMod val="135000"/>
-              </a:schemeClr>
-            </a:gs>
-          </a:gsLst>
-          <a:lin ang="16200000" scaled="0"/>
-        </a:gradFill>
-      </a:fillStyleLst>
-      <a:lnStyleLst>
-        <a:ln w="9525" cap="flat" cmpd="sng" algn="ctr">
-          <a:solidFill>
-            <a:schemeClr val="phClr">
-              <a:shade val="95000"/>
-              <a:satMod val="105000"/>
-            </a:schemeClr>
-          </a:solidFill>
-          <a:prstDash val="solid"/>
-        </a:ln>
-        <a:ln w="25400" cap="flat" cmpd="sng" algn="ctr">
-          <a:solidFill>
-            <a:schemeClr val="phClr"/>
-          </a:solidFill>
-          <a:prstDash val="solid"/>
-        </a:ln>
-        <a:ln w="38100" cap="flat" cmpd="sng" algn="ctr">
-          <a:solidFill>
-            <a:schemeClr val="phClr"/>
-          </a:solidFill>
-          <a:prstDash val="solid"/>
-        </a:ln>
-      </a:lnStyleLst>
-      <a:effectStyleLst>
-        <a:effectStyle>
-          <a:effectLst>
-            <a:outerShdw blurRad="40000" dist="20000" dir="5400000" rotWithShape="0">
-              <a:srgbClr val="000000">
-                <a:alpha val="38000"/>
-              </a:srgbClr>
-            </a:outerShdw>
-          </a:effectLst>
-        </a:effectStyle>
-        <a:effectStyle>
-          <a:effectLst>
-            <a:outerShdw blurRad="40000" dist="23000" dir="5400000" rotWithShape="0">
-              <a:srgbClr val="000000">
-                <a:alpha val="35000"/>
-              </a:srgbClr>
-            </a:outerShdw>
-          </a:effectLst>
-        </a:effectStyle>
-        <a:effectStyle>
-          <a:effectLst>
-            <a:outerShdw blurRad="40000" dist="23000" dir="5400000" rotWithShape="0">
-              <a:srgbClr val="000000">
-                <a:alpha val="35000"/>
-              </a:srgbClr>
-            </a:outerShdw>
-          </a:effectLst>
-          <a:scene3d>
-            <a:camera prst="orthographicFront">
-              <a:rot lat="0" lon="0" rev="0"/>
-            </a:camera>
-            <a:lightRig rig="threePt" dir="t">
-              <a:rot lat="0" lon="0" rev="1200000"/>
-            </a:lightRig>
-          </a:scene3d>
-          <a:sp3d>
-            <a:bevelT w="63500" h="25400"/>
-          </a:sp3d>
-        </a:effectStyle>
-      </a:effectStyleLst>
-      <a:bgFillStyleLst>
-        <a:solidFill>
-          <a:schemeClr val="phClr"/>
-        </a:solidFill>
-        <a:gradFill rotWithShape="1">
-          <a:gsLst>
-            <a:gs pos="0">
-              <a:schemeClr val="phClr">
-                <a:tint val="40000"/>
-                <a:satMod val="350000"/>
-              </a:schemeClr>
-            </a:gs>
-            <a:gs pos="40000">
-              <a:schemeClr val="phClr">
-                <a:tint val="45000"/>
-                <a:shade val="99000"/>
-                <a:satMod val="350000"/>
-              </a:schemeClr>
-            </a:gs>
-            <a:gs pos="100000">
-              <a:schemeClr val="phClr">
-                <a:shade val="20000"/>
-                <a:satMod val="255000"/>
-              </a:schemeClr>
-            </a:gs>
-          </a:gsLst>
-          <a:path path="circle">
-            <a:fillToRect l="50000" t="-80000" r="50000" b="180000"/>
-          </a:path>
-        </a:gradFill>
-        <a:gradFill rotWithShape="1">
-          <a:gsLst>
-            <a:gs pos="0">
-              <a:schemeClr val="phClr">
-                <a:tint val="80000"/>
-                <a:satMod val="300000"/>
-              </a:schemeClr>
-            </a:gs>
-            <a:gs pos="100000">
-              <a:schemeClr val="phClr">
-                <a:shade val="30000"/>
-                <a:satMod val="200000"/>
-              </a:schemeClr>
-            </a:gs>
-          </a:gsLst>
-          <a:path path="circle">
-            <a:fillToRect l="50000" t="50000" r="50000" b="50000"/>
-          </a:path>
-        </a:gradFill>
-      </a:bgFillStyleLst>
-    </a:fmtScheme>
-  </a:themeElements>
-</a:theme>
 </file>